--- a/eCommerce/Lectures/7th Week Lecture.pptx
+++ b/eCommerce/Lectures/7th Week Lecture.pptx
@@ -6,10 +6,25 @@
   </p:sldMasterIdLst>
   <p:sldIdLst>
     <p:sldId id="256" r:id="rId2"/>
-    <p:sldId id="257" r:id="rId3"/>
-    <p:sldId id="258" r:id="rId4"/>
-    <p:sldId id="259" r:id="rId5"/>
-    <p:sldId id="260" r:id="rId6"/>
+    <p:sldId id="261" r:id="rId3"/>
+    <p:sldId id="262" r:id="rId4"/>
+    <p:sldId id="263" r:id="rId5"/>
+    <p:sldId id="257" r:id="rId6"/>
+    <p:sldId id="264" r:id="rId7"/>
+    <p:sldId id="265" r:id="rId8"/>
+    <p:sldId id="266" r:id="rId9"/>
+    <p:sldId id="258" r:id="rId10"/>
+    <p:sldId id="267" r:id="rId11"/>
+    <p:sldId id="268" r:id="rId12"/>
+    <p:sldId id="259" r:id="rId13"/>
+    <p:sldId id="269" r:id="rId14"/>
+    <p:sldId id="270" r:id="rId15"/>
+    <p:sldId id="271" r:id="rId16"/>
+    <p:sldId id="260" r:id="rId17"/>
+    <p:sldId id="272" r:id="rId18"/>
+    <p:sldId id="273" r:id="rId19"/>
+    <p:sldId id="274" r:id="rId20"/>
+    <p:sldId id="275" r:id="rId21"/>
   </p:sldIdLst>
   <p:sldSz cx="12192000" cy="6858000"/>
   <p:notesSz cx="6858000" cy="9144000"/>
@@ -838,7 +853,7 @@
           <a:p>
             <a:fld id="{F92B177F-34A6-4B22-B4DE-0B5E1D1AE6C4}" type="datetimeFigureOut">
               <a:rPr lang="en-US" smtClean="0"/>
-              <a:t>4/9/2024</a:t>
+              <a:t>4/17/2024</a:t>
             </a:fld>
             <a:endParaRPr lang="en-US"/>
           </a:p>
@@ -1089,7 +1104,7 @@
           <a:p>
             <a:fld id="{F92B177F-34A6-4B22-B4DE-0B5E1D1AE6C4}" type="datetimeFigureOut">
               <a:rPr lang="en-US" smtClean="0"/>
-              <a:t>4/9/2024</a:t>
+              <a:t>4/17/2024</a:t>
             </a:fld>
             <a:endParaRPr lang="en-US"/>
           </a:p>
@@ -1403,7 +1418,7 @@
           <a:p>
             <a:fld id="{F92B177F-34A6-4B22-B4DE-0B5E1D1AE6C4}" type="datetimeFigureOut">
               <a:rPr lang="en-US" smtClean="0"/>
-              <a:t>4/9/2024</a:t>
+              <a:t>4/17/2024</a:t>
             </a:fld>
             <a:endParaRPr lang="en-US"/>
           </a:p>
@@ -1744,7 +1759,7 @@
           <a:p>
             <a:fld id="{F92B177F-34A6-4B22-B4DE-0B5E1D1AE6C4}" type="datetimeFigureOut">
               <a:rPr lang="en-US" smtClean="0"/>
-              <a:t>4/9/2024</a:t>
+              <a:t>4/17/2024</a:t>
             </a:fld>
             <a:endParaRPr lang="en-US"/>
           </a:p>
@@ -2058,7 +2073,7 @@
           <a:p>
             <a:fld id="{F92B177F-34A6-4B22-B4DE-0B5E1D1AE6C4}" type="datetimeFigureOut">
               <a:rPr lang="en-US" smtClean="0"/>
-              <a:t>4/9/2024</a:t>
+              <a:t>4/17/2024</a:t>
             </a:fld>
             <a:endParaRPr lang="en-US"/>
           </a:p>
@@ -2451,7 +2466,7 @@
           <a:p>
             <a:fld id="{F92B177F-34A6-4B22-B4DE-0B5E1D1AE6C4}" type="datetimeFigureOut">
               <a:rPr lang="en-US" smtClean="0"/>
-              <a:t>4/9/2024</a:t>
+              <a:t>4/17/2024</a:t>
             </a:fld>
             <a:endParaRPr lang="en-US"/>
           </a:p>
@@ -2621,7 +2636,7 @@
           <a:p>
             <a:fld id="{F92B177F-34A6-4B22-B4DE-0B5E1D1AE6C4}" type="datetimeFigureOut">
               <a:rPr lang="en-US" smtClean="0"/>
-              <a:t>4/9/2024</a:t>
+              <a:t>4/17/2024</a:t>
             </a:fld>
             <a:endParaRPr lang="en-US"/>
           </a:p>
@@ -2801,7 +2816,7 @@
           <a:p>
             <a:fld id="{F92B177F-34A6-4B22-B4DE-0B5E1D1AE6C4}" type="datetimeFigureOut">
               <a:rPr lang="en-US" smtClean="0"/>
-              <a:t>4/9/2024</a:t>
+              <a:t>4/17/2024</a:t>
             </a:fld>
             <a:endParaRPr lang="en-US"/>
           </a:p>
@@ -2977,7 +2992,7 @@
           <a:p>
             <a:fld id="{F92B177F-34A6-4B22-B4DE-0B5E1D1AE6C4}" type="datetimeFigureOut">
               <a:rPr lang="en-US" smtClean="0"/>
-              <a:t>4/9/2024</a:t>
+              <a:t>4/17/2024</a:t>
             </a:fld>
             <a:endParaRPr lang="en-US"/>
           </a:p>
@@ -3224,7 +3239,7 @@
           <a:p>
             <a:fld id="{F92B177F-34A6-4B22-B4DE-0B5E1D1AE6C4}" type="datetimeFigureOut">
               <a:rPr lang="en-US" smtClean="0"/>
-              <a:t>4/9/2024</a:t>
+              <a:t>4/17/2024</a:t>
             </a:fld>
             <a:endParaRPr lang="en-US"/>
           </a:p>
@@ -3456,7 +3471,7 @@
           <a:p>
             <a:fld id="{F92B177F-34A6-4B22-B4DE-0B5E1D1AE6C4}" type="datetimeFigureOut">
               <a:rPr lang="en-US" smtClean="0"/>
-              <a:t>4/9/2024</a:t>
+              <a:t>4/17/2024</a:t>
             </a:fld>
             <a:endParaRPr lang="en-US"/>
           </a:p>
@@ -3830,7 +3845,7 @@
           <a:p>
             <a:fld id="{F92B177F-34A6-4B22-B4DE-0B5E1D1AE6C4}" type="datetimeFigureOut">
               <a:rPr lang="en-US" smtClean="0"/>
-              <a:t>4/9/2024</a:t>
+              <a:t>4/17/2024</a:t>
             </a:fld>
             <a:endParaRPr lang="en-US"/>
           </a:p>
@@ -3953,7 +3968,7 @@
           <a:p>
             <a:fld id="{F92B177F-34A6-4B22-B4DE-0B5E1D1AE6C4}" type="datetimeFigureOut">
               <a:rPr lang="en-US" smtClean="0"/>
-              <a:t>4/9/2024</a:t>
+              <a:t>4/17/2024</a:t>
             </a:fld>
             <a:endParaRPr lang="en-US"/>
           </a:p>
@@ -4048,7 +4063,7 @@
           <a:p>
             <a:fld id="{F92B177F-34A6-4B22-B4DE-0B5E1D1AE6C4}" type="datetimeFigureOut">
               <a:rPr lang="en-US" smtClean="0"/>
-              <a:t>4/9/2024</a:t>
+              <a:t>4/17/2024</a:t>
             </a:fld>
             <a:endParaRPr lang="en-US"/>
           </a:p>
@@ -4303,7 +4318,7 @@
           <a:p>
             <a:fld id="{F92B177F-34A6-4B22-B4DE-0B5E1D1AE6C4}" type="datetimeFigureOut">
               <a:rPr lang="en-US" smtClean="0"/>
-              <a:t>4/9/2024</a:t>
+              <a:t>4/17/2024</a:t>
             </a:fld>
             <a:endParaRPr lang="en-US"/>
           </a:p>
@@ -4566,7 +4581,7 @@
           <a:p>
             <a:fld id="{F92B177F-34A6-4B22-B4DE-0B5E1D1AE6C4}" type="datetimeFigureOut">
               <a:rPr lang="en-US" smtClean="0"/>
-              <a:t>4/9/2024</a:t>
+              <a:t>4/17/2024</a:t>
             </a:fld>
             <a:endParaRPr lang="en-US"/>
           </a:p>
@@ -5309,7 +5324,7 @@
           <a:p>
             <a:fld id="{F92B177F-34A6-4B22-B4DE-0B5E1D1AE6C4}" type="datetimeFigureOut">
               <a:rPr lang="en-US" smtClean="0"/>
-              <a:t>4/9/2024</a:t>
+              <a:t>4/17/2024</a:t>
             </a:fld>
             <a:endParaRPr lang="en-US"/>
           </a:p>
@@ -6140,7 +6155,4371 @@
 </p:sld>
 </file>
 
+<file path=ppt/slides/slide10.xml><?xml version="1.0" encoding="utf-8"?>
+<p:sld xmlns:a="http://schemas.openxmlformats.org/drawingml/2006/main" xmlns:r="http://schemas.openxmlformats.org/officeDocument/2006/relationships" xmlns:p="http://schemas.openxmlformats.org/presentationml/2006/main">
+  <p:cSld>
+    <p:spTree>
+      <p:nvGrpSpPr>
+        <p:cNvPr id="1" name="">
+          <a:extLst>
+            <a:ext uri="{FF2B5EF4-FFF2-40B4-BE49-F238E27FC236}">
+              <a16:creationId xmlns:a16="http://schemas.microsoft.com/office/drawing/2014/main" id="{E96DD933-9E93-4321-D965-B067EFA10BC9}"/>
+            </a:ext>
+          </a:extLst>
+        </p:cNvPr>
+        <p:cNvGrpSpPr/>
+        <p:nvPr/>
+      </p:nvGrpSpPr>
+      <p:grpSpPr>
+        <a:xfrm>
+          <a:off x="0" y="0"/>
+          <a:ext cx="0" cy="0"/>
+          <a:chOff x="0" y="0"/>
+          <a:chExt cx="0" cy="0"/>
+        </a:xfrm>
+      </p:grpSpPr>
+      <p:pic>
+        <p:nvPicPr>
+          <p:cNvPr id="7" name="Picture 6">
+            <a:extLst>
+              <a:ext uri="{FF2B5EF4-FFF2-40B4-BE49-F238E27FC236}">
+                <a16:creationId xmlns:a16="http://schemas.microsoft.com/office/drawing/2014/main" id="{5D1560CB-C582-AE30-F6AC-CF203C0E7524}"/>
+              </a:ext>
+            </a:extLst>
+          </p:cNvPr>
+          <p:cNvPicPr>
+            <a:picLocks noChangeAspect="1"/>
+          </p:cNvPicPr>
+          <p:nvPr/>
+        </p:nvPicPr>
+        <p:blipFill>
+          <a:blip r:embed="rId2">
+            <a:extLst>
+              <a:ext uri="{28A0092B-C50C-407E-A947-70E740481C1C}">
+                <a14:useLocalDpi xmlns:a14="http://schemas.microsoft.com/office/drawing/2010/main" val="0"/>
+              </a:ext>
+            </a:extLst>
+          </a:blip>
+          <a:stretch>
+            <a:fillRect/>
+          </a:stretch>
+        </p:blipFill>
+        <p:spPr>
+          <a:xfrm>
+            <a:off x="0" y="4844958"/>
+            <a:ext cx="1915235" cy="1915235"/>
+          </a:xfrm>
+          <a:prstGeom prst="rect">
+            <a:avLst/>
+          </a:prstGeom>
+        </p:spPr>
+      </p:pic>
+      <p:sp>
+        <p:nvSpPr>
+          <p:cNvPr id="8" name="TextBox 7">
+            <a:extLst>
+              <a:ext uri="{FF2B5EF4-FFF2-40B4-BE49-F238E27FC236}">
+                <a16:creationId xmlns:a16="http://schemas.microsoft.com/office/drawing/2014/main" id="{964F5ED1-B8CB-71D5-AC0F-9CD3D1699950}"/>
+              </a:ext>
+            </a:extLst>
+          </p:cNvPr>
+          <p:cNvSpPr txBox="1"/>
+          <p:nvPr/>
+        </p:nvSpPr>
+        <p:spPr>
+          <a:xfrm>
+            <a:off x="9778558" y="259307"/>
+            <a:ext cx="2536272" cy="461665"/>
+          </a:xfrm>
+          <a:prstGeom prst="rect">
+            <a:avLst/>
+          </a:prstGeom>
+          <a:noFill/>
+        </p:spPr>
+        <p:txBody>
+          <a:bodyPr wrap="square" rtlCol="0">
+            <a:spAutoFit/>
+          </a:bodyPr>
+          <a:lstStyle/>
+          <a:p>
+            <a:r>
+              <a:rPr lang="en-US" sz="2400" b="1" dirty="0">
+                <a:solidFill>
+                  <a:schemeClr val="bg1"/>
+                </a:solidFill>
+                <a:latin typeface="Arial Black" panose="020B0A04020102020204" pitchFamily="34" charset="0"/>
+              </a:rPr>
+              <a:t>AI Academy</a:t>
+            </a:r>
+            <a:r>
+              <a:rPr lang="en-US" sz="2400" b="0" i="0" dirty="0">
+                <a:solidFill>
+                  <a:schemeClr val="bg1"/>
+                </a:solidFill>
+                <a:effectLst/>
+                <a:latin typeface="arial" panose="020B0604020202020204" pitchFamily="34" charset="0"/>
+              </a:rPr>
+              <a:t>®</a:t>
+            </a:r>
+            <a:endParaRPr lang="en-US" sz="2400" b="1" dirty="0">
+              <a:solidFill>
+                <a:schemeClr val="bg1"/>
+              </a:solidFill>
+              <a:latin typeface="Arial Black" panose="020B0A04020102020204" pitchFamily="34" charset="0"/>
+            </a:endParaRPr>
+          </a:p>
+        </p:txBody>
+      </p:sp>
+      <p:sp>
+        <p:nvSpPr>
+          <p:cNvPr id="13" name="Scroll: Vertical 12">
+            <a:extLst>
+              <a:ext uri="{FF2B5EF4-FFF2-40B4-BE49-F238E27FC236}">
+                <a16:creationId xmlns:a16="http://schemas.microsoft.com/office/drawing/2014/main" id="{5038EA8D-7864-BE3E-498E-8AA5EA2BB75A}"/>
+              </a:ext>
+            </a:extLst>
+          </p:cNvPr>
+          <p:cNvSpPr/>
+          <p:nvPr/>
+        </p:nvSpPr>
+        <p:spPr>
+          <a:xfrm>
+            <a:off x="10459839" y="887102"/>
+            <a:ext cx="1091821" cy="873457"/>
+          </a:xfrm>
+          <a:prstGeom prst="verticalScroll">
+            <a:avLst/>
+          </a:prstGeom>
+          <a:solidFill>
+            <a:schemeClr val="bg1"/>
+          </a:solidFill>
+        </p:spPr>
+        <p:style>
+          <a:lnRef idx="2">
+            <a:schemeClr val="accent1">
+              <a:shade val="15000"/>
+            </a:schemeClr>
+          </a:lnRef>
+          <a:fillRef idx="1">
+            <a:schemeClr val="accent1"/>
+          </a:fillRef>
+          <a:effectRef idx="0">
+            <a:schemeClr val="accent1"/>
+          </a:effectRef>
+          <a:fontRef idx="minor">
+            <a:schemeClr val="lt1"/>
+          </a:fontRef>
+        </p:style>
+        <p:txBody>
+          <a:bodyPr rtlCol="0" anchor="ctr"/>
+          <a:lstStyle/>
+          <a:p>
+            <a:pPr algn="ctr"/>
+            <a:r>
+              <a:rPr lang="en-US" sz="4400" b="1" dirty="0">
+                <a:solidFill>
+                  <a:schemeClr val="tx1"/>
+                </a:solidFill>
+              </a:rPr>
+              <a:t>10</a:t>
+            </a:r>
+          </a:p>
+        </p:txBody>
+      </p:sp>
+      <p:sp>
+        <p:nvSpPr>
+          <p:cNvPr id="3" name="TextBox 2">
+            <a:extLst>
+              <a:ext uri="{FF2B5EF4-FFF2-40B4-BE49-F238E27FC236}">
+                <a16:creationId xmlns:a16="http://schemas.microsoft.com/office/drawing/2014/main" id="{5CDE55E0-C350-BA4F-4A33-CDF5780CF05D}"/>
+              </a:ext>
+            </a:extLst>
+          </p:cNvPr>
+          <p:cNvSpPr txBox="1"/>
+          <p:nvPr/>
+        </p:nvSpPr>
+        <p:spPr>
+          <a:xfrm>
+            <a:off x="1109533" y="259307"/>
+            <a:ext cx="2559868" cy="707886"/>
+          </a:xfrm>
+          <a:prstGeom prst="rect">
+            <a:avLst/>
+          </a:prstGeom>
+          <a:noFill/>
+        </p:spPr>
+        <p:txBody>
+          <a:bodyPr wrap="none" rtlCol="0">
+            <a:spAutoFit/>
+          </a:bodyPr>
+          <a:lstStyle/>
+          <a:p>
+            <a:r>
+              <a:rPr lang="en-US" sz="4000" b="1" dirty="0">
+                <a:latin typeface="Arial Black" panose="020B0A04020102020204" pitchFamily="34" charset="0"/>
+              </a:rPr>
+              <a:t>Week #7</a:t>
+            </a:r>
+          </a:p>
+        </p:txBody>
+      </p:sp>
+      <p:sp>
+        <p:nvSpPr>
+          <p:cNvPr id="4" name="TextBox 3">
+            <a:extLst>
+              <a:ext uri="{FF2B5EF4-FFF2-40B4-BE49-F238E27FC236}">
+                <a16:creationId xmlns:a16="http://schemas.microsoft.com/office/drawing/2014/main" id="{B2C08EA4-1E7F-6D02-0BB6-575C2A4A849A}"/>
+              </a:ext>
+            </a:extLst>
+          </p:cNvPr>
+          <p:cNvSpPr txBox="1"/>
+          <p:nvPr/>
+        </p:nvSpPr>
+        <p:spPr>
+          <a:xfrm>
+            <a:off x="1470503" y="887102"/>
+            <a:ext cx="8308055" cy="3449470"/>
+          </a:xfrm>
+          <a:prstGeom prst="rect">
+            <a:avLst/>
+          </a:prstGeom>
+          <a:noFill/>
+        </p:spPr>
+        <p:txBody>
+          <a:bodyPr wrap="square" rtlCol="0">
+            <a:spAutoFit/>
+          </a:bodyPr>
+          <a:lstStyle/>
+          <a:p>
+            <a:pPr>
+              <a:lnSpc>
+                <a:spcPct val="150000"/>
+              </a:lnSpc>
+            </a:pPr>
+            <a:r>
+              <a:rPr lang="en-US" sz="2800" b="1" dirty="0">
+                <a:latin typeface="Times New Roman" panose="02020603050405020304" pitchFamily="18" charset="0"/>
+                <a:cs typeface="Times New Roman" panose="02020603050405020304" pitchFamily="18" charset="0"/>
+              </a:rPr>
+              <a:t>Order Management:</a:t>
+            </a:r>
+            <a:endParaRPr lang="en-US" sz="2400" b="1" dirty="0">
+              <a:latin typeface="Times New Roman" panose="02020603050405020304" pitchFamily="18" charset="0"/>
+              <a:cs typeface="Times New Roman" panose="02020603050405020304" pitchFamily="18" charset="0"/>
+            </a:endParaRPr>
+          </a:p>
+          <a:p>
+            <a:pPr lvl="1">
+              <a:lnSpc>
+                <a:spcPct val="150000"/>
+              </a:lnSpc>
+            </a:pPr>
+            <a:r>
+              <a:rPr lang="en-US" sz="2400" b="0" i="0" dirty="0">
+                <a:solidFill>
+                  <a:srgbClr val="1F1F1F"/>
+                </a:solidFill>
+                <a:effectLst/>
+                <a:latin typeface="Times New Roman" panose="02020603050405020304" pitchFamily="18" charset="0"/>
+                <a:cs typeface="Times New Roman" panose="02020603050405020304" pitchFamily="18" charset="0"/>
+              </a:rPr>
+              <a:t>An order management system (OMS) is </a:t>
+            </a:r>
+            <a:r>
+              <a:rPr lang="en-US" sz="2400" b="0" i="0" dirty="0">
+                <a:solidFill>
+                  <a:srgbClr val="040C28"/>
+                </a:solidFill>
+                <a:effectLst/>
+                <a:latin typeface="Times New Roman" panose="02020603050405020304" pitchFamily="18" charset="0"/>
+                <a:cs typeface="Times New Roman" panose="02020603050405020304" pitchFamily="18" charset="0"/>
+              </a:rPr>
+              <a:t>a digital way to manage the lifecycle of an order</a:t>
+            </a:r>
+            <a:r>
+              <a:rPr lang="en-US" sz="2400" b="0" i="0" dirty="0">
+                <a:solidFill>
+                  <a:srgbClr val="1F1F1F"/>
+                </a:solidFill>
+                <a:effectLst/>
+                <a:latin typeface="Times New Roman" panose="02020603050405020304" pitchFamily="18" charset="0"/>
+                <a:cs typeface="Times New Roman" panose="02020603050405020304" pitchFamily="18" charset="0"/>
+              </a:rPr>
+              <a:t>. ¹ It tracks all the information and processes, including order entry, inventory management, fulfillment, and after-sales service. An OMS offers visibility to both the business and the buyer.</a:t>
+            </a:r>
+            <a:endParaRPr lang="en-US" sz="2400" b="1" dirty="0">
+              <a:latin typeface="Times New Roman" panose="02020603050405020304" pitchFamily="18" charset="0"/>
+              <a:cs typeface="Times New Roman" panose="02020603050405020304" pitchFamily="18" charset="0"/>
+            </a:endParaRPr>
+          </a:p>
+        </p:txBody>
+      </p:sp>
+    </p:spTree>
+    <p:extLst>
+      <p:ext uri="{BB962C8B-B14F-4D97-AF65-F5344CB8AC3E}">
+        <p14:creationId xmlns:p14="http://schemas.microsoft.com/office/powerpoint/2010/main" val="1062026846"/>
+      </p:ext>
+    </p:extLst>
+  </p:cSld>
+  <p:clrMapOvr>
+    <a:masterClrMapping/>
+  </p:clrMapOvr>
+</p:sld>
+</file>
+
+<file path=ppt/slides/slide11.xml><?xml version="1.0" encoding="utf-8"?>
+<p:sld xmlns:a="http://schemas.openxmlformats.org/drawingml/2006/main" xmlns:r="http://schemas.openxmlformats.org/officeDocument/2006/relationships" xmlns:p="http://schemas.openxmlformats.org/presentationml/2006/main">
+  <p:cSld>
+    <p:spTree>
+      <p:nvGrpSpPr>
+        <p:cNvPr id="1" name="">
+          <a:extLst>
+            <a:ext uri="{FF2B5EF4-FFF2-40B4-BE49-F238E27FC236}">
+              <a16:creationId xmlns:a16="http://schemas.microsoft.com/office/drawing/2014/main" id="{E96DD933-9E93-4321-D965-B067EFA10BC9}"/>
+            </a:ext>
+          </a:extLst>
+        </p:cNvPr>
+        <p:cNvGrpSpPr/>
+        <p:nvPr/>
+      </p:nvGrpSpPr>
+      <p:grpSpPr>
+        <a:xfrm>
+          <a:off x="0" y="0"/>
+          <a:ext cx="0" cy="0"/>
+          <a:chOff x="0" y="0"/>
+          <a:chExt cx="0" cy="0"/>
+        </a:xfrm>
+      </p:grpSpPr>
+      <p:pic>
+        <p:nvPicPr>
+          <p:cNvPr id="7" name="Picture 6">
+            <a:extLst>
+              <a:ext uri="{FF2B5EF4-FFF2-40B4-BE49-F238E27FC236}">
+                <a16:creationId xmlns:a16="http://schemas.microsoft.com/office/drawing/2014/main" id="{5D1560CB-C582-AE30-F6AC-CF203C0E7524}"/>
+              </a:ext>
+            </a:extLst>
+          </p:cNvPr>
+          <p:cNvPicPr>
+            <a:picLocks noChangeAspect="1"/>
+          </p:cNvPicPr>
+          <p:nvPr/>
+        </p:nvPicPr>
+        <p:blipFill>
+          <a:blip r:embed="rId2">
+            <a:extLst>
+              <a:ext uri="{28A0092B-C50C-407E-A947-70E740481C1C}">
+                <a14:useLocalDpi xmlns:a14="http://schemas.microsoft.com/office/drawing/2010/main" val="0"/>
+              </a:ext>
+            </a:extLst>
+          </a:blip>
+          <a:stretch>
+            <a:fillRect/>
+          </a:stretch>
+        </p:blipFill>
+        <p:spPr>
+          <a:xfrm>
+            <a:off x="0" y="4844958"/>
+            <a:ext cx="1915235" cy="1915235"/>
+          </a:xfrm>
+          <a:prstGeom prst="rect">
+            <a:avLst/>
+          </a:prstGeom>
+        </p:spPr>
+      </p:pic>
+      <p:sp>
+        <p:nvSpPr>
+          <p:cNvPr id="8" name="TextBox 7">
+            <a:extLst>
+              <a:ext uri="{FF2B5EF4-FFF2-40B4-BE49-F238E27FC236}">
+                <a16:creationId xmlns:a16="http://schemas.microsoft.com/office/drawing/2014/main" id="{964F5ED1-B8CB-71D5-AC0F-9CD3D1699950}"/>
+              </a:ext>
+            </a:extLst>
+          </p:cNvPr>
+          <p:cNvSpPr txBox="1"/>
+          <p:nvPr/>
+        </p:nvSpPr>
+        <p:spPr>
+          <a:xfrm>
+            <a:off x="9778558" y="259307"/>
+            <a:ext cx="2536272" cy="461665"/>
+          </a:xfrm>
+          <a:prstGeom prst="rect">
+            <a:avLst/>
+          </a:prstGeom>
+          <a:noFill/>
+        </p:spPr>
+        <p:txBody>
+          <a:bodyPr wrap="square" rtlCol="0">
+            <a:spAutoFit/>
+          </a:bodyPr>
+          <a:lstStyle/>
+          <a:p>
+            <a:r>
+              <a:rPr lang="en-US" sz="2400" b="1" dirty="0">
+                <a:solidFill>
+                  <a:schemeClr val="bg1"/>
+                </a:solidFill>
+                <a:latin typeface="Arial Black" panose="020B0A04020102020204" pitchFamily="34" charset="0"/>
+              </a:rPr>
+              <a:t>AI Academy</a:t>
+            </a:r>
+            <a:r>
+              <a:rPr lang="en-US" sz="2400" b="0" i="0" dirty="0">
+                <a:solidFill>
+                  <a:schemeClr val="bg1"/>
+                </a:solidFill>
+                <a:effectLst/>
+                <a:latin typeface="arial" panose="020B0604020202020204" pitchFamily="34" charset="0"/>
+              </a:rPr>
+              <a:t>®</a:t>
+            </a:r>
+            <a:endParaRPr lang="en-US" sz="2400" b="1" dirty="0">
+              <a:solidFill>
+                <a:schemeClr val="bg1"/>
+              </a:solidFill>
+              <a:latin typeface="Arial Black" panose="020B0A04020102020204" pitchFamily="34" charset="0"/>
+            </a:endParaRPr>
+          </a:p>
+        </p:txBody>
+      </p:sp>
+      <p:sp>
+        <p:nvSpPr>
+          <p:cNvPr id="13" name="Scroll: Vertical 12">
+            <a:extLst>
+              <a:ext uri="{FF2B5EF4-FFF2-40B4-BE49-F238E27FC236}">
+                <a16:creationId xmlns:a16="http://schemas.microsoft.com/office/drawing/2014/main" id="{5038EA8D-7864-BE3E-498E-8AA5EA2BB75A}"/>
+              </a:ext>
+            </a:extLst>
+          </p:cNvPr>
+          <p:cNvSpPr/>
+          <p:nvPr/>
+        </p:nvSpPr>
+        <p:spPr>
+          <a:xfrm>
+            <a:off x="10459839" y="887102"/>
+            <a:ext cx="1091821" cy="873457"/>
+          </a:xfrm>
+          <a:prstGeom prst="verticalScroll">
+            <a:avLst/>
+          </a:prstGeom>
+          <a:solidFill>
+            <a:schemeClr val="bg1"/>
+          </a:solidFill>
+        </p:spPr>
+        <p:style>
+          <a:lnRef idx="2">
+            <a:schemeClr val="accent1">
+              <a:shade val="15000"/>
+            </a:schemeClr>
+          </a:lnRef>
+          <a:fillRef idx="1">
+            <a:schemeClr val="accent1"/>
+          </a:fillRef>
+          <a:effectRef idx="0">
+            <a:schemeClr val="accent1"/>
+          </a:effectRef>
+          <a:fontRef idx="minor">
+            <a:schemeClr val="lt1"/>
+          </a:fontRef>
+        </p:style>
+        <p:txBody>
+          <a:bodyPr rtlCol="0" anchor="ctr"/>
+          <a:lstStyle/>
+          <a:p>
+            <a:pPr algn="ctr"/>
+            <a:r>
+              <a:rPr lang="en-US" sz="4400" b="1" dirty="0">
+                <a:solidFill>
+                  <a:schemeClr val="tx1"/>
+                </a:solidFill>
+              </a:rPr>
+              <a:t>11</a:t>
+            </a:r>
+          </a:p>
+        </p:txBody>
+      </p:sp>
+      <p:sp>
+        <p:nvSpPr>
+          <p:cNvPr id="3" name="TextBox 2">
+            <a:extLst>
+              <a:ext uri="{FF2B5EF4-FFF2-40B4-BE49-F238E27FC236}">
+                <a16:creationId xmlns:a16="http://schemas.microsoft.com/office/drawing/2014/main" id="{5CDE55E0-C350-BA4F-4A33-CDF5780CF05D}"/>
+              </a:ext>
+            </a:extLst>
+          </p:cNvPr>
+          <p:cNvSpPr txBox="1"/>
+          <p:nvPr/>
+        </p:nvSpPr>
+        <p:spPr>
+          <a:xfrm>
+            <a:off x="1109533" y="259307"/>
+            <a:ext cx="2559868" cy="707886"/>
+          </a:xfrm>
+          <a:prstGeom prst="rect">
+            <a:avLst/>
+          </a:prstGeom>
+          <a:noFill/>
+        </p:spPr>
+        <p:txBody>
+          <a:bodyPr wrap="none" rtlCol="0">
+            <a:spAutoFit/>
+          </a:bodyPr>
+          <a:lstStyle/>
+          <a:p>
+            <a:r>
+              <a:rPr lang="en-US" sz="4000" b="1" dirty="0">
+                <a:latin typeface="Arial Black" panose="020B0A04020102020204" pitchFamily="34" charset="0"/>
+              </a:rPr>
+              <a:t>Week #7</a:t>
+            </a:r>
+          </a:p>
+        </p:txBody>
+      </p:sp>
+      <p:pic>
+        <p:nvPicPr>
+          <p:cNvPr id="9" name="Picture 8">
+            <a:extLst>
+              <a:ext uri="{FF2B5EF4-FFF2-40B4-BE49-F238E27FC236}">
+                <a16:creationId xmlns:a16="http://schemas.microsoft.com/office/drawing/2014/main" id="{13F2473E-AEB2-9588-4625-8C6AE09753E1}"/>
+              </a:ext>
+            </a:extLst>
+          </p:cNvPr>
+          <p:cNvPicPr>
+            <a:picLocks noChangeAspect="1"/>
+          </p:cNvPicPr>
+          <p:nvPr/>
+        </p:nvPicPr>
+        <p:blipFill>
+          <a:blip r:embed="rId3">
+            <a:extLst>
+              <a:ext uri="{28A0092B-C50C-407E-A947-70E740481C1C}">
+                <a14:useLocalDpi xmlns:a14="http://schemas.microsoft.com/office/drawing/2010/main" val="0"/>
+              </a:ext>
+            </a:extLst>
+          </a:blip>
+          <a:stretch>
+            <a:fillRect/>
+          </a:stretch>
+        </p:blipFill>
+        <p:spPr>
+          <a:xfrm>
+            <a:off x="1500454" y="967193"/>
+            <a:ext cx="7620000" cy="5041900"/>
+          </a:xfrm>
+          <a:prstGeom prst="rect">
+            <a:avLst/>
+          </a:prstGeom>
+        </p:spPr>
+      </p:pic>
+    </p:spTree>
+    <p:extLst>
+      <p:ext uri="{BB962C8B-B14F-4D97-AF65-F5344CB8AC3E}">
+        <p14:creationId xmlns:p14="http://schemas.microsoft.com/office/powerpoint/2010/main" val="1246231254"/>
+      </p:ext>
+    </p:extLst>
+  </p:cSld>
+  <p:clrMapOvr>
+    <a:masterClrMapping/>
+  </p:clrMapOvr>
+</p:sld>
+</file>
+
+<file path=ppt/slides/slide12.xml><?xml version="1.0" encoding="utf-8"?>
+<p:sld xmlns:a="http://schemas.openxmlformats.org/drawingml/2006/main" xmlns:r="http://schemas.openxmlformats.org/officeDocument/2006/relationships" xmlns:p="http://schemas.openxmlformats.org/presentationml/2006/main">
+  <p:cSld>
+    <p:spTree>
+      <p:nvGrpSpPr>
+        <p:cNvPr id="1" name="">
+          <a:extLst>
+            <a:ext uri="{FF2B5EF4-FFF2-40B4-BE49-F238E27FC236}">
+              <a16:creationId xmlns:a16="http://schemas.microsoft.com/office/drawing/2014/main" id="{47DF9C13-05A4-00F3-A860-72AD65E0A06E}"/>
+            </a:ext>
+          </a:extLst>
+        </p:cNvPr>
+        <p:cNvGrpSpPr/>
+        <p:nvPr/>
+      </p:nvGrpSpPr>
+      <p:grpSpPr>
+        <a:xfrm>
+          <a:off x="0" y="0"/>
+          <a:ext cx="0" cy="0"/>
+          <a:chOff x="0" y="0"/>
+          <a:chExt cx="0" cy="0"/>
+        </a:xfrm>
+      </p:grpSpPr>
+      <p:pic>
+        <p:nvPicPr>
+          <p:cNvPr id="7" name="Picture 6">
+            <a:extLst>
+              <a:ext uri="{FF2B5EF4-FFF2-40B4-BE49-F238E27FC236}">
+                <a16:creationId xmlns:a16="http://schemas.microsoft.com/office/drawing/2014/main" id="{25E6FDAB-D442-9EA8-905E-BF5A169C9FB5}"/>
+              </a:ext>
+            </a:extLst>
+          </p:cNvPr>
+          <p:cNvPicPr>
+            <a:picLocks noChangeAspect="1"/>
+          </p:cNvPicPr>
+          <p:nvPr/>
+        </p:nvPicPr>
+        <p:blipFill>
+          <a:blip r:embed="rId2">
+            <a:extLst>
+              <a:ext uri="{28A0092B-C50C-407E-A947-70E740481C1C}">
+                <a14:useLocalDpi xmlns:a14="http://schemas.microsoft.com/office/drawing/2010/main" val="0"/>
+              </a:ext>
+            </a:extLst>
+          </a:blip>
+          <a:stretch>
+            <a:fillRect/>
+          </a:stretch>
+        </p:blipFill>
+        <p:spPr>
+          <a:xfrm>
+            <a:off x="0" y="4844958"/>
+            <a:ext cx="1915235" cy="1915235"/>
+          </a:xfrm>
+          <a:prstGeom prst="rect">
+            <a:avLst/>
+          </a:prstGeom>
+        </p:spPr>
+      </p:pic>
+      <p:sp>
+        <p:nvSpPr>
+          <p:cNvPr id="8" name="TextBox 7">
+            <a:extLst>
+              <a:ext uri="{FF2B5EF4-FFF2-40B4-BE49-F238E27FC236}">
+                <a16:creationId xmlns:a16="http://schemas.microsoft.com/office/drawing/2014/main" id="{69FF4E71-12CB-3666-C1EE-2C9A627335A2}"/>
+              </a:ext>
+            </a:extLst>
+          </p:cNvPr>
+          <p:cNvSpPr txBox="1"/>
+          <p:nvPr/>
+        </p:nvSpPr>
+        <p:spPr>
+          <a:xfrm>
+            <a:off x="9778558" y="259307"/>
+            <a:ext cx="2536272" cy="461665"/>
+          </a:xfrm>
+          <a:prstGeom prst="rect">
+            <a:avLst/>
+          </a:prstGeom>
+          <a:noFill/>
+        </p:spPr>
+        <p:txBody>
+          <a:bodyPr wrap="square" rtlCol="0">
+            <a:spAutoFit/>
+          </a:bodyPr>
+          <a:lstStyle/>
+          <a:p>
+            <a:r>
+              <a:rPr lang="en-US" sz="2400" b="1" dirty="0">
+                <a:solidFill>
+                  <a:schemeClr val="bg1"/>
+                </a:solidFill>
+                <a:latin typeface="Arial Black" panose="020B0A04020102020204" pitchFamily="34" charset="0"/>
+              </a:rPr>
+              <a:t>AI Academy</a:t>
+            </a:r>
+            <a:r>
+              <a:rPr lang="en-US" sz="2400" b="0" i="0" dirty="0">
+                <a:solidFill>
+                  <a:schemeClr val="bg1"/>
+                </a:solidFill>
+                <a:effectLst/>
+                <a:latin typeface="arial" panose="020B0604020202020204" pitchFamily="34" charset="0"/>
+              </a:rPr>
+              <a:t>®</a:t>
+            </a:r>
+            <a:endParaRPr lang="en-US" sz="2400" b="1" dirty="0">
+              <a:solidFill>
+                <a:schemeClr val="bg1"/>
+              </a:solidFill>
+              <a:latin typeface="Arial Black" panose="020B0A04020102020204" pitchFamily="34" charset="0"/>
+            </a:endParaRPr>
+          </a:p>
+        </p:txBody>
+      </p:sp>
+      <p:sp>
+        <p:nvSpPr>
+          <p:cNvPr id="13" name="Scroll: Vertical 12">
+            <a:extLst>
+              <a:ext uri="{FF2B5EF4-FFF2-40B4-BE49-F238E27FC236}">
+                <a16:creationId xmlns:a16="http://schemas.microsoft.com/office/drawing/2014/main" id="{48F135C3-AD06-1FA0-29F0-9123B4BC009F}"/>
+              </a:ext>
+            </a:extLst>
+          </p:cNvPr>
+          <p:cNvSpPr/>
+          <p:nvPr/>
+        </p:nvSpPr>
+        <p:spPr>
+          <a:xfrm>
+            <a:off x="10459839" y="887102"/>
+            <a:ext cx="1091821" cy="873457"/>
+          </a:xfrm>
+          <a:prstGeom prst="verticalScroll">
+            <a:avLst/>
+          </a:prstGeom>
+          <a:solidFill>
+            <a:schemeClr val="bg1"/>
+          </a:solidFill>
+        </p:spPr>
+        <p:style>
+          <a:lnRef idx="2">
+            <a:schemeClr val="accent1">
+              <a:shade val="15000"/>
+            </a:schemeClr>
+          </a:lnRef>
+          <a:fillRef idx="1">
+            <a:schemeClr val="accent1"/>
+          </a:fillRef>
+          <a:effectRef idx="0">
+            <a:schemeClr val="accent1"/>
+          </a:effectRef>
+          <a:fontRef idx="minor">
+            <a:schemeClr val="lt1"/>
+          </a:fontRef>
+        </p:style>
+        <p:txBody>
+          <a:bodyPr rtlCol="0" anchor="ctr"/>
+          <a:lstStyle/>
+          <a:p>
+            <a:pPr algn="ctr"/>
+            <a:r>
+              <a:rPr lang="en-US" sz="4400" b="1" dirty="0">
+                <a:solidFill>
+                  <a:schemeClr val="tx1"/>
+                </a:solidFill>
+              </a:rPr>
+              <a:t>12</a:t>
+            </a:r>
+          </a:p>
+        </p:txBody>
+      </p:sp>
+      <p:sp>
+        <p:nvSpPr>
+          <p:cNvPr id="2" name="TextBox 1">
+            <a:extLst>
+              <a:ext uri="{FF2B5EF4-FFF2-40B4-BE49-F238E27FC236}">
+                <a16:creationId xmlns:a16="http://schemas.microsoft.com/office/drawing/2014/main" id="{2E5A3BF6-53E4-2CD7-8E1B-3A695A213A3A}"/>
+              </a:ext>
+            </a:extLst>
+          </p:cNvPr>
+          <p:cNvSpPr txBox="1"/>
+          <p:nvPr/>
+        </p:nvSpPr>
+        <p:spPr>
+          <a:xfrm>
+            <a:off x="1915235" y="1255590"/>
+            <a:ext cx="7102156" cy="3431196"/>
+          </a:xfrm>
+          <a:prstGeom prst="rect">
+            <a:avLst/>
+          </a:prstGeom>
+          <a:noFill/>
+        </p:spPr>
+        <p:txBody>
+          <a:bodyPr wrap="square" rtlCol="0">
+            <a:spAutoFit/>
+          </a:bodyPr>
+          <a:lstStyle/>
+          <a:p>
+            <a:pPr marL="285750" indent="-285750">
+              <a:lnSpc>
+                <a:spcPct val="150000"/>
+              </a:lnSpc>
+              <a:buFont typeface="Wingdings" panose="05000000000000000000" pitchFamily="2" charset="2"/>
+              <a:buChar char="Ø"/>
+            </a:pPr>
+            <a:r>
+              <a:rPr lang="en-US" sz="3600" b="1" dirty="0">
+                <a:latin typeface="Times New Roman" panose="02020603050405020304" pitchFamily="18" charset="0"/>
+                <a:cs typeface="Times New Roman" panose="02020603050405020304" pitchFamily="18" charset="0"/>
+              </a:rPr>
+              <a:t>Day 4: </a:t>
+            </a:r>
+          </a:p>
+          <a:p>
+            <a:pPr marL="1485900" lvl="2" indent="-571500">
+              <a:lnSpc>
+                <a:spcPct val="150000"/>
+              </a:lnSpc>
+              <a:buFont typeface="+mj-lt"/>
+              <a:buAutoNum type="romanUcPeriod"/>
+            </a:pPr>
+            <a:r>
+              <a:rPr lang="en-US" sz="2800" dirty="0">
+                <a:latin typeface="Times New Roman" panose="02020603050405020304" pitchFamily="18" charset="0"/>
+                <a:cs typeface="Times New Roman" panose="02020603050405020304" pitchFamily="18" charset="0"/>
+              </a:rPr>
+              <a:t>Defining Importance</a:t>
+            </a:r>
+          </a:p>
+          <a:p>
+            <a:pPr marL="1943100" lvl="3" indent="-571500">
+              <a:lnSpc>
+                <a:spcPct val="150000"/>
+              </a:lnSpc>
+              <a:buFont typeface="Arial" panose="020B0604020202020204" pitchFamily="34" charset="0"/>
+              <a:buChar char="•"/>
+            </a:pPr>
+            <a:r>
+              <a:rPr lang="en-US" sz="2800" dirty="0">
+                <a:latin typeface="Times New Roman" panose="02020603050405020304" pitchFamily="18" charset="0"/>
+                <a:cs typeface="Times New Roman" panose="02020603050405020304" pitchFamily="18" charset="0"/>
+              </a:rPr>
+              <a:t>Local Customer Support</a:t>
+            </a:r>
+          </a:p>
+          <a:p>
+            <a:pPr marL="1943100" lvl="3" indent="-571500">
+              <a:lnSpc>
+                <a:spcPct val="150000"/>
+              </a:lnSpc>
+              <a:buFont typeface="Arial" panose="020B0604020202020204" pitchFamily="34" charset="0"/>
+              <a:buChar char="•"/>
+            </a:pPr>
+            <a:r>
+              <a:rPr lang="en-US" sz="2800" dirty="0">
+                <a:latin typeface="Times New Roman" panose="02020603050405020304" pitchFamily="18" charset="0"/>
+                <a:cs typeface="Times New Roman" panose="02020603050405020304" pitchFamily="18" charset="0"/>
+              </a:rPr>
+              <a:t>Global Customer Support</a:t>
+            </a:r>
+          </a:p>
+          <a:p>
+            <a:pPr marL="1485900" lvl="2" indent="-571500">
+              <a:lnSpc>
+                <a:spcPct val="150000"/>
+              </a:lnSpc>
+              <a:buFont typeface="+mj-lt"/>
+              <a:buAutoNum type="romanUcPeriod"/>
+            </a:pPr>
+            <a:r>
+              <a:rPr lang="en-US" sz="2800" dirty="0">
+                <a:latin typeface="Times New Roman" panose="02020603050405020304" pitchFamily="18" charset="0"/>
+                <a:cs typeface="Times New Roman" panose="02020603050405020304" pitchFamily="18" charset="0"/>
+              </a:rPr>
+              <a:t>Reviews &amp; Feedbacks</a:t>
+            </a:r>
+          </a:p>
+        </p:txBody>
+      </p:sp>
+      <p:sp>
+        <p:nvSpPr>
+          <p:cNvPr id="3" name="TextBox 2">
+            <a:extLst>
+              <a:ext uri="{FF2B5EF4-FFF2-40B4-BE49-F238E27FC236}">
+                <a16:creationId xmlns:a16="http://schemas.microsoft.com/office/drawing/2014/main" id="{3A338323-A1BB-E65E-3214-184CC15AAEA5}"/>
+              </a:ext>
+            </a:extLst>
+          </p:cNvPr>
+          <p:cNvSpPr txBox="1"/>
+          <p:nvPr/>
+        </p:nvSpPr>
+        <p:spPr>
+          <a:xfrm>
+            <a:off x="1109533" y="259307"/>
+            <a:ext cx="2559868" cy="707886"/>
+          </a:xfrm>
+          <a:prstGeom prst="rect">
+            <a:avLst/>
+          </a:prstGeom>
+          <a:noFill/>
+        </p:spPr>
+        <p:txBody>
+          <a:bodyPr wrap="none" rtlCol="0">
+            <a:spAutoFit/>
+          </a:bodyPr>
+          <a:lstStyle/>
+          <a:p>
+            <a:r>
+              <a:rPr lang="en-US" sz="4000" b="1" dirty="0">
+                <a:latin typeface="Arial Black" panose="020B0A04020102020204" pitchFamily="34" charset="0"/>
+              </a:rPr>
+              <a:t>Week #7</a:t>
+            </a:r>
+          </a:p>
+        </p:txBody>
+      </p:sp>
+    </p:spTree>
+    <p:extLst>
+      <p:ext uri="{BB962C8B-B14F-4D97-AF65-F5344CB8AC3E}">
+        <p14:creationId xmlns:p14="http://schemas.microsoft.com/office/powerpoint/2010/main" val="1380376806"/>
+      </p:ext>
+    </p:extLst>
+  </p:cSld>
+  <p:clrMapOvr>
+    <a:masterClrMapping/>
+  </p:clrMapOvr>
+</p:sld>
+</file>
+
+<file path=ppt/slides/slide13.xml><?xml version="1.0" encoding="utf-8"?>
+<p:sld xmlns:a="http://schemas.openxmlformats.org/drawingml/2006/main" xmlns:r="http://schemas.openxmlformats.org/officeDocument/2006/relationships" xmlns:p="http://schemas.openxmlformats.org/presentationml/2006/main">
+  <p:cSld>
+    <p:spTree>
+      <p:nvGrpSpPr>
+        <p:cNvPr id="1" name="">
+          <a:extLst>
+            <a:ext uri="{FF2B5EF4-FFF2-40B4-BE49-F238E27FC236}">
+              <a16:creationId xmlns:a16="http://schemas.microsoft.com/office/drawing/2014/main" id="{47DF9C13-05A4-00F3-A860-72AD65E0A06E}"/>
+            </a:ext>
+          </a:extLst>
+        </p:cNvPr>
+        <p:cNvGrpSpPr/>
+        <p:nvPr/>
+      </p:nvGrpSpPr>
+      <p:grpSpPr>
+        <a:xfrm>
+          <a:off x="0" y="0"/>
+          <a:ext cx="0" cy="0"/>
+          <a:chOff x="0" y="0"/>
+          <a:chExt cx="0" cy="0"/>
+        </a:xfrm>
+      </p:grpSpPr>
+      <p:pic>
+        <p:nvPicPr>
+          <p:cNvPr id="7" name="Picture 6">
+            <a:extLst>
+              <a:ext uri="{FF2B5EF4-FFF2-40B4-BE49-F238E27FC236}">
+                <a16:creationId xmlns:a16="http://schemas.microsoft.com/office/drawing/2014/main" id="{25E6FDAB-D442-9EA8-905E-BF5A169C9FB5}"/>
+              </a:ext>
+            </a:extLst>
+          </p:cNvPr>
+          <p:cNvPicPr>
+            <a:picLocks noChangeAspect="1"/>
+          </p:cNvPicPr>
+          <p:nvPr/>
+        </p:nvPicPr>
+        <p:blipFill>
+          <a:blip r:embed="rId2">
+            <a:extLst>
+              <a:ext uri="{28A0092B-C50C-407E-A947-70E740481C1C}">
+                <a14:useLocalDpi xmlns:a14="http://schemas.microsoft.com/office/drawing/2010/main" val="0"/>
+              </a:ext>
+            </a:extLst>
+          </a:blip>
+          <a:stretch>
+            <a:fillRect/>
+          </a:stretch>
+        </p:blipFill>
+        <p:spPr>
+          <a:xfrm>
+            <a:off x="0" y="4844958"/>
+            <a:ext cx="1915235" cy="1915235"/>
+          </a:xfrm>
+          <a:prstGeom prst="rect">
+            <a:avLst/>
+          </a:prstGeom>
+        </p:spPr>
+      </p:pic>
+      <p:sp>
+        <p:nvSpPr>
+          <p:cNvPr id="8" name="TextBox 7">
+            <a:extLst>
+              <a:ext uri="{FF2B5EF4-FFF2-40B4-BE49-F238E27FC236}">
+                <a16:creationId xmlns:a16="http://schemas.microsoft.com/office/drawing/2014/main" id="{69FF4E71-12CB-3666-C1EE-2C9A627335A2}"/>
+              </a:ext>
+            </a:extLst>
+          </p:cNvPr>
+          <p:cNvSpPr txBox="1"/>
+          <p:nvPr/>
+        </p:nvSpPr>
+        <p:spPr>
+          <a:xfrm>
+            <a:off x="9778558" y="259307"/>
+            <a:ext cx="2536272" cy="461665"/>
+          </a:xfrm>
+          <a:prstGeom prst="rect">
+            <a:avLst/>
+          </a:prstGeom>
+          <a:noFill/>
+        </p:spPr>
+        <p:txBody>
+          <a:bodyPr wrap="square" rtlCol="0">
+            <a:spAutoFit/>
+          </a:bodyPr>
+          <a:lstStyle/>
+          <a:p>
+            <a:r>
+              <a:rPr lang="en-US" sz="2400" b="1" dirty="0">
+                <a:solidFill>
+                  <a:schemeClr val="bg1"/>
+                </a:solidFill>
+                <a:latin typeface="Arial Black" panose="020B0A04020102020204" pitchFamily="34" charset="0"/>
+              </a:rPr>
+              <a:t>AI Academy</a:t>
+            </a:r>
+            <a:r>
+              <a:rPr lang="en-US" sz="2400" b="0" i="0" dirty="0">
+                <a:solidFill>
+                  <a:schemeClr val="bg1"/>
+                </a:solidFill>
+                <a:effectLst/>
+                <a:latin typeface="arial" panose="020B0604020202020204" pitchFamily="34" charset="0"/>
+              </a:rPr>
+              <a:t>®</a:t>
+            </a:r>
+            <a:endParaRPr lang="en-US" sz="2400" b="1" dirty="0">
+              <a:solidFill>
+                <a:schemeClr val="bg1"/>
+              </a:solidFill>
+              <a:latin typeface="Arial Black" panose="020B0A04020102020204" pitchFamily="34" charset="0"/>
+            </a:endParaRPr>
+          </a:p>
+        </p:txBody>
+      </p:sp>
+      <p:sp>
+        <p:nvSpPr>
+          <p:cNvPr id="13" name="Scroll: Vertical 12">
+            <a:extLst>
+              <a:ext uri="{FF2B5EF4-FFF2-40B4-BE49-F238E27FC236}">
+                <a16:creationId xmlns:a16="http://schemas.microsoft.com/office/drawing/2014/main" id="{48F135C3-AD06-1FA0-29F0-9123B4BC009F}"/>
+              </a:ext>
+            </a:extLst>
+          </p:cNvPr>
+          <p:cNvSpPr/>
+          <p:nvPr/>
+        </p:nvSpPr>
+        <p:spPr>
+          <a:xfrm>
+            <a:off x="10459839" y="887102"/>
+            <a:ext cx="1091821" cy="873457"/>
+          </a:xfrm>
+          <a:prstGeom prst="verticalScroll">
+            <a:avLst/>
+          </a:prstGeom>
+          <a:solidFill>
+            <a:schemeClr val="bg1"/>
+          </a:solidFill>
+        </p:spPr>
+        <p:style>
+          <a:lnRef idx="2">
+            <a:schemeClr val="accent1">
+              <a:shade val="15000"/>
+            </a:schemeClr>
+          </a:lnRef>
+          <a:fillRef idx="1">
+            <a:schemeClr val="accent1"/>
+          </a:fillRef>
+          <a:effectRef idx="0">
+            <a:schemeClr val="accent1"/>
+          </a:effectRef>
+          <a:fontRef idx="minor">
+            <a:schemeClr val="lt1"/>
+          </a:fontRef>
+        </p:style>
+        <p:txBody>
+          <a:bodyPr rtlCol="0" anchor="ctr"/>
+          <a:lstStyle/>
+          <a:p>
+            <a:pPr algn="ctr"/>
+            <a:r>
+              <a:rPr lang="en-US" sz="4400" b="1" dirty="0">
+                <a:solidFill>
+                  <a:schemeClr val="tx1"/>
+                </a:solidFill>
+              </a:rPr>
+              <a:t>13</a:t>
+            </a:r>
+          </a:p>
+        </p:txBody>
+      </p:sp>
+      <p:sp>
+        <p:nvSpPr>
+          <p:cNvPr id="3" name="TextBox 2">
+            <a:extLst>
+              <a:ext uri="{FF2B5EF4-FFF2-40B4-BE49-F238E27FC236}">
+                <a16:creationId xmlns:a16="http://schemas.microsoft.com/office/drawing/2014/main" id="{3A338323-A1BB-E65E-3214-184CC15AAEA5}"/>
+              </a:ext>
+            </a:extLst>
+          </p:cNvPr>
+          <p:cNvSpPr txBox="1"/>
+          <p:nvPr/>
+        </p:nvSpPr>
+        <p:spPr>
+          <a:xfrm>
+            <a:off x="1109533" y="259307"/>
+            <a:ext cx="2559868" cy="707886"/>
+          </a:xfrm>
+          <a:prstGeom prst="rect">
+            <a:avLst/>
+          </a:prstGeom>
+          <a:noFill/>
+        </p:spPr>
+        <p:txBody>
+          <a:bodyPr wrap="none" rtlCol="0">
+            <a:spAutoFit/>
+          </a:bodyPr>
+          <a:lstStyle/>
+          <a:p>
+            <a:r>
+              <a:rPr lang="en-US" sz="4000" b="1" dirty="0">
+                <a:latin typeface="Arial Black" panose="020B0A04020102020204" pitchFamily="34" charset="0"/>
+              </a:rPr>
+              <a:t>Week #7</a:t>
+            </a:r>
+          </a:p>
+        </p:txBody>
+      </p:sp>
+      <p:sp>
+        <p:nvSpPr>
+          <p:cNvPr id="4" name="TextBox 3">
+            <a:extLst>
+              <a:ext uri="{FF2B5EF4-FFF2-40B4-BE49-F238E27FC236}">
+                <a16:creationId xmlns:a16="http://schemas.microsoft.com/office/drawing/2014/main" id="{4BD2B364-1A1F-3D51-9AB5-1C014AAE170E}"/>
+              </a:ext>
+            </a:extLst>
+          </p:cNvPr>
+          <p:cNvSpPr txBox="1"/>
+          <p:nvPr/>
+        </p:nvSpPr>
+        <p:spPr>
+          <a:xfrm>
+            <a:off x="1260644" y="797162"/>
+            <a:ext cx="8033260" cy="6212278"/>
+          </a:xfrm>
+          <a:prstGeom prst="rect">
+            <a:avLst/>
+          </a:prstGeom>
+          <a:noFill/>
+        </p:spPr>
+        <p:txBody>
+          <a:bodyPr wrap="square" rtlCol="0">
+            <a:spAutoFit/>
+          </a:bodyPr>
+          <a:lstStyle/>
+          <a:p>
+            <a:pPr>
+              <a:lnSpc>
+                <a:spcPct val="150000"/>
+              </a:lnSpc>
+            </a:pPr>
+            <a:r>
+              <a:rPr lang="en-US" sz="2800" b="1" dirty="0">
+                <a:latin typeface="Times New Roman" panose="02020603050405020304" pitchFamily="18" charset="0"/>
+                <a:cs typeface="Times New Roman" panose="02020603050405020304" pitchFamily="18" charset="0"/>
+              </a:rPr>
+              <a:t>Customer Support:</a:t>
+            </a:r>
+            <a:endParaRPr lang="en-US" sz="2400" b="1" dirty="0">
+              <a:latin typeface="Times New Roman" panose="02020603050405020304" pitchFamily="18" charset="0"/>
+              <a:cs typeface="Times New Roman" panose="02020603050405020304" pitchFamily="18" charset="0"/>
+            </a:endParaRPr>
+          </a:p>
+          <a:p>
+            <a:pPr lvl="1">
+              <a:lnSpc>
+                <a:spcPct val="150000"/>
+              </a:lnSpc>
+            </a:pPr>
+            <a:r>
+              <a:rPr lang="en-US" sz="2400" b="0" i="0" dirty="0">
+                <a:effectLst/>
+                <a:latin typeface="Times New Roman" panose="02020603050405020304" pitchFamily="18" charset="0"/>
+                <a:cs typeface="Times New Roman" panose="02020603050405020304" pitchFamily="18" charset="0"/>
+              </a:rPr>
+              <a:t>Customer support is the process of solving any customer challenges and pain points immediately via phone, email, live chat, tickets, or social media. Customer support not only ensures a smooth user experience but also strengthens the trust and loyalty between a brand and its customers.</a:t>
+            </a:r>
+          </a:p>
+          <a:p>
+            <a:pPr lvl="1">
+              <a:lnSpc>
+                <a:spcPct val="150000"/>
+              </a:lnSpc>
+            </a:pPr>
+            <a:r>
+              <a:rPr lang="en-US" sz="2400" b="1" dirty="0">
+                <a:latin typeface="Times New Roman" panose="02020603050405020304" pitchFamily="18" charset="0"/>
+                <a:cs typeface="Times New Roman" panose="02020603050405020304" pitchFamily="18" charset="0"/>
+              </a:rPr>
+              <a:t>Customer Service vs Customer Support:</a:t>
+            </a:r>
+          </a:p>
+          <a:p>
+            <a:pPr lvl="1">
+              <a:lnSpc>
+                <a:spcPct val="150000"/>
+              </a:lnSpc>
+            </a:pPr>
+            <a:r>
+              <a:rPr lang="en-US" sz="2400" b="0" dirty="0">
+                <a:effectLst/>
+                <a:latin typeface="Times New Roman" panose="02020603050405020304" pitchFamily="18" charset="0"/>
+                <a:cs typeface="Times New Roman" panose="02020603050405020304" pitchFamily="18" charset="0"/>
+              </a:rPr>
+              <a:t>It’s about saying to a customer, “I have something for you,” instead of a customer saying, “I need something from you.”</a:t>
+            </a:r>
+            <a:endParaRPr lang="en-US" sz="2400" b="1" dirty="0">
+              <a:latin typeface="Times New Roman" panose="02020603050405020304" pitchFamily="18" charset="0"/>
+              <a:cs typeface="Times New Roman" panose="02020603050405020304" pitchFamily="18" charset="0"/>
+            </a:endParaRPr>
+          </a:p>
+          <a:p>
+            <a:pPr lvl="1">
+              <a:lnSpc>
+                <a:spcPct val="150000"/>
+              </a:lnSpc>
+            </a:pPr>
+            <a:endParaRPr lang="en-US" sz="2400" b="1" dirty="0">
+              <a:latin typeface="Times New Roman" panose="02020603050405020304" pitchFamily="18" charset="0"/>
+              <a:cs typeface="Times New Roman" panose="02020603050405020304" pitchFamily="18" charset="0"/>
+            </a:endParaRPr>
+          </a:p>
+        </p:txBody>
+      </p:sp>
+    </p:spTree>
+    <p:extLst>
+      <p:ext uri="{BB962C8B-B14F-4D97-AF65-F5344CB8AC3E}">
+        <p14:creationId xmlns:p14="http://schemas.microsoft.com/office/powerpoint/2010/main" val="681452827"/>
+      </p:ext>
+    </p:extLst>
+  </p:cSld>
+  <p:clrMapOvr>
+    <a:masterClrMapping/>
+  </p:clrMapOvr>
+</p:sld>
+</file>
+
+<file path=ppt/slides/slide14.xml><?xml version="1.0" encoding="utf-8"?>
+<p:sld xmlns:a="http://schemas.openxmlformats.org/drawingml/2006/main" xmlns:r="http://schemas.openxmlformats.org/officeDocument/2006/relationships" xmlns:p="http://schemas.openxmlformats.org/presentationml/2006/main">
+  <p:cSld>
+    <p:spTree>
+      <p:nvGrpSpPr>
+        <p:cNvPr id="1" name="">
+          <a:extLst>
+            <a:ext uri="{FF2B5EF4-FFF2-40B4-BE49-F238E27FC236}">
+              <a16:creationId xmlns:a16="http://schemas.microsoft.com/office/drawing/2014/main" id="{47DF9C13-05A4-00F3-A860-72AD65E0A06E}"/>
+            </a:ext>
+          </a:extLst>
+        </p:cNvPr>
+        <p:cNvGrpSpPr/>
+        <p:nvPr/>
+      </p:nvGrpSpPr>
+      <p:grpSpPr>
+        <a:xfrm>
+          <a:off x="0" y="0"/>
+          <a:ext cx="0" cy="0"/>
+          <a:chOff x="0" y="0"/>
+          <a:chExt cx="0" cy="0"/>
+        </a:xfrm>
+      </p:grpSpPr>
+      <p:pic>
+        <p:nvPicPr>
+          <p:cNvPr id="7" name="Picture 6">
+            <a:extLst>
+              <a:ext uri="{FF2B5EF4-FFF2-40B4-BE49-F238E27FC236}">
+                <a16:creationId xmlns:a16="http://schemas.microsoft.com/office/drawing/2014/main" id="{25E6FDAB-D442-9EA8-905E-BF5A169C9FB5}"/>
+              </a:ext>
+            </a:extLst>
+          </p:cNvPr>
+          <p:cNvPicPr>
+            <a:picLocks noChangeAspect="1"/>
+          </p:cNvPicPr>
+          <p:nvPr/>
+        </p:nvPicPr>
+        <p:blipFill>
+          <a:blip r:embed="rId2">
+            <a:extLst>
+              <a:ext uri="{28A0092B-C50C-407E-A947-70E740481C1C}">
+                <a14:useLocalDpi xmlns:a14="http://schemas.microsoft.com/office/drawing/2010/main" val="0"/>
+              </a:ext>
+            </a:extLst>
+          </a:blip>
+          <a:stretch>
+            <a:fillRect/>
+          </a:stretch>
+        </p:blipFill>
+        <p:spPr>
+          <a:xfrm>
+            <a:off x="0" y="4844958"/>
+            <a:ext cx="1915235" cy="1915235"/>
+          </a:xfrm>
+          <a:prstGeom prst="rect">
+            <a:avLst/>
+          </a:prstGeom>
+        </p:spPr>
+      </p:pic>
+      <p:sp>
+        <p:nvSpPr>
+          <p:cNvPr id="8" name="TextBox 7">
+            <a:extLst>
+              <a:ext uri="{FF2B5EF4-FFF2-40B4-BE49-F238E27FC236}">
+                <a16:creationId xmlns:a16="http://schemas.microsoft.com/office/drawing/2014/main" id="{69FF4E71-12CB-3666-C1EE-2C9A627335A2}"/>
+              </a:ext>
+            </a:extLst>
+          </p:cNvPr>
+          <p:cNvSpPr txBox="1"/>
+          <p:nvPr/>
+        </p:nvSpPr>
+        <p:spPr>
+          <a:xfrm>
+            <a:off x="9778558" y="259307"/>
+            <a:ext cx="2536272" cy="461665"/>
+          </a:xfrm>
+          <a:prstGeom prst="rect">
+            <a:avLst/>
+          </a:prstGeom>
+          <a:noFill/>
+        </p:spPr>
+        <p:txBody>
+          <a:bodyPr wrap="square" rtlCol="0">
+            <a:spAutoFit/>
+          </a:bodyPr>
+          <a:lstStyle/>
+          <a:p>
+            <a:r>
+              <a:rPr lang="en-US" sz="2400" b="1" dirty="0">
+                <a:solidFill>
+                  <a:schemeClr val="bg1"/>
+                </a:solidFill>
+                <a:latin typeface="Arial Black" panose="020B0A04020102020204" pitchFamily="34" charset="0"/>
+              </a:rPr>
+              <a:t>AI Academy</a:t>
+            </a:r>
+            <a:r>
+              <a:rPr lang="en-US" sz="2400" b="0" i="0" dirty="0">
+                <a:solidFill>
+                  <a:schemeClr val="bg1"/>
+                </a:solidFill>
+                <a:effectLst/>
+                <a:latin typeface="arial" panose="020B0604020202020204" pitchFamily="34" charset="0"/>
+              </a:rPr>
+              <a:t>®</a:t>
+            </a:r>
+            <a:endParaRPr lang="en-US" sz="2400" b="1" dirty="0">
+              <a:solidFill>
+                <a:schemeClr val="bg1"/>
+              </a:solidFill>
+              <a:latin typeface="Arial Black" panose="020B0A04020102020204" pitchFamily="34" charset="0"/>
+            </a:endParaRPr>
+          </a:p>
+        </p:txBody>
+      </p:sp>
+      <p:sp>
+        <p:nvSpPr>
+          <p:cNvPr id="13" name="Scroll: Vertical 12">
+            <a:extLst>
+              <a:ext uri="{FF2B5EF4-FFF2-40B4-BE49-F238E27FC236}">
+                <a16:creationId xmlns:a16="http://schemas.microsoft.com/office/drawing/2014/main" id="{48F135C3-AD06-1FA0-29F0-9123B4BC009F}"/>
+              </a:ext>
+            </a:extLst>
+          </p:cNvPr>
+          <p:cNvSpPr/>
+          <p:nvPr/>
+        </p:nvSpPr>
+        <p:spPr>
+          <a:xfrm>
+            <a:off x="10459839" y="887102"/>
+            <a:ext cx="1091821" cy="873457"/>
+          </a:xfrm>
+          <a:prstGeom prst="verticalScroll">
+            <a:avLst/>
+          </a:prstGeom>
+          <a:solidFill>
+            <a:schemeClr val="bg1"/>
+          </a:solidFill>
+        </p:spPr>
+        <p:style>
+          <a:lnRef idx="2">
+            <a:schemeClr val="accent1">
+              <a:shade val="15000"/>
+            </a:schemeClr>
+          </a:lnRef>
+          <a:fillRef idx="1">
+            <a:schemeClr val="accent1"/>
+          </a:fillRef>
+          <a:effectRef idx="0">
+            <a:schemeClr val="accent1"/>
+          </a:effectRef>
+          <a:fontRef idx="minor">
+            <a:schemeClr val="lt1"/>
+          </a:fontRef>
+        </p:style>
+        <p:txBody>
+          <a:bodyPr rtlCol="0" anchor="ctr"/>
+          <a:lstStyle/>
+          <a:p>
+            <a:pPr algn="ctr"/>
+            <a:r>
+              <a:rPr lang="en-US" sz="4400" b="1" dirty="0">
+                <a:solidFill>
+                  <a:schemeClr val="tx1"/>
+                </a:solidFill>
+              </a:rPr>
+              <a:t>14</a:t>
+            </a:r>
+          </a:p>
+        </p:txBody>
+      </p:sp>
+      <p:sp>
+        <p:nvSpPr>
+          <p:cNvPr id="3" name="TextBox 2">
+            <a:extLst>
+              <a:ext uri="{FF2B5EF4-FFF2-40B4-BE49-F238E27FC236}">
+                <a16:creationId xmlns:a16="http://schemas.microsoft.com/office/drawing/2014/main" id="{3A338323-A1BB-E65E-3214-184CC15AAEA5}"/>
+              </a:ext>
+            </a:extLst>
+          </p:cNvPr>
+          <p:cNvSpPr txBox="1"/>
+          <p:nvPr/>
+        </p:nvSpPr>
+        <p:spPr>
+          <a:xfrm>
+            <a:off x="1109533" y="259307"/>
+            <a:ext cx="2559868" cy="707886"/>
+          </a:xfrm>
+          <a:prstGeom prst="rect">
+            <a:avLst/>
+          </a:prstGeom>
+          <a:noFill/>
+        </p:spPr>
+        <p:txBody>
+          <a:bodyPr wrap="none" rtlCol="0">
+            <a:spAutoFit/>
+          </a:bodyPr>
+          <a:lstStyle/>
+          <a:p>
+            <a:r>
+              <a:rPr lang="en-US" sz="4000" b="1" dirty="0">
+                <a:latin typeface="Arial Black" panose="020B0A04020102020204" pitchFamily="34" charset="0"/>
+              </a:rPr>
+              <a:t>Week #7</a:t>
+            </a:r>
+          </a:p>
+        </p:txBody>
+      </p:sp>
+      <p:pic>
+        <p:nvPicPr>
+          <p:cNvPr id="5" name="Picture 4">
+            <a:extLst>
+              <a:ext uri="{FF2B5EF4-FFF2-40B4-BE49-F238E27FC236}">
+                <a16:creationId xmlns:a16="http://schemas.microsoft.com/office/drawing/2014/main" id="{555756D5-D70F-4581-FB89-D4DE9D41EECA}"/>
+              </a:ext>
+            </a:extLst>
+          </p:cNvPr>
+          <p:cNvPicPr>
+            <a:picLocks noChangeAspect="1"/>
+          </p:cNvPicPr>
+          <p:nvPr/>
+        </p:nvPicPr>
+        <p:blipFill>
+          <a:blip r:embed="rId3">
+            <a:extLst>
+              <a:ext uri="{28A0092B-C50C-407E-A947-70E740481C1C}">
+                <a14:useLocalDpi xmlns:a14="http://schemas.microsoft.com/office/drawing/2010/main" val="0"/>
+              </a:ext>
+            </a:extLst>
+          </a:blip>
+          <a:stretch>
+            <a:fillRect/>
+          </a:stretch>
+        </p:blipFill>
+        <p:spPr>
+          <a:xfrm>
+            <a:off x="1364105" y="967193"/>
+            <a:ext cx="8177523" cy="4225270"/>
+          </a:xfrm>
+          <a:prstGeom prst="rect">
+            <a:avLst/>
+          </a:prstGeom>
+        </p:spPr>
+      </p:pic>
+    </p:spTree>
+    <p:extLst>
+      <p:ext uri="{BB962C8B-B14F-4D97-AF65-F5344CB8AC3E}">
+        <p14:creationId xmlns:p14="http://schemas.microsoft.com/office/powerpoint/2010/main" val="286576884"/>
+      </p:ext>
+    </p:extLst>
+  </p:cSld>
+  <p:clrMapOvr>
+    <a:masterClrMapping/>
+  </p:clrMapOvr>
+</p:sld>
+</file>
+
+<file path=ppt/slides/slide15.xml><?xml version="1.0" encoding="utf-8"?>
+<p:sld xmlns:a="http://schemas.openxmlformats.org/drawingml/2006/main" xmlns:r="http://schemas.openxmlformats.org/officeDocument/2006/relationships" xmlns:p="http://schemas.openxmlformats.org/presentationml/2006/main">
+  <p:cSld>
+    <p:spTree>
+      <p:nvGrpSpPr>
+        <p:cNvPr id="1" name="">
+          <a:extLst>
+            <a:ext uri="{FF2B5EF4-FFF2-40B4-BE49-F238E27FC236}">
+              <a16:creationId xmlns:a16="http://schemas.microsoft.com/office/drawing/2014/main" id="{47DF9C13-05A4-00F3-A860-72AD65E0A06E}"/>
+            </a:ext>
+          </a:extLst>
+        </p:cNvPr>
+        <p:cNvGrpSpPr/>
+        <p:nvPr/>
+      </p:nvGrpSpPr>
+      <p:grpSpPr>
+        <a:xfrm>
+          <a:off x="0" y="0"/>
+          <a:ext cx="0" cy="0"/>
+          <a:chOff x="0" y="0"/>
+          <a:chExt cx="0" cy="0"/>
+        </a:xfrm>
+      </p:grpSpPr>
+      <p:pic>
+        <p:nvPicPr>
+          <p:cNvPr id="7" name="Picture 6">
+            <a:extLst>
+              <a:ext uri="{FF2B5EF4-FFF2-40B4-BE49-F238E27FC236}">
+                <a16:creationId xmlns:a16="http://schemas.microsoft.com/office/drawing/2014/main" id="{25E6FDAB-D442-9EA8-905E-BF5A169C9FB5}"/>
+              </a:ext>
+            </a:extLst>
+          </p:cNvPr>
+          <p:cNvPicPr>
+            <a:picLocks noChangeAspect="1"/>
+          </p:cNvPicPr>
+          <p:nvPr/>
+        </p:nvPicPr>
+        <p:blipFill>
+          <a:blip r:embed="rId2">
+            <a:extLst>
+              <a:ext uri="{28A0092B-C50C-407E-A947-70E740481C1C}">
+                <a14:useLocalDpi xmlns:a14="http://schemas.microsoft.com/office/drawing/2010/main" val="0"/>
+              </a:ext>
+            </a:extLst>
+          </a:blip>
+          <a:stretch>
+            <a:fillRect/>
+          </a:stretch>
+        </p:blipFill>
+        <p:spPr>
+          <a:xfrm>
+            <a:off x="0" y="4844958"/>
+            <a:ext cx="1915235" cy="1915235"/>
+          </a:xfrm>
+          <a:prstGeom prst="rect">
+            <a:avLst/>
+          </a:prstGeom>
+        </p:spPr>
+      </p:pic>
+      <p:sp>
+        <p:nvSpPr>
+          <p:cNvPr id="8" name="TextBox 7">
+            <a:extLst>
+              <a:ext uri="{FF2B5EF4-FFF2-40B4-BE49-F238E27FC236}">
+                <a16:creationId xmlns:a16="http://schemas.microsoft.com/office/drawing/2014/main" id="{69FF4E71-12CB-3666-C1EE-2C9A627335A2}"/>
+              </a:ext>
+            </a:extLst>
+          </p:cNvPr>
+          <p:cNvSpPr txBox="1"/>
+          <p:nvPr/>
+        </p:nvSpPr>
+        <p:spPr>
+          <a:xfrm>
+            <a:off x="9778558" y="259307"/>
+            <a:ext cx="2536272" cy="461665"/>
+          </a:xfrm>
+          <a:prstGeom prst="rect">
+            <a:avLst/>
+          </a:prstGeom>
+          <a:noFill/>
+        </p:spPr>
+        <p:txBody>
+          <a:bodyPr wrap="square" rtlCol="0">
+            <a:spAutoFit/>
+          </a:bodyPr>
+          <a:lstStyle/>
+          <a:p>
+            <a:r>
+              <a:rPr lang="en-US" sz="2400" b="1" dirty="0">
+                <a:solidFill>
+                  <a:schemeClr val="bg1"/>
+                </a:solidFill>
+                <a:latin typeface="Arial Black" panose="020B0A04020102020204" pitchFamily="34" charset="0"/>
+              </a:rPr>
+              <a:t>AI Academy</a:t>
+            </a:r>
+            <a:r>
+              <a:rPr lang="en-US" sz="2400" b="0" i="0" dirty="0">
+                <a:solidFill>
+                  <a:schemeClr val="bg1"/>
+                </a:solidFill>
+                <a:effectLst/>
+                <a:latin typeface="arial" panose="020B0604020202020204" pitchFamily="34" charset="0"/>
+              </a:rPr>
+              <a:t>®</a:t>
+            </a:r>
+            <a:endParaRPr lang="en-US" sz="2400" b="1" dirty="0">
+              <a:solidFill>
+                <a:schemeClr val="bg1"/>
+              </a:solidFill>
+              <a:latin typeface="Arial Black" panose="020B0A04020102020204" pitchFamily="34" charset="0"/>
+            </a:endParaRPr>
+          </a:p>
+        </p:txBody>
+      </p:sp>
+      <p:sp>
+        <p:nvSpPr>
+          <p:cNvPr id="13" name="Scroll: Vertical 12">
+            <a:extLst>
+              <a:ext uri="{FF2B5EF4-FFF2-40B4-BE49-F238E27FC236}">
+                <a16:creationId xmlns:a16="http://schemas.microsoft.com/office/drawing/2014/main" id="{48F135C3-AD06-1FA0-29F0-9123B4BC009F}"/>
+              </a:ext>
+            </a:extLst>
+          </p:cNvPr>
+          <p:cNvSpPr/>
+          <p:nvPr/>
+        </p:nvSpPr>
+        <p:spPr>
+          <a:xfrm>
+            <a:off x="10459839" y="887102"/>
+            <a:ext cx="1091821" cy="873457"/>
+          </a:xfrm>
+          <a:prstGeom prst="verticalScroll">
+            <a:avLst/>
+          </a:prstGeom>
+          <a:solidFill>
+            <a:schemeClr val="bg1"/>
+          </a:solidFill>
+        </p:spPr>
+        <p:style>
+          <a:lnRef idx="2">
+            <a:schemeClr val="accent1">
+              <a:shade val="15000"/>
+            </a:schemeClr>
+          </a:lnRef>
+          <a:fillRef idx="1">
+            <a:schemeClr val="accent1"/>
+          </a:fillRef>
+          <a:effectRef idx="0">
+            <a:schemeClr val="accent1"/>
+          </a:effectRef>
+          <a:fontRef idx="minor">
+            <a:schemeClr val="lt1"/>
+          </a:fontRef>
+        </p:style>
+        <p:txBody>
+          <a:bodyPr rtlCol="0" anchor="ctr"/>
+          <a:lstStyle/>
+          <a:p>
+            <a:pPr algn="ctr"/>
+            <a:r>
+              <a:rPr lang="en-US" sz="4400" b="1" dirty="0">
+                <a:solidFill>
+                  <a:schemeClr val="tx1"/>
+                </a:solidFill>
+              </a:rPr>
+              <a:t>15</a:t>
+            </a:r>
+          </a:p>
+        </p:txBody>
+      </p:sp>
+      <p:sp>
+        <p:nvSpPr>
+          <p:cNvPr id="3" name="TextBox 2">
+            <a:extLst>
+              <a:ext uri="{FF2B5EF4-FFF2-40B4-BE49-F238E27FC236}">
+                <a16:creationId xmlns:a16="http://schemas.microsoft.com/office/drawing/2014/main" id="{3A338323-A1BB-E65E-3214-184CC15AAEA5}"/>
+              </a:ext>
+            </a:extLst>
+          </p:cNvPr>
+          <p:cNvSpPr txBox="1"/>
+          <p:nvPr/>
+        </p:nvSpPr>
+        <p:spPr>
+          <a:xfrm>
+            <a:off x="1109533" y="259307"/>
+            <a:ext cx="2559868" cy="707886"/>
+          </a:xfrm>
+          <a:prstGeom prst="rect">
+            <a:avLst/>
+          </a:prstGeom>
+          <a:noFill/>
+        </p:spPr>
+        <p:txBody>
+          <a:bodyPr wrap="none" rtlCol="0">
+            <a:spAutoFit/>
+          </a:bodyPr>
+          <a:lstStyle/>
+          <a:p>
+            <a:r>
+              <a:rPr lang="en-US" sz="4000" b="1" dirty="0">
+                <a:latin typeface="Arial Black" panose="020B0A04020102020204" pitchFamily="34" charset="0"/>
+              </a:rPr>
+              <a:t>Week #7</a:t>
+            </a:r>
+          </a:p>
+        </p:txBody>
+      </p:sp>
+      <p:sp>
+        <p:nvSpPr>
+          <p:cNvPr id="4" name="TextBox 3">
+            <a:extLst>
+              <a:ext uri="{FF2B5EF4-FFF2-40B4-BE49-F238E27FC236}">
+                <a16:creationId xmlns:a16="http://schemas.microsoft.com/office/drawing/2014/main" id="{4BD2B364-1A1F-3D51-9AB5-1C014AAE170E}"/>
+              </a:ext>
+            </a:extLst>
+          </p:cNvPr>
+          <p:cNvSpPr txBox="1"/>
+          <p:nvPr/>
+        </p:nvSpPr>
+        <p:spPr>
+          <a:xfrm>
+            <a:off x="1260644" y="797162"/>
+            <a:ext cx="8033260" cy="661207"/>
+          </a:xfrm>
+          <a:prstGeom prst="rect">
+            <a:avLst/>
+          </a:prstGeom>
+          <a:noFill/>
+        </p:spPr>
+        <p:txBody>
+          <a:bodyPr wrap="square" rtlCol="0">
+            <a:spAutoFit/>
+          </a:bodyPr>
+          <a:lstStyle/>
+          <a:p>
+            <a:pPr>
+              <a:lnSpc>
+                <a:spcPct val="150000"/>
+              </a:lnSpc>
+            </a:pPr>
+            <a:r>
+              <a:rPr lang="en-US" sz="2800" b="1" dirty="0">
+                <a:latin typeface="Times New Roman" panose="02020603050405020304" pitchFamily="18" charset="0"/>
+                <a:cs typeface="Times New Roman" panose="02020603050405020304" pitchFamily="18" charset="0"/>
+              </a:rPr>
+              <a:t>Customer Support Channels:</a:t>
+            </a:r>
+            <a:endParaRPr lang="en-US" sz="2400" b="1" dirty="0">
+              <a:latin typeface="Times New Roman" panose="02020603050405020304" pitchFamily="18" charset="0"/>
+              <a:cs typeface="Times New Roman" panose="02020603050405020304" pitchFamily="18" charset="0"/>
+            </a:endParaRPr>
+          </a:p>
+        </p:txBody>
+      </p:sp>
+      <p:pic>
+        <p:nvPicPr>
+          <p:cNvPr id="5" name="Picture 4">
+            <a:extLst>
+              <a:ext uri="{FF2B5EF4-FFF2-40B4-BE49-F238E27FC236}">
+                <a16:creationId xmlns:a16="http://schemas.microsoft.com/office/drawing/2014/main" id="{D61CE736-9871-EDE5-CE1C-29D877C03B91}"/>
+              </a:ext>
+            </a:extLst>
+          </p:cNvPr>
+          <p:cNvPicPr>
+            <a:picLocks noChangeAspect="1"/>
+          </p:cNvPicPr>
+          <p:nvPr/>
+        </p:nvPicPr>
+        <p:blipFill>
+          <a:blip r:embed="rId3">
+            <a:extLst>
+              <a:ext uri="{28A0092B-C50C-407E-A947-70E740481C1C}">
+                <a14:useLocalDpi xmlns:a14="http://schemas.microsoft.com/office/drawing/2010/main" val="0"/>
+              </a:ext>
+            </a:extLst>
+          </a:blip>
+          <a:stretch>
+            <a:fillRect/>
+          </a:stretch>
+        </p:blipFill>
+        <p:spPr>
+          <a:xfrm>
+            <a:off x="1601650" y="1433035"/>
+            <a:ext cx="7288676" cy="4518060"/>
+          </a:xfrm>
+          <a:prstGeom prst="rect">
+            <a:avLst/>
+          </a:prstGeom>
+        </p:spPr>
+      </p:pic>
+    </p:spTree>
+    <p:extLst>
+      <p:ext uri="{BB962C8B-B14F-4D97-AF65-F5344CB8AC3E}">
+        <p14:creationId xmlns:p14="http://schemas.microsoft.com/office/powerpoint/2010/main" val="3683423661"/>
+      </p:ext>
+    </p:extLst>
+  </p:cSld>
+  <p:clrMapOvr>
+    <a:masterClrMapping/>
+  </p:clrMapOvr>
+</p:sld>
+</file>
+
+<file path=ppt/slides/slide16.xml><?xml version="1.0" encoding="utf-8"?>
+<p:sld xmlns:a="http://schemas.openxmlformats.org/drawingml/2006/main" xmlns:r="http://schemas.openxmlformats.org/officeDocument/2006/relationships" xmlns:p="http://schemas.openxmlformats.org/presentationml/2006/main">
+  <p:cSld>
+    <p:spTree>
+      <p:nvGrpSpPr>
+        <p:cNvPr id="1" name="">
+          <a:extLst>
+            <a:ext uri="{FF2B5EF4-FFF2-40B4-BE49-F238E27FC236}">
+              <a16:creationId xmlns:a16="http://schemas.microsoft.com/office/drawing/2014/main" id="{652BEC75-8F64-27B0-ADE2-1F5D13E29634}"/>
+            </a:ext>
+          </a:extLst>
+        </p:cNvPr>
+        <p:cNvGrpSpPr/>
+        <p:nvPr/>
+      </p:nvGrpSpPr>
+      <p:grpSpPr>
+        <a:xfrm>
+          <a:off x="0" y="0"/>
+          <a:ext cx="0" cy="0"/>
+          <a:chOff x="0" y="0"/>
+          <a:chExt cx="0" cy="0"/>
+        </a:xfrm>
+      </p:grpSpPr>
+      <p:pic>
+        <p:nvPicPr>
+          <p:cNvPr id="7" name="Picture 6">
+            <a:extLst>
+              <a:ext uri="{FF2B5EF4-FFF2-40B4-BE49-F238E27FC236}">
+                <a16:creationId xmlns:a16="http://schemas.microsoft.com/office/drawing/2014/main" id="{B3DF5A13-DECF-0731-C22C-C7D3001751F0}"/>
+              </a:ext>
+            </a:extLst>
+          </p:cNvPr>
+          <p:cNvPicPr>
+            <a:picLocks noChangeAspect="1"/>
+          </p:cNvPicPr>
+          <p:nvPr/>
+        </p:nvPicPr>
+        <p:blipFill>
+          <a:blip r:embed="rId2">
+            <a:extLst>
+              <a:ext uri="{28A0092B-C50C-407E-A947-70E740481C1C}">
+                <a14:useLocalDpi xmlns:a14="http://schemas.microsoft.com/office/drawing/2010/main" val="0"/>
+              </a:ext>
+            </a:extLst>
+          </a:blip>
+          <a:stretch>
+            <a:fillRect/>
+          </a:stretch>
+        </p:blipFill>
+        <p:spPr>
+          <a:xfrm>
+            <a:off x="0" y="4844958"/>
+            <a:ext cx="1915235" cy="1915235"/>
+          </a:xfrm>
+          <a:prstGeom prst="rect">
+            <a:avLst/>
+          </a:prstGeom>
+        </p:spPr>
+      </p:pic>
+      <p:sp>
+        <p:nvSpPr>
+          <p:cNvPr id="8" name="TextBox 7">
+            <a:extLst>
+              <a:ext uri="{FF2B5EF4-FFF2-40B4-BE49-F238E27FC236}">
+                <a16:creationId xmlns:a16="http://schemas.microsoft.com/office/drawing/2014/main" id="{45C8D167-2F03-8954-57F8-08F53482CFA9}"/>
+              </a:ext>
+            </a:extLst>
+          </p:cNvPr>
+          <p:cNvSpPr txBox="1"/>
+          <p:nvPr/>
+        </p:nvSpPr>
+        <p:spPr>
+          <a:xfrm>
+            <a:off x="9778558" y="259307"/>
+            <a:ext cx="2536272" cy="461665"/>
+          </a:xfrm>
+          <a:prstGeom prst="rect">
+            <a:avLst/>
+          </a:prstGeom>
+          <a:noFill/>
+        </p:spPr>
+        <p:txBody>
+          <a:bodyPr wrap="square" rtlCol="0">
+            <a:spAutoFit/>
+          </a:bodyPr>
+          <a:lstStyle/>
+          <a:p>
+            <a:r>
+              <a:rPr lang="en-US" sz="2400" b="1" dirty="0">
+                <a:solidFill>
+                  <a:schemeClr val="bg1"/>
+                </a:solidFill>
+                <a:latin typeface="Arial Black" panose="020B0A04020102020204" pitchFamily="34" charset="0"/>
+              </a:rPr>
+              <a:t>AI Academy</a:t>
+            </a:r>
+            <a:r>
+              <a:rPr lang="en-US" sz="2400" b="0" i="0" dirty="0">
+                <a:solidFill>
+                  <a:schemeClr val="bg1"/>
+                </a:solidFill>
+                <a:effectLst/>
+                <a:latin typeface="arial" panose="020B0604020202020204" pitchFamily="34" charset="0"/>
+              </a:rPr>
+              <a:t>®</a:t>
+            </a:r>
+            <a:endParaRPr lang="en-US" sz="2400" b="1" dirty="0">
+              <a:solidFill>
+                <a:schemeClr val="bg1"/>
+              </a:solidFill>
+              <a:latin typeface="Arial Black" panose="020B0A04020102020204" pitchFamily="34" charset="0"/>
+            </a:endParaRPr>
+          </a:p>
+        </p:txBody>
+      </p:sp>
+      <p:sp>
+        <p:nvSpPr>
+          <p:cNvPr id="13" name="Scroll: Vertical 12">
+            <a:extLst>
+              <a:ext uri="{FF2B5EF4-FFF2-40B4-BE49-F238E27FC236}">
+                <a16:creationId xmlns:a16="http://schemas.microsoft.com/office/drawing/2014/main" id="{F936E3B0-6762-A2D4-C8F8-BCC3A7F97715}"/>
+              </a:ext>
+            </a:extLst>
+          </p:cNvPr>
+          <p:cNvSpPr/>
+          <p:nvPr/>
+        </p:nvSpPr>
+        <p:spPr>
+          <a:xfrm>
+            <a:off x="10459839" y="887102"/>
+            <a:ext cx="1091821" cy="873457"/>
+          </a:xfrm>
+          <a:prstGeom prst="verticalScroll">
+            <a:avLst/>
+          </a:prstGeom>
+          <a:solidFill>
+            <a:schemeClr val="bg1"/>
+          </a:solidFill>
+        </p:spPr>
+        <p:style>
+          <a:lnRef idx="2">
+            <a:schemeClr val="accent1">
+              <a:shade val="15000"/>
+            </a:schemeClr>
+          </a:lnRef>
+          <a:fillRef idx="1">
+            <a:schemeClr val="accent1"/>
+          </a:fillRef>
+          <a:effectRef idx="0">
+            <a:schemeClr val="accent1"/>
+          </a:effectRef>
+          <a:fontRef idx="minor">
+            <a:schemeClr val="lt1"/>
+          </a:fontRef>
+        </p:style>
+        <p:txBody>
+          <a:bodyPr rtlCol="0" anchor="ctr"/>
+          <a:lstStyle/>
+          <a:p>
+            <a:pPr algn="ctr"/>
+            <a:r>
+              <a:rPr lang="en-US" sz="4400" b="1" dirty="0">
+                <a:solidFill>
+                  <a:schemeClr val="tx1"/>
+                </a:solidFill>
+              </a:rPr>
+              <a:t>16</a:t>
+            </a:r>
+          </a:p>
+        </p:txBody>
+      </p:sp>
+      <p:sp>
+        <p:nvSpPr>
+          <p:cNvPr id="2" name="TextBox 1">
+            <a:extLst>
+              <a:ext uri="{FF2B5EF4-FFF2-40B4-BE49-F238E27FC236}">
+                <a16:creationId xmlns:a16="http://schemas.microsoft.com/office/drawing/2014/main" id="{3EA93B23-D028-2C29-1E1D-619113B66116}"/>
+              </a:ext>
+            </a:extLst>
+          </p:cNvPr>
+          <p:cNvSpPr txBox="1"/>
+          <p:nvPr/>
+        </p:nvSpPr>
+        <p:spPr>
+          <a:xfrm>
+            <a:off x="1915235" y="1255590"/>
+            <a:ext cx="7597475" cy="4077526"/>
+          </a:xfrm>
+          <a:prstGeom prst="rect">
+            <a:avLst/>
+          </a:prstGeom>
+          <a:noFill/>
+        </p:spPr>
+        <p:txBody>
+          <a:bodyPr wrap="square" rtlCol="0">
+            <a:spAutoFit/>
+          </a:bodyPr>
+          <a:lstStyle/>
+          <a:p>
+            <a:pPr marL="285750" indent="-285750">
+              <a:lnSpc>
+                <a:spcPct val="150000"/>
+              </a:lnSpc>
+              <a:buFont typeface="Wingdings" panose="05000000000000000000" pitchFamily="2" charset="2"/>
+              <a:buChar char="Ø"/>
+            </a:pPr>
+            <a:r>
+              <a:rPr lang="en-US" sz="3600" b="1" dirty="0">
+                <a:latin typeface="Times New Roman" panose="02020603050405020304" pitchFamily="18" charset="0"/>
+                <a:cs typeface="Times New Roman" panose="02020603050405020304" pitchFamily="18" charset="0"/>
+              </a:rPr>
+              <a:t>Day 5:</a:t>
+            </a:r>
+          </a:p>
+          <a:p>
+            <a:pPr marL="1485900" lvl="2" indent="-571500">
+              <a:lnSpc>
+                <a:spcPct val="150000"/>
+              </a:lnSpc>
+              <a:buFont typeface="+mj-lt"/>
+              <a:buAutoNum type="romanUcPeriod"/>
+            </a:pPr>
+            <a:r>
+              <a:rPr lang="en-US" sz="2800" dirty="0">
+                <a:latin typeface="Times New Roman" panose="02020603050405020304" pitchFamily="18" charset="0"/>
+                <a:cs typeface="Times New Roman" panose="02020603050405020304" pitchFamily="18" charset="0"/>
+              </a:rPr>
+              <a:t>Strategies to Conclude Performance</a:t>
+            </a:r>
+          </a:p>
+          <a:p>
+            <a:pPr marL="1485900" lvl="2" indent="-571500">
+              <a:lnSpc>
+                <a:spcPct val="150000"/>
+              </a:lnSpc>
+              <a:buFont typeface="+mj-lt"/>
+              <a:buAutoNum type="romanUcPeriod"/>
+            </a:pPr>
+            <a:r>
+              <a:rPr lang="en-US" sz="2800" dirty="0">
+                <a:latin typeface="Times New Roman" panose="02020603050405020304" pitchFamily="18" charset="0"/>
+                <a:cs typeface="Times New Roman" panose="02020603050405020304" pitchFamily="18" charset="0"/>
+              </a:rPr>
+              <a:t>Analysis</a:t>
+            </a:r>
+          </a:p>
+          <a:p>
+            <a:pPr marL="1943100" lvl="3" indent="-571500">
+              <a:lnSpc>
+                <a:spcPct val="150000"/>
+              </a:lnSpc>
+              <a:buFont typeface="Arial" panose="020B0604020202020204" pitchFamily="34" charset="0"/>
+              <a:buChar char="•"/>
+            </a:pPr>
+            <a:r>
+              <a:rPr lang="en-US" sz="2800" dirty="0">
+                <a:latin typeface="Times New Roman" panose="02020603050405020304" pitchFamily="18" charset="0"/>
+                <a:cs typeface="Times New Roman" panose="02020603050405020304" pitchFamily="18" charset="0"/>
+              </a:rPr>
+              <a:t>Metrics</a:t>
+            </a:r>
+          </a:p>
+          <a:p>
+            <a:pPr marL="1943100" lvl="3" indent="-571500">
+              <a:lnSpc>
+                <a:spcPct val="150000"/>
+              </a:lnSpc>
+              <a:buFont typeface="Arial" panose="020B0604020202020204" pitchFamily="34" charset="0"/>
+              <a:buChar char="•"/>
+            </a:pPr>
+            <a:r>
+              <a:rPr lang="en-US" sz="2800" dirty="0">
+                <a:latin typeface="Times New Roman" panose="02020603050405020304" pitchFamily="18" charset="0"/>
+                <a:cs typeface="Times New Roman" panose="02020603050405020304" pitchFamily="18" charset="0"/>
+              </a:rPr>
+              <a:t>Tracking's</a:t>
+            </a:r>
+          </a:p>
+          <a:p>
+            <a:pPr marL="1485900" lvl="2" indent="-571500">
+              <a:lnSpc>
+                <a:spcPct val="150000"/>
+              </a:lnSpc>
+              <a:buFont typeface="+mj-lt"/>
+              <a:buAutoNum type="romanUcPeriod"/>
+            </a:pPr>
+            <a:r>
+              <a:rPr lang="en-US" sz="2800" dirty="0">
+                <a:latin typeface="Times New Roman" panose="02020603050405020304" pitchFamily="18" charset="0"/>
+                <a:cs typeface="Times New Roman" panose="02020603050405020304" pitchFamily="18" charset="0"/>
+              </a:rPr>
+              <a:t>Reviews &amp; Feedbacks</a:t>
+            </a:r>
+          </a:p>
+        </p:txBody>
+      </p:sp>
+      <p:sp>
+        <p:nvSpPr>
+          <p:cNvPr id="3" name="TextBox 2">
+            <a:extLst>
+              <a:ext uri="{FF2B5EF4-FFF2-40B4-BE49-F238E27FC236}">
+                <a16:creationId xmlns:a16="http://schemas.microsoft.com/office/drawing/2014/main" id="{13C7E109-1AAC-B21C-32DB-130CCA25A7A2}"/>
+              </a:ext>
+            </a:extLst>
+          </p:cNvPr>
+          <p:cNvSpPr txBox="1"/>
+          <p:nvPr/>
+        </p:nvSpPr>
+        <p:spPr>
+          <a:xfrm>
+            <a:off x="1109533" y="259307"/>
+            <a:ext cx="2559868" cy="707886"/>
+          </a:xfrm>
+          <a:prstGeom prst="rect">
+            <a:avLst/>
+          </a:prstGeom>
+          <a:noFill/>
+        </p:spPr>
+        <p:txBody>
+          <a:bodyPr wrap="none" rtlCol="0">
+            <a:spAutoFit/>
+          </a:bodyPr>
+          <a:lstStyle/>
+          <a:p>
+            <a:r>
+              <a:rPr lang="en-US" sz="4000" b="1" dirty="0">
+                <a:latin typeface="Arial Black" panose="020B0A04020102020204" pitchFamily="34" charset="0"/>
+              </a:rPr>
+              <a:t>Week #7</a:t>
+            </a:r>
+          </a:p>
+        </p:txBody>
+      </p:sp>
+    </p:spTree>
+    <p:extLst>
+      <p:ext uri="{BB962C8B-B14F-4D97-AF65-F5344CB8AC3E}">
+        <p14:creationId xmlns:p14="http://schemas.microsoft.com/office/powerpoint/2010/main" val="4159704293"/>
+      </p:ext>
+    </p:extLst>
+  </p:cSld>
+  <p:clrMapOvr>
+    <a:masterClrMapping/>
+  </p:clrMapOvr>
+</p:sld>
+</file>
+
+<file path=ppt/slides/slide17.xml><?xml version="1.0" encoding="utf-8"?>
+<p:sld xmlns:a="http://schemas.openxmlformats.org/drawingml/2006/main" xmlns:r="http://schemas.openxmlformats.org/officeDocument/2006/relationships" xmlns:p="http://schemas.openxmlformats.org/presentationml/2006/main">
+  <p:cSld>
+    <p:spTree>
+      <p:nvGrpSpPr>
+        <p:cNvPr id="1" name="">
+          <a:extLst>
+            <a:ext uri="{FF2B5EF4-FFF2-40B4-BE49-F238E27FC236}">
+              <a16:creationId xmlns:a16="http://schemas.microsoft.com/office/drawing/2014/main" id="{652BEC75-8F64-27B0-ADE2-1F5D13E29634}"/>
+            </a:ext>
+          </a:extLst>
+        </p:cNvPr>
+        <p:cNvGrpSpPr/>
+        <p:nvPr/>
+      </p:nvGrpSpPr>
+      <p:grpSpPr>
+        <a:xfrm>
+          <a:off x="0" y="0"/>
+          <a:ext cx="0" cy="0"/>
+          <a:chOff x="0" y="0"/>
+          <a:chExt cx="0" cy="0"/>
+        </a:xfrm>
+      </p:grpSpPr>
+      <p:pic>
+        <p:nvPicPr>
+          <p:cNvPr id="7" name="Picture 6">
+            <a:extLst>
+              <a:ext uri="{FF2B5EF4-FFF2-40B4-BE49-F238E27FC236}">
+                <a16:creationId xmlns:a16="http://schemas.microsoft.com/office/drawing/2014/main" id="{B3DF5A13-DECF-0731-C22C-C7D3001751F0}"/>
+              </a:ext>
+            </a:extLst>
+          </p:cNvPr>
+          <p:cNvPicPr>
+            <a:picLocks noChangeAspect="1"/>
+          </p:cNvPicPr>
+          <p:nvPr/>
+        </p:nvPicPr>
+        <p:blipFill>
+          <a:blip r:embed="rId2">
+            <a:extLst>
+              <a:ext uri="{28A0092B-C50C-407E-A947-70E740481C1C}">
+                <a14:useLocalDpi xmlns:a14="http://schemas.microsoft.com/office/drawing/2010/main" val="0"/>
+              </a:ext>
+            </a:extLst>
+          </a:blip>
+          <a:stretch>
+            <a:fillRect/>
+          </a:stretch>
+        </p:blipFill>
+        <p:spPr>
+          <a:xfrm>
+            <a:off x="0" y="4844958"/>
+            <a:ext cx="1915235" cy="1915235"/>
+          </a:xfrm>
+          <a:prstGeom prst="rect">
+            <a:avLst/>
+          </a:prstGeom>
+        </p:spPr>
+      </p:pic>
+      <p:sp>
+        <p:nvSpPr>
+          <p:cNvPr id="8" name="TextBox 7">
+            <a:extLst>
+              <a:ext uri="{FF2B5EF4-FFF2-40B4-BE49-F238E27FC236}">
+                <a16:creationId xmlns:a16="http://schemas.microsoft.com/office/drawing/2014/main" id="{45C8D167-2F03-8954-57F8-08F53482CFA9}"/>
+              </a:ext>
+            </a:extLst>
+          </p:cNvPr>
+          <p:cNvSpPr txBox="1"/>
+          <p:nvPr/>
+        </p:nvSpPr>
+        <p:spPr>
+          <a:xfrm>
+            <a:off x="9778558" y="259307"/>
+            <a:ext cx="2536272" cy="461665"/>
+          </a:xfrm>
+          <a:prstGeom prst="rect">
+            <a:avLst/>
+          </a:prstGeom>
+          <a:noFill/>
+        </p:spPr>
+        <p:txBody>
+          <a:bodyPr wrap="square" rtlCol="0">
+            <a:spAutoFit/>
+          </a:bodyPr>
+          <a:lstStyle/>
+          <a:p>
+            <a:r>
+              <a:rPr lang="en-US" sz="2400" b="1" dirty="0">
+                <a:solidFill>
+                  <a:schemeClr val="bg1"/>
+                </a:solidFill>
+                <a:latin typeface="Arial Black" panose="020B0A04020102020204" pitchFamily="34" charset="0"/>
+              </a:rPr>
+              <a:t>AI Academy</a:t>
+            </a:r>
+            <a:r>
+              <a:rPr lang="en-US" sz="2400" b="0" i="0" dirty="0">
+                <a:solidFill>
+                  <a:schemeClr val="bg1"/>
+                </a:solidFill>
+                <a:effectLst/>
+                <a:latin typeface="arial" panose="020B0604020202020204" pitchFamily="34" charset="0"/>
+              </a:rPr>
+              <a:t>®</a:t>
+            </a:r>
+            <a:endParaRPr lang="en-US" sz="2400" b="1" dirty="0">
+              <a:solidFill>
+                <a:schemeClr val="bg1"/>
+              </a:solidFill>
+              <a:latin typeface="Arial Black" panose="020B0A04020102020204" pitchFamily="34" charset="0"/>
+            </a:endParaRPr>
+          </a:p>
+        </p:txBody>
+      </p:sp>
+      <p:sp>
+        <p:nvSpPr>
+          <p:cNvPr id="13" name="Scroll: Vertical 12">
+            <a:extLst>
+              <a:ext uri="{FF2B5EF4-FFF2-40B4-BE49-F238E27FC236}">
+                <a16:creationId xmlns:a16="http://schemas.microsoft.com/office/drawing/2014/main" id="{F936E3B0-6762-A2D4-C8F8-BCC3A7F97715}"/>
+              </a:ext>
+            </a:extLst>
+          </p:cNvPr>
+          <p:cNvSpPr/>
+          <p:nvPr/>
+        </p:nvSpPr>
+        <p:spPr>
+          <a:xfrm>
+            <a:off x="10459839" y="887102"/>
+            <a:ext cx="1091821" cy="873457"/>
+          </a:xfrm>
+          <a:prstGeom prst="verticalScroll">
+            <a:avLst/>
+          </a:prstGeom>
+          <a:solidFill>
+            <a:schemeClr val="bg1"/>
+          </a:solidFill>
+        </p:spPr>
+        <p:style>
+          <a:lnRef idx="2">
+            <a:schemeClr val="accent1">
+              <a:shade val="15000"/>
+            </a:schemeClr>
+          </a:lnRef>
+          <a:fillRef idx="1">
+            <a:schemeClr val="accent1"/>
+          </a:fillRef>
+          <a:effectRef idx="0">
+            <a:schemeClr val="accent1"/>
+          </a:effectRef>
+          <a:fontRef idx="minor">
+            <a:schemeClr val="lt1"/>
+          </a:fontRef>
+        </p:style>
+        <p:txBody>
+          <a:bodyPr rtlCol="0" anchor="ctr"/>
+          <a:lstStyle/>
+          <a:p>
+            <a:pPr algn="ctr"/>
+            <a:r>
+              <a:rPr lang="en-US" sz="4400" b="1" dirty="0">
+                <a:solidFill>
+                  <a:schemeClr val="tx1"/>
+                </a:solidFill>
+              </a:rPr>
+              <a:t>17</a:t>
+            </a:r>
+          </a:p>
+        </p:txBody>
+      </p:sp>
+      <p:sp>
+        <p:nvSpPr>
+          <p:cNvPr id="3" name="TextBox 2">
+            <a:extLst>
+              <a:ext uri="{FF2B5EF4-FFF2-40B4-BE49-F238E27FC236}">
+                <a16:creationId xmlns:a16="http://schemas.microsoft.com/office/drawing/2014/main" id="{13C7E109-1AAC-B21C-32DB-130CCA25A7A2}"/>
+              </a:ext>
+            </a:extLst>
+          </p:cNvPr>
+          <p:cNvSpPr txBox="1"/>
+          <p:nvPr/>
+        </p:nvSpPr>
+        <p:spPr>
+          <a:xfrm>
+            <a:off x="1109533" y="259307"/>
+            <a:ext cx="2559868" cy="707886"/>
+          </a:xfrm>
+          <a:prstGeom prst="rect">
+            <a:avLst/>
+          </a:prstGeom>
+          <a:noFill/>
+        </p:spPr>
+        <p:txBody>
+          <a:bodyPr wrap="none" rtlCol="0">
+            <a:spAutoFit/>
+          </a:bodyPr>
+          <a:lstStyle/>
+          <a:p>
+            <a:r>
+              <a:rPr lang="en-US" sz="4000" b="1" dirty="0">
+                <a:latin typeface="Arial Black" panose="020B0A04020102020204" pitchFamily="34" charset="0"/>
+              </a:rPr>
+              <a:t>Week #7</a:t>
+            </a:r>
+          </a:p>
+        </p:txBody>
+      </p:sp>
+      <p:sp>
+        <p:nvSpPr>
+          <p:cNvPr id="4" name="TextBox 3">
+            <a:extLst>
+              <a:ext uri="{FF2B5EF4-FFF2-40B4-BE49-F238E27FC236}">
+                <a16:creationId xmlns:a16="http://schemas.microsoft.com/office/drawing/2014/main" id="{A71EDE8A-8EE2-EA86-FD66-CA175B91ECEC}"/>
+              </a:ext>
+            </a:extLst>
+          </p:cNvPr>
+          <p:cNvSpPr txBox="1"/>
+          <p:nvPr/>
+        </p:nvSpPr>
+        <p:spPr>
+          <a:xfrm>
+            <a:off x="1260644" y="797162"/>
+            <a:ext cx="8003277" cy="5381281"/>
+          </a:xfrm>
+          <a:prstGeom prst="rect">
+            <a:avLst/>
+          </a:prstGeom>
+          <a:noFill/>
+        </p:spPr>
+        <p:txBody>
+          <a:bodyPr wrap="square" rtlCol="0">
+            <a:spAutoFit/>
+          </a:bodyPr>
+          <a:lstStyle/>
+          <a:p>
+            <a:pPr>
+              <a:lnSpc>
+                <a:spcPct val="150000"/>
+              </a:lnSpc>
+            </a:pPr>
+            <a:r>
+              <a:rPr lang="en-US" sz="2400" b="1" dirty="0">
+                <a:latin typeface="Times New Roman" panose="02020603050405020304" pitchFamily="18" charset="0"/>
+                <a:cs typeface="Times New Roman" panose="02020603050405020304" pitchFamily="18" charset="0"/>
+              </a:rPr>
+              <a:t>Performance Analysis:</a:t>
+            </a:r>
+          </a:p>
+          <a:p>
+            <a:pPr lvl="1">
+              <a:lnSpc>
+                <a:spcPct val="150000"/>
+              </a:lnSpc>
+            </a:pPr>
+            <a:r>
+              <a:rPr lang="en-US" sz="2000" b="0" i="0" dirty="0">
+                <a:effectLst/>
+                <a:latin typeface="Times New Roman" panose="02020603050405020304" pitchFamily="18" charset="0"/>
+                <a:cs typeface="Times New Roman" panose="02020603050405020304" pitchFamily="18" charset="0"/>
+              </a:rPr>
+              <a:t>Performance Analysis is a specialist discipline involving systematic observations to enhance performance and improve decision making, primarily delivered through the provision of objective statistical and visual feedback.</a:t>
+            </a:r>
+            <a:endParaRPr lang="en-US" sz="2000" b="1" i="0" dirty="0">
+              <a:effectLst/>
+              <a:latin typeface="Times New Roman" panose="02020603050405020304" pitchFamily="18" charset="0"/>
+              <a:cs typeface="Times New Roman" panose="02020603050405020304" pitchFamily="18" charset="0"/>
+            </a:endParaRPr>
+          </a:p>
+          <a:p>
+            <a:pPr>
+              <a:lnSpc>
+                <a:spcPct val="150000"/>
+              </a:lnSpc>
+            </a:pPr>
+            <a:r>
+              <a:rPr lang="en-US" sz="2400" b="1" dirty="0">
+                <a:latin typeface="Times New Roman" panose="02020603050405020304" pitchFamily="18" charset="0"/>
+                <a:cs typeface="Times New Roman" panose="02020603050405020304" pitchFamily="18" charset="0"/>
+              </a:rPr>
+              <a:t>Tracking Metrics:</a:t>
+            </a:r>
+          </a:p>
+          <a:p>
+            <a:pPr lvl="1">
+              <a:lnSpc>
+                <a:spcPct val="150000"/>
+              </a:lnSpc>
+            </a:pPr>
+            <a:r>
+              <a:rPr lang="en-US" sz="2000" b="0" i="0" dirty="0">
+                <a:effectLst/>
+                <a:latin typeface="Times New Roman" panose="02020603050405020304" pitchFamily="18" charset="0"/>
+                <a:cs typeface="Times New Roman" panose="02020603050405020304" pitchFamily="18" charset="0"/>
+              </a:rPr>
+              <a:t>Tracking performance metrics provides a way for businesses to measure growth and development. Productivity, profit margin, scope and cost are some examples of performance metrics that a business can track to determine if target objectives and goals are being met.</a:t>
+            </a:r>
+            <a:endParaRPr lang="en-US" sz="2000" b="1" dirty="0">
+              <a:latin typeface="Times New Roman" panose="02020603050405020304" pitchFamily="18" charset="0"/>
+              <a:cs typeface="Times New Roman" panose="02020603050405020304" pitchFamily="18" charset="0"/>
+            </a:endParaRPr>
+          </a:p>
+          <a:p>
+            <a:pPr lvl="1">
+              <a:lnSpc>
+                <a:spcPct val="150000"/>
+              </a:lnSpc>
+            </a:pPr>
+            <a:endParaRPr lang="en-US" sz="2400" b="1" dirty="0">
+              <a:latin typeface="Times New Roman" panose="02020603050405020304" pitchFamily="18" charset="0"/>
+              <a:cs typeface="Times New Roman" panose="02020603050405020304" pitchFamily="18" charset="0"/>
+            </a:endParaRPr>
+          </a:p>
+        </p:txBody>
+      </p:sp>
+    </p:spTree>
+    <p:extLst>
+      <p:ext uri="{BB962C8B-B14F-4D97-AF65-F5344CB8AC3E}">
+        <p14:creationId xmlns:p14="http://schemas.microsoft.com/office/powerpoint/2010/main" val="1965970730"/>
+      </p:ext>
+    </p:extLst>
+  </p:cSld>
+  <p:clrMapOvr>
+    <a:masterClrMapping/>
+  </p:clrMapOvr>
+</p:sld>
+</file>
+
+<file path=ppt/slides/slide18.xml><?xml version="1.0" encoding="utf-8"?>
+<p:sld xmlns:a="http://schemas.openxmlformats.org/drawingml/2006/main" xmlns:r="http://schemas.openxmlformats.org/officeDocument/2006/relationships" xmlns:p="http://schemas.openxmlformats.org/presentationml/2006/main">
+  <p:cSld>
+    <p:spTree>
+      <p:nvGrpSpPr>
+        <p:cNvPr id="1" name="">
+          <a:extLst>
+            <a:ext uri="{FF2B5EF4-FFF2-40B4-BE49-F238E27FC236}">
+              <a16:creationId xmlns:a16="http://schemas.microsoft.com/office/drawing/2014/main" id="{652BEC75-8F64-27B0-ADE2-1F5D13E29634}"/>
+            </a:ext>
+          </a:extLst>
+        </p:cNvPr>
+        <p:cNvGrpSpPr/>
+        <p:nvPr/>
+      </p:nvGrpSpPr>
+      <p:grpSpPr>
+        <a:xfrm>
+          <a:off x="0" y="0"/>
+          <a:ext cx="0" cy="0"/>
+          <a:chOff x="0" y="0"/>
+          <a:chExt cx="0" cy="0"/>
+        </a:xfrm>
+      </p:grpSpPr>
+      <p:pic>
+        <p:nvPicPr>
+          <p:cNvPr id="7" name="Picture 6">
+            <a:extLst>
+              <a:ext uri="{FF2B5EF4-FFF2-40B4-BE49-F238E27FC236}">
+                <a16:creationId xmlns:a16="http://schemas.microsoft.com/office/drawing/2014/main" id="{B3DF5A13-DECF-0731-C22C-C7D3001751F0}"/>
+              </a:ext>
+            </a:extLst>
+          </p:cNvPr>
+          <p:cNvPicPr>
+            <a:picLocks noChangeAspect="1"/>
+          </p:cNvPicPr>
+          <p:nvPr/>
+        </p:nvPicPr>
+        <p:blipFill>
+          <a:blip r:embed="rId2">
+            <a:extLst>
+              <a:ext uri="{28A0092B-C50C-407E-A947-70E740481C1C}">
+                <a14:useLocalDpi xmlns:a14="http://schemas.microsoft.com/office/drawing/2010/main" val="0"/>
+              </a:ext>
+            </a:extLst>
+          </a:blip>
+          <a:stretch>
+            <a:fillRect/>
+          </a:stretch>
+        </p:blipFill>
+        <p:spPr>
+          <a:xfrm>
+            <a:off x="0" y="4844958"/>
+            <a:ext cx="1915235" cy="1915235"/>
+          </a:xfrm>
+          <a:prstGeom prst="rect">
+            <a:avLst/>
+          </a:prstGeom>
+        </p:spPr>
+      </p:pic>
+      <p:sp>
+        <p:nvSpPr>
+          <p:cNvPr id="8" name="TextBox 7">
+            <a:extLst>
+              <a:ext uri="{FF2B5EF4-FFF2-40B4-BE49-F238E27FC236}">
+                <a16:creationId xmlns:a16="http://schemas.microsoft.com/office/drawing/2014/main" id="{45C8D167-2F03-8954-57F8-08F53482CFA9}"/>
+              </a:ext>
+            </a:extLst>
+          </p:cNvPr>
+          <p:cNvSpPr txBox="1"/>
+          <p:nvPr/>
+        </p:nvSpPr>
+        <p:spPr>
+          <a:xfrm>
+            <a:off x="9778558" y="259307"/>
+            <a:ext cx="2536272" cy="461665"/>
+          </a:xfrm>
+          <a:prstGeom prst="rect">
+            <a:avLst/>
+          </a:prstGeom>
+          <a:noFill/>
+        </p:spPr>
+        <p:txBody>
+          <a:bodyPr wrap="square" rtlCol="0">
+            <a:spAutoFit/>
+          </a:bodyPr>
+          <a:lstStyle/>
+          <a:p>
+            <a:r>
+              <a:rPr lang="en-US" sz="2400" b="1" dirty="0">
+                <a:solidFill>
+                  <a:schemeClr val="bg1"/>
+                </a:solidFill>
+                <a:latin typeface="Arial Black" panose="020B0A04020102020204" pitchFamily="34" charset="0"/>
+              </a:rPr>
+              <a:t>AI Academy</a:t>
+            </a:r>
+            <a:r>
+              <a:rPr lang="en-US" sz="2400" b="0" i="0" dirty="0">
+                <a:solidFill>
+                  <a:schemeClr val="bg1"/>
+                </a:solidFill>
+                <a:effectLst/>
+                <a:latin typeface="arial" panose="020B0604020202020204" pitchFamily="34" charset="0"/>
+              </a:rPr>
+              <a:t>®</a:t>
+            </a:r>
+            <a:endParaRPr lang="en-US" sz="2400" b="1" dirty="0">
+              <a:solidFill>
+                <a:schemeClr val="bg1"/>
+              </a:solidFill>
+              <a:latin typeface="Arial Black" panose="020B0A04020102020204" pitchFamily="34" charset="0"/>
+            </a:endParaRPr>
+          </a:p>
+        </p:txBody>
+      </p:sp>
+      <p:sp>
+        <p:nvSpPr>
+          <p:cNvPr id="13" name="Scroll: Vertical 12">
+            <a:extLst>
+              <a:ext uri="{FF2B5EF4-FFF2-40B4-BE49-F238E27FC236}">
+                <a16:creationId xmlns:a16="http://schemas.microsoft.com/office/drawing/2014/main" id="{F936E3B0-6762-A2D4-C8F8-BCC3A7F97715}"/>
+              </a:ext>
+            </a:extLst>
+          </p:cNvPr>
+          <p:cNvSpPr/>
+          <p:nvPr/>
+        </p:nvSpPr>
+        <p:spPr>
+          <a:xfrm>
+            <a:off x="10459839" y="887102"/>
+            <a:ext cx="1091821" cy="873457"/>
+          </a:xfrm>
+          <a:prstGeom prst="verticalScroll">
+            <a:avLst/>
+          </a:prstGeom>
+          <a:solidFill>
+            <a:schemeClr val="bg1"/>
+          </a:solidFill>
+        </p:spPr>
+        <p:style>
+          <a:lnRef idx="2">
+            <a:schemeClr val="accent1">
+              <a:shade val="15000"/>
+            </a:schemeClr>
+          </a:lnRef>
+          <a:fillRef idx="1">
+            <a:schemeClr val="accent1"/>
+          </a:fillRef>
+          <a:effectRef idx="0">
+            <a:schemeClr val="accent1"/>
+          </a:effectRef>
+          <a:fontRef idx="minor">
+            <a:schemeClr val="lt1"/>
+          </a:fontRef>
+        </p:style>
+        <p:txBody>
+          <a:bodyPr rtlCol="0" anchor="ctr"/>
+          <a:lstStyle/>
+          <a:p>
+            <a:pPr algn="ctr"/>
+            <a:r>
+              <a:rPr lang="en-US" sz="4400" b="1" dirty="0">
+                <a:solidFill>
+                  <a:schemeClr val="tx1"/>
+                </a:solidFill>
+              </a:rPr>
+              <a:t>18</a:t>
+            </a:r>
+          </a:p>
+        </p:txBody>
+      </p:sp>
+      <p:sp>
+        <p:nvSpPr>
+          <p:cNvPr id="3" name="TextBox 2">
+            <a:extLst>
+              <a:ext uri="{FF2B5EF4-FFF2-40B4-BE49-F238E27FC236}">
+                <a16:creationId xmlns:a16="http://schemas.microsoft.com/office/drawing/2014/main" id="{13C7E109-1AAC-B21C-32DB-130CCA25A7A2}"/>
+              </a:ext>
+            </a:extLst>
+          </p:cNvPr>
+          <p:cNvSpPr txBox="1"/>
+          <p:nvPr/>
+        </p:nvSpPr>
+        <p:spPr>
+          <a:xfrm>
+            <a:off x="1109533" y="259307"/>
+            <a:ext cx="2559868" cy="707886"/>
+          </a:xfrm>
+          <a:prstGeom prst="rect">
+            <a:avLst/>
+          </a:prstGeom>
+          <a:noFill/>
+        </p:spPr>
+        <p:txBody>
+          <a:bodyPr wrap="none" rtlCol="0">
+            <a:spAutoFit/>
+          </a:bodyPr>
+          <a:lstStyle/>
+          <a:p>
+            <a:r>
+              <a:rPr lang="en-US" sz="4000" b="1" dirty="0">
+                <a:latin typeface="Arial Black" panose="020B0A04020102020204" pitchFamily="34" charset="0"/>
+              </a:rPr>
+              <a:t>Week #7</a:t>
+            </a:r>
+          </a:p>
+        </p:txBody>
+      </p:sp>
+      <p:pic>
+        <p:nvPicPr>
+          <p:cNvPr id="5" name="Picture 4">
+            <a:extLst>
+              <a:ext uri="{FF2B5EF4-FFF2-40B4-BE49-F238E27FC236}">
+                <a16:creationId xmlns:a16="http://schemas.microsoft.com/office/drawing/2014/main" id="{E8C03155-E653-4AB7-B404-C133B8EC9866}"/>
+              </a:ext>
+            </a:extLst>
+          </p:cNvPr>
+          <p:cNvPicPr>
+            <a:picLocks noChangeAspect="1"/>
+          </p:cNvPicPr>
+          <p:nvPr/>
+        </p:nvPicPr>
+        <p:blipFill>
+          <a:blip r:embed="rId3">
+            <a:extLst>
+              <a:ext uri="{28A0092B-C50C-407E-A947-70E740481C1C}">
+                <a14:useLocalDpi xmlns:a14="http://schemas.microsoft.com/office/drawing/2010/main" val="0"/>
+              </a:ext>
+            </a:extLst>
+          </a:blip>
+          <a:stretch>
+            <a:fillRect/>
+          </a:stretch>
+        </p:blipFill>
+        <p:spPr>
+          <a:xfrm>
+            <a:off x="2083045" y="1457091"/>
+            <a:ext cx="5427027" cy="4949698"/>
+          </a:xfrm>
+          <a:prstGeom prst="rect">
+            <a:avLst/>
+          </a:prstGeom>
+        </p:spPr>
+      </p:pic>
+      <p:sp>
+        <p:nvSpPr>
+          <p:cNvPr id="6" name="TextBox 5">
+            <a:extLst>
+              <a:ext uri="{FF2B5EF4-FFF2-40B4-BE49-F238E27FC236}">
+                <a16:creationId xmlns:a16="http://schemas.microsoft.com/office/drawing/2014/main" id="{ED86308D-2C28-A188-9434-8512AA2CE7B7}"/>
+              </a:ext>
+            </a:extLst>
+          </p:cNvPr>
+          <p:cNvSpPr txBox="1"/>
+          <p:nvPr/>
+        </p:nvSpPr>
+        <p:spPr>
+          <a:xfrm>
+            <a:off x="1260644" y="797162"/>
+            <a:ext cx="8033260" cy="661207"/>
+          </a:xfrm>
+          <a:prstGeom prst="rect">
+            <a:avLst/>
+          </a:prstGeom>
+          <a:noFill/>
+        </p:spPr>
+        <p:txBody>
+          <a:bodyPr wrap="square" rtlCol="0">
+            <a:spAutoFit/>
+          </a:bodyPr>
+          <a:lstStyle/>
+          <a:p>
+            <a:pPr>
+              <a:lnSpc>
+                <a:spcPct val="150000"/>
+              </a:lnSpc>
+            </a:pPr>
+            <a:r>
+              <a:rPr lang="en-US" sz="2800" b="1" dirty="0">
+                <a:latin typeface="Times New Roman" panose="02020603050405020304" pitchFamily="18" charset="0"/>
+                <a:cs typeface="Times New Roman" panose="02020603050405020304" pitchFamily="18" charset="0"/>
+              </a:rPr>
+              <a:t>Performance Analysis:</a:t>
+            </a:r>
+            <a:endParaRPr lang="en-US" sz="2400" b="1" dirty="0">
+              <a:latin typeface="Times New Roman" panose="02020603050405020304" pitchFamily="18" charset="0"/>
+              <a:cs typeface="Times New Roman" panose="02020603050405020304" pitchFamily="18" charset="0"/>
+            </a:endParaRPr>
+          </a:p>
+        </p:txBody>
+      </p:sp>
+    </p:spTree>
+    <p:extLst>
+      <p:ext uri="{BB962C8B-B14F-4D97-AF65-F5344CB8AC3E}">
+        <p14:creationId xmlns:p14="http://schemas.microsoft.com/office/powerpoint/2010/main" val="895263812"/>
+      </p:ext>
+    </p:extLst>
+  </p:cSld>
+  <p:clrMapOvr>
+    <a:masterClrMapping/>
+  </p:clrMapOvr>
+</p:sld>
+</file>
+
+<file path=ppt/slides/slide19.xml><?xml version="1.0" encoding="utf-8"?>
+<p:sld xmlns:a="http://schemas.openxmlformats.org/drawingml/2006/main" xmlns:r="http://schemas.openxmlformats.org/officeDocument/2006/relationships" xmlns:p="http://schemas.openxmlformats.org/presentationml/2006/main">
+  <p:cSld>
+    <p:spTree>
+      <p:nvGrpSpPr>
+        <p:cNvPr id="1" name="">
+          <a:extLst>
+            <a:ext uri="{FF2B5EF4-FFF2-40B4-BE49-F238E27FC236}">
+              <a16:creationId xmlns:a16="http://schemas.microsoft.com/office/drawing/2014/main" id="{652BEC75-8F64-27B0-ADE2-1F5D13E29634}"/>
+            </a:ext>
+          </a:extLst>
+        </p:cNvPr>
+        <p:cNvGrpSpPr/>
+        <p:nvPr/>
+      </p:nvGrpSpPr>
+      <p:grpSpPr>
+        <a:xfrm>
+          <a:off x="0" y="0"/>
+          <a:ext cx="0" cy="0"/>
+          <a:chOff x="0" y="0"/>
+          <a:chExt cx="0" cy="0"/>
+        </a:xfrm>
+      </p:grpSpPr>
+      <p:pic>
+        <p:nvPicPr>
+          <p:cNvPr id="7" name="Picture 6">
+            <a:extLst>
+              <a:ext uri="{FF2B5EF4-FFF2-40B4-BE49-F238E27FC236}">
+                <a16:creationId xmlns:a16="http://schemas.microsoft.com/office/drawing/2014/main" id="{B3DF5A13-DECF-0731-C22C-C7D3001751F0}"/>
+              </a:ext>
+            </a:extLst>
+          </p:cNvPr>
+          <p:cNvPicPr>
+            <a:picLocks noChangeAspect="1"/>
+          </p:cNvPicPr>
+          <p:nvPr/>
+        </p:nvPicPr>
+        <p:blipFill>
+          <a:blip r:embed="rId2">
+            <a:extLst>
+              <a:ext uri="{28A0092B-C50C-407E-A947-70E740481C1C}">
+                <a14:useLocalDpi xmlns:a14="http://schemas.microsoft.com/office/drawing/2010/main" val="0"/>
+              </a:ext>
+            </a:extLst>
+          </a:blip>
+          <a:stretch>
+            <a:fillRect/>
+          </a:stretch>
+        </p:blipFill>
+        <p:spPr>
+          <a:xfrm>
+            <a:off x="0" y="4844958"/>
+            <a:ext cx="1915235" cy="1915235"/>
+          </a:xfrm>
+          <a:prstGeom prst="rect">
+            <a:avLst/>
+          </a:prstGeom>
+        </p:spPr>
+      </p:pic>
+      <p:sp>
+        <p:nvSpPr>
+          <p:cNvPr id="8" name="TextBox 7">
+            <a:extLst>
+              <a:ext uri="{FF2B5EF4-FFF2-40B4-BE49-F238E27FC236}">
+                <a16:creationId xmlns:a16="http://schemas.microsoft.com/office/drawing/2014/main" id="{45C8D167-2F03-8954-57F8-08F53482CFA9}"/>
+              </a:ext>
+            </a:extLst>
+          </p:cNvPr>
+          <p:cNvSpPr txBox="1"/>
+          <p:nvPr/>
+        </p:nvSpPr>
+        <p:spPr>
+          <a:xfrm>
+            <a:off x="9778558" y="259307"/>
+            <a:ext cx="2536272" cy="461665"/>
+          </a:xfrm>
+          <a:prstGeom prst="rect">
+            <a:avLst/>
+          </a:prstGeom>
+          <a:noFill/>
+        </p:spPr>
+        <p:txBody>
+          <a:bodyPr wrap="square" rtlCol="0">
+            <a:spAutoFit/>
+          </a:bodyPr>
+          <a:lstStyle/>
+          <a:p>
+            <a:r>
+              <a:rPr lang="en-US" sz="2400" b="1" dirty="0">
+                <a:solidFill>
+                  <a:schemeClr val="bg1"/>
+                </a:solidFill>
+                <a:latin typeface="Arial Black" panose="020B0A04020102020204" pitchFamily="34" charset="0"/>
+              </a:rPr>
+              <a:t>AI Academy</a:t>
+            </a:r>
+            <a:r>
+              <a:rPr lang="en-US" sz="2400" b="0" i="0" dirty="0">
+                <a:solidFill>
+                  <a:schemeClr val="bg1"/>
+                </a:solidFill>
+                <a:effectLst/>
+                <a:latin typeface="arial" panose="020B0604020202020204" pitchFamily="34" charset="0"/>
+              </a:rPr>
+              <a:t>®</a:t>
+            </a:r>
+            <a:endParaRPr lang="en-US" sz="2400" b="1" dirty="0">
+              <a:solidFill>
+                <a:schemeClr val="bg1"/>
+              </a:solidFill>
+              <a:latin typeface="Arial Black" panose="020B0A04020102020204" pitchFamily="34" charset="0"/>
+            </a:endParaRPr>
+          </a:p>
+        </p:txBody>
+      </p:sp>
+      <p:sp>
+        <p:nvSpPr>
+          <p:cNvPr id="13" name="Scroll: Vertical 12">
+            <a:extLst>
+              <a:ext uri="{FF2B5EF4-FFF2-40B4-BE49-F238E27FC236}">
+                <a16:creationId xmlns:a16="http://schemas.microsoft.com/office/drawing/2014/main" id="{F936E3B0-6762-A2D4-C8F8-BCC3A7F97715}"/>
+              </a:ext>
+            </a:extLst>
+          </p:cNvPr>
+          <p:cNvSpPr/>
+          <p:nvPr/>
+        </p:nvSpPr>
+        <p:spPr>
+          <a:xfrm>
+            <a:off x="10459839" y="887102"/>
+            <a:ext cx="1091821" cy="873457"/>
+          </a:xfrm>
+          <a:prstGeom prst="verticalScroll">
+            <a:avLst/>
+          </a:prstGeom>
+          <a:solidFill>
+            <a:schemeClr val="bg1"/>
+          </a:solidFill>
+        </p:spPr>
+        <p:style>
+          <a:lnRef idx="2">
+            <a:schemeClr val="accent1">
+              <a:shade val="15000"/>
+            </a:schemeClr>
+          </a:lnRef>
+          <a:fillRef idx="1">
+            <a:schemeClr val="accent1"/>
+          </a:fillRef>
+          <a:effectRef idx="0">
+            <a:schemeClr val="accent1"/>
+          </a:effectRef>
+          <a:fontRef idx="minor">
+            <a:schemeClr val="lt1"/>
+          </a:fontRef>
+        </p:style>
+        <p:txBody>
+          <a:bodyPr rtlCol="0" anchor="ctr"/>
+          <a:lstStyle/>
+          <a:p>
+            <a:pPr algn="ctr"/>
+            <a:r>
+              <a:rPr lang="en-US" sz="4400" b="1" dirty="0">
+                <a:solidFill>
+                  <a:schemeClr val="tx1"/>
+                </a:solidFill>
+              </a:rPr>
+              <a:t>19</a:t>
+            </a:r>
+          </a:p>
+        </p:txBody>
+      </p:sp>
+      <p:sp>
+        <p:nvSpPr>
+          <p:cNvPr id="3" name="TextBox 2">
+            <a:extLst>
+              <a:ext uri="{FF2B5EF4-FFF2-40B4-BE49-F238E27FC236}">
+                <a16:creationId xmlns:a16="http://schemas.microsoft.com/office/drawing/2014/main" id="{13C7E109-1AAC-B21C-32DB-130CCA25A7A2}"/>
+              </a:ext>
+            </a:extLst>
+          </p:cNvPr>
+          <p:cNvSpPr txBox="1"/>
+          <p:nvPr/>
+        </p:nvSpPr>
+        <p:spPr>
+          <a:xfrm>
+            <a:off x="1109533" y="259307"/>
+            <a:ext cx="2559868" cy="707886"/>
+          </a:xfrm>
+          <a:prstGeom prst="rect">
+            <a:avLst/>
+          </a:prstGeom>
+          <a:noFill/>
+        </p:spPr>
+        <p:txBody>
+          <a:bodyPr wrap="none" rtlCol="0">
+            <a:spAutoFit/>
+          </a:bodyPr>
+          <a:lstStyle/>
+          <a:p>
+            <a:r>
+              <a:rPr lang="en-US" sz="4000" b="1" dirty="0">
+                <a:latin typeface="Arial Black" panose="020B0A04020102020204" pitchFamily="34" charset="0"/>
+              </a:rPr>
+              <a:t>Week #7</a:t>
+            </a:r>
+          </a:p>
+        </p:txBody>
+      </p:sp>
+      <p:sp>
+        <p:nvSpPr>
+          <p:cNvPr id="6" name="TextBox 5">
+            <a:extLst>
+              <a:ext uri="{FF2B5EF4-FFF2-40B4-BE49-F238E27FC236}">
+                <a16:creationId xmlns:a16="http://schemas.microsoft.com/office/drawing/2014/main" id="{ED86308D-2C28-A188-9434-8512AA2CE7B7}"/>
+              </a:ext>
+            </a:extLst>
+          </p:cNvPr>
+          <p:cNvSpPr txBox="1"/>
+          <p:nvPr/>
+        </p:nvSpPr>
+        <p:spPr>
+          <a:xfrm>
+            <a:off x="1260644" y="797162"/>
+            <a:ext cx="8033260" cy="661207"/>
+          </a:xfrm>
+          <a:prstGeom prst="rect">
+            <a:avLst/>
+          </a:prstGeom>
+          <a:noFill/>
+        </p:spPr>
+        <p:txBody>
+          <a:bodyPr wrap="square" rtlCol="0">
+            <a:spAutoFit/>
+          </a:bodyPr>
+          <a:lstStyle/>
+          <a:p>
+            <a:pPr>
+              <a:lnSpc>
+                <a:spcPct val="150000"/>
+              </a:lnSpc>
+            </a:pPr>
+            <a:r>
+              <a:rPr lang="en-US" sz="2800" b="1" dirty="0">
+                <a:latin typeface="Times New Roman" panose="02020603050405020304" pitchFamily="18" charset="0"/>
+                <a:cs typeface="Times New Roman" panose="02020603050405020304" pitchFamily="18" charset="0"/>
+              </a:rPr>
+              <a:t>Performance Management:</a:t>
+            </a:r>
+            <a:endParaRPr lang="en-US" sz="2400" b="1" dirty="0">
+              <a:latin typeface="Times New Roman" panose="02020603050405020304" pitchFamily="18" charset="0"/>
+              <a:cs typeface="Times New Roman" panose="02020603050405020304" pitchFamily="18" charset="0"/>
+            </a:endParaRPr>
+          </a:p>
+        </p:txBody>
+      </p:sp>
+      <p:pic>
+        <p:nvPicPr>
+          <p:cNvPr id="4" name="Picture 3">
+            <a:extLst>
+              <a:ext uri="{FF2B5EF4-FFF2-40B4-BE49-F238E27FC236}">
+                <a16:creationId xmlns:a16="http://schemas.microsoft.com/office/drawing/2014/main" id="{94EE0AD3-4CD2-2625-4D3B-6322743C8D5D}"/>
+              </a:ext>
+            </a:extLst>
+          </p:cNvPr>
+          <p:cNvPicPr>
+            <a:picLocks noChangeAspect="1"/>
+          </p:cNvPicPr>
+          <p:nvPr/>
+        </p:nvPicPr>
+        <p:blipFill>
+          <a:blip r:embed="rId3">
+            <a:extLst>
+              <a:ext uri="{28A0092B-C50C-407E-A947-70E740481C1C}">
+                <a14:useLocalDpi xmlns:a14="http://schemas.microsoft.com/office/drawing/2010/main" val="0"/>
+              </a:ext>
+            </a:extLst>
+          </a:blip>
+          <a:stretch>
+            <a:fillRect/>
+          </a:stretch>
+        </p:blipFill>
+        <p:spPr>
+          <a:xfrm>
+            <a:off x="1521457" y="1127765"/>
+            <a:ext cx="7511634" cy="5007756"/>
+          </a:xfrm>
+          <a:prstGeom prst="rect">
+            <a:avLst/>
+          </a:prstGeom>
+        </p:spPr>
+      </p:pic>
+    </p:spTree>
+    <p:extLst>
+      <p:ext uri="{BB962C8B-B14F-4D97-AF65-F5344CB8AC3E}">
+        <p14:creationId xmlns:p14="http://schemas.microsoft.com/office/powerpoint/2010/main" val="2633545719"/>
+      </p:ext>
+    </p:extLst>
+  </p:cSld>
+  <p:clrMapOvr>
+    <a:masterClrMapping/>
+  </p:clrMapOvr>
+</p:sld>
+</file>
+
 <file path=ppt/slides/slide2.xml><?xml version="1.0" encoding="utf-8"?>
+<p:sld xmlns:a="http://schemas.openxmlformats.org/drawingml/2006/main" xmlns:r="http://schemas.openxmlformats.org/officeDocument/2006/relationships" xmlns:p="http://schemas.openxmlformats.org/presentationml/2006/main">
+  <p:cSld>
+    <p:spTree>
+      <p:nvGrpSpPr>
+        <p:cNvPr id="1" name=""/>
+        <p:cNvGrpSpPr/>
+        <p:nvPr/>
+      </p:nvGrpSpPr>
+      <p:grpSpPr>
+        <a:xfrm>
+          <a:off x="0" y="0"/>
+          <a:ext cx="0" cy="0"/>
+          <a:chOff x="0" y="0"/>
+          <a:chExt cx="0" cy="0"/>
+        </a:xfrm>
+      </p:grpSpPr>
+      <p:pic>
+        <p:nvPicPr>
+          <p:cNvPr id="7" name="Picture 6">
+            <a:extLst>
+              <a:ext uri="{FF2B5EF4-FFF2-40B4-BE49-F238E27FC236}">
+                <a16:creationId xmlns:a16="http://schemas.microsoft.com/office/drawing/2014/main" id="{AD277A71-C5A3-2B53-25AA-A52C92EF6CC4}"/>
+              </a:ext>
+            </a:extLst>
+          </p:cNvPr>
+          <p:cNvPicPr>
+            <a:picLocks noChangeAspect="1"/>
+          </p:cNvPicPr>
+          <p:nvPr/>
+        </p:nvPicPr>
+        <p:blipFill>
+          <a:blip r:embed="rId2">
+            <a:extLst>
+              <a:ext uri="{28A0092B-C50C-407E-A947-70E740481C1C}">
+                <a14:useLocalDpi xmlns:a14="http://schemas.microsoft.com/office/drawing/2010/main" val="0"/>
+              </a:ext>
+            </a:extLst>
+          </a:blip>
+          <a:stretch>
+            <a:fillRect/>
+          </a:stretch>
+        </p:blipFill>
+        <p:spPr>
+          <a:xfrm>
+            <a:off x="0" y="4844958"/>
+            <a:ext cx="1915235" cy="1915235"/>
+          </a:xfrm>
+          <a:prstGeom prst="rect">
+            <a:avLst/>
+          </a:prstGeom>
+        </p:spPr>
+      </p:pic>
+      <p:sp>
+        <p:nvSpPr>
+          <p:cNvPr id="8" name="TextBox 7">
+            <a:extLst>
+              <a:ext uri="{FF2B5EF4-FFF2-40B4-BE49-F238E27FC236}">
+                <a16:creationId xmlns:a16="http://schemas.microsoft.com/office/drawing/2014/main" id="{0835D244-D79F-8F6B-3481-116553499408}"/>
+              </a:ext>
+            </a:extLst>
+          </p:cNvPr>
+          <p:cNvSpPr txBox="1"/>
+          <p:nvPr/>
+        </p:nvSpPr>
+        <p:spPr>
+          <a:xfrm>
+            <a:off x="9778558" y="259307"/>
+            <a:ext cx="2536272" cy="461665"/>
+          </a:xfrm>
+          <a:prstGeom prst="rect">
+            <a:avLst/>
+          </a:prstGeom>
+          <a:noFill/>
+        </p:spPr>
+        <p:txBody>
+          <a:bodyPr wrap="square" rtlCol="0">
+            <a:spAutoFit/>
+          </a:bodyPr>
+          <a:lstStyle/>
+          <a:p>
+            <a:r>
+              <a:rPr lang="en-US" sz="2400" b="1" dirty="0">
+                <a:solidFill>
+                  <a:schemeClr val="bg1"/>
+                </a:solidFill>
+                <a:latin typeface="Arial Black" panose="020B0A04020102020204" pitchFamily="34" charset="0"/>
+              </a:rPr>
+              <a:t>AI Academy</a:t>
+            </a:r>
+            <a:r>
+              <a:rPr lang="en-US" sz="2400" b="0" i="0" dirty="0">
+                <a:solidFill>
+                  <a:schemeClr val="bg1"/>
+                </a:solidFill>
+                <a:effectLst/>
+                <a:latin typeface="arial" panose="020B0604020202020204" pitchFamily="34" charset="0"/>
+              </a:rPr>
+              <a:t>®</a:t>
+            </a:r>
+            <a:endParaRPr lang="en-US" sz="2400" b="1" dirty="0">
+              <a:solidFill>
+                <a:schemeClr val="bg1"/>
+              </a:solidFill>
+              <a:latin typeface="Arial Black" panose="020B0A04020102020204" pitchFamily="34" charset="0"/>
+            </a:endParaRPr>
+          </a:p>
+        </p:txBody>
+      </p:sp>
+      <p:sp>
+        <p:nvSpPr>
+          <p:cNvPr id="13" name="Scroll: Vertical 12">
+            <a:extLst>
+              <a:ext uri="{FF2B5EF4-FFF2-40B4-BE49-F238E27FC236}">
+                <a16:creationId xmlns:a16="http://schemas.microsoft.com/office/drawing/2014/main" id="{BB80B18F-2B14-894E-57C6-EC163F824025}"/>
+              </a:ext>
+            </a:extLst>
+          </p:cNvPr>
+          <p:cNvSpPr/>
+          <p:nvPr/>
+        </p:nvSpPr>
+        <p:spPr>
+          <a:xfrm>
+            <a:off x="10459839" y="887102"/>
+            <a:ext cx="1091821" cy="873457"/>
+          </a:xfrm>
+          <a:prstGeom prst="verticalScroll">
+            <a:avLst/>
+          </a:prstGeom>
+          <a:solidFill>
+            <a:schemeClr val="bg1"/>
+          </a:solidFill>
+        </p:spPr>
+        <p:style>
+          <a:lnRef idx="2">
+            <a:schemeClr val="accent1">
+              <a:shade val="15000"/>
+            </a:schemeClr>
+          </a:lnRef>
+          <a:fillRef idx="1">
+            <a:schemeClr val="accent1"/>
+          </a:fillRef>
+          <a:effectRef idx="0">
+            <a:schemeClr val="accent1"/>
+          </a:effectRef>
+          <a:fontRef idx="minor">
+            <a:schemeClr val="lt1"/>
+          </a:fontRef>
+        </p:style>
+        <p:txBody>
+          <a:bodyPr rtlCol="0" anchor="ctr"/>
+          <a:lstStyle/>
+          <a:p>
+            <a:pPr algn="ctr"/>
+            <a:r>
+              <a:rPr lang="en-US" sz="4400" b="1" dirty="0">
+                <a:solidFill>
+                  <a:schemeClr val="tx1"/>
+                </a:solidFill>
+              </a:rPr>
+              <a:t>2</a:t>
+            </a:r>
+          </a:p>
+        </p:txBody>
+      </p:sp>
+      <p:sp>
+        <p:nvSpPr>
+          <p:cNvPr id="14" name="TextBox 13">
+            <a:extLst>
+              <a:ext uri="{FF2B5EF4-FFF2-40B4-BE49-F238E27FC236}">
+                <a16:creationId xmlns:a16="http://schemas.microsoft.com/office/drawing/2014/main" id="{5E9C113D-AE55-F3B3-E221-1D8CA4D0EC80}"/>
+              </a:ext>
+            </a:extLst>
+          </p:cNvPr>
+          <p:cNvSpPr txBox="1"/>
+          <p:nvPr/>
+        </p:nvSpPr>
+        <p:spPr>
+          <a:xfrm>
+            <a:off x="1109533" y="259307"/>
+            <a:ext cx="2559868" cy="707886"/>
+          </a:xfrm>
+          <a:prstGeom prst="rect">
+            <a:avLst/>
+          </a:prstGeom>
+          <a:noFill/>
+        </p:spPr>
+        <p:txBody>
+          <a:bodyPr wrap="none" rtlCol="0">
+            <a:spAutoFit/>
+          </a:bodyPr>
+          <a:lstStyle/>
+          <a:p>
+            <a:r>
+              <a:rPr lang="en-US" sz="4000" b="1" dirty="0">
+                <a:latin typeface="Arial Black" panose="020B0A04020102020204" pitchFamily="34" charset="0"/>
+              </a:rPr>
+              <a:t>Week #7</a:t>
+            </a:r>
+          </a:p>
+        </p:txBody>
+      </p:sp>
+      <p:sp>
+        <p:nvSpPr>
+          <p:cNvPr id="2" name="TextBox 1">
+            <a:extLst>
+              <a:ext uri="{FF2B5EF4-FFF2-40B4-BE49-F238E27FC236}">
+                <a16:creationId xmlns:a16="http://schemas.microsoft.com/office/drawing/2014/main" id="{0EC405C1-D29B-4F46-59F1-060E58AFF152}"/>
+              </a:ext>
+            </a:extLst>
+          </p:cNvPr>
+          <p:cNvSpPr txBox="1"/>
+          <p:nvPr/>
+        </p:nvSpPr>
+        <p:spPr>
+          <a:xfrm>
+            <a:off x="1470504" y="887102"/>
+            <a:ext cx="8008254" cy="3996287"/>
+          </a:xfrm>
+          <a:prstGeom prst="rect">
+            <a:avLst/>
+          </a:prstGeom>
+          <a:noFill/>
+        </p:spPr>
+        <p:txBody>
+          <a:bodyPr wrap="square" rtlCol="0">
+            <a:spAutoFit/>
+          </a:bodyPr>
+          <a:lstStyle/>
+          <a:p>
+            <a:pPr marL="571500" indent="-571500">
+              <a:lnSpc>
+                <a:spcPct val="150000"/>
+              </a:lnSpc>
+              <a:buFont typeface="Wingdings" panose="05000000000000000000" pitchFamily="2" charset="2"/>
+              <a:buChar char="v"/>
+            </a:pPr>
+            <a:r>
+              <a:rPr lang="en-US" sz="2800" b="1" dirty="0">
+                <a:latin typeface="Times New Roman" panose="02020603050405020304" pitchFamily="18" charset="0"/>
+                <a:cs typeface="Times New Roman" panose="02020603050405020304" pitchFamily="18" charset="0"/>
+              </a:rPr>
+              <a:t>Logistics Process:</a:t>
+            </a:r>
+          </a:p>
+          <a:p>
+            <a:pPr marL="1485900" lvl="2" indent="-571500">
+              <a:lnSpc>
+                <a:spcPct val="150000"/>
+              </a:lnSpc>
+              <a:buFont typeface="+mj-lt"/>
+              <a:buAutoNum type="romanUcPeriod"/>
+            </a:pPr>
+            <a:r>
+              <a:rPr lang="en-US" sz="2400" dirty="0">
+                <a:latin typeface="Times New Roman" panose="02020603050405020304" pitchFamily="18" charset="0"/>
+                <a:cs typeface="Times New Roman" panose="02020603050405020304" pitchFamily="18" charset="0"/>
+              </a:rPr>
+              <a:t>Inbound Logistics Process</a:t>
+            </a:r>
+          </a:p>
+          <a:p>
+            <a:pPr marL="1485900" lvl="2" indent="-571500">
+              <a:lnSpc>
+                <a:spcPct val="150000"/>
+              </a:lnSpc>
+              <a:buFont typeface="+mj-lt"/>
+              <a:buAutoNum type="romanUcPeriod"/>
+            </a:pPr>
+            <a:r>
+              <a:rPr lang="en-US" sz="2400" dirty="0">
+                <a:latin typeface="Times New Roman" panose="02020603050405020304" pitchFamily="18" charset="0"/>
+                <a:cs typeface="Times New Roman" panose="02020603050405020304" pitchFamily="18" charset="0"/>
+              </a:rPr>
+              <a:t>Outbound Logistics Process</a:t>
+            </a:r>
+          </a:p>
+          <a:p>
+            <a:pPr marL="1485900" lvl="2" indent="-571500">
+              <a:lnSpc>
+                <a:spcPct val="150000"/>
+              </a:lnSpc>
+              <a:buFont typeface="+mj-lt"/>
+              <a:buAutoNum type="romanUcPeriod"/>
+            </a:pPr>
+            <a:r>
+              <a:rPr lang="en-US" sz="2400" dirty="0">
+                <a:latin typeface="Times New Roman" panose="02020603050405020304" pitchFamily="18" charset="0"/>
+                <a:cs typeface="Times New Roman" panose="02020603050405020304" pitchFamily="18" charset="0"/>
+              </a:rPr>
+              <a:t>Procurement Logistics Process</a:t>
+            </a:r>
+          </a:p>
+          <a:p>
+            <a:pPr marL="1485900" lvl="2" indent="-571500">
+              <a:lnSpc>
+                <a:spcPct val="150000"/>
+              </a:lnSpc>
+              <a:buFont typeface="+mj-lt"/>
+              <a:buAutoNum type="romanUcPeriod"/>
+            </a:pPr>
+            <a:r>
+              <a:rPr lang="en-US" sz="2400" dirty="0">
+                <a:latin typeface="Times New Roman" panose="02020603050405020304" pitchFamily="18" charset="0"/>
+                <a:cs typeface="Times New Roman" panose="02020603050405020304" pitchFamily="18" charset="0"/>
+              </a:rPr>
+              <a:t>Reverse Logistics Process</a:t>
+            </a:r>
+          </a:p>
+          <a:p>
+            <a:pPr marL="1485900" lvl="2" indent="-571500">
+              <a:lnSpc>
+                <a:spcPct val="150000"/>
+              </a:lnSpc>
+              <a:buFont typeface="+mj-lt"/>
+              <a:buAutoNum type="romanUcPeriod"/>
+            </a:pPr>
+            <a:r>
+              <a:rPr lang="en-US" sz="2400" dirty="0">
+                <a:latin typeface="Times New Roman" panose="02020603050405020304" pitchFamily="18" charset="0"/>
+                <a:cs typeface="Times New Roman" panose="02020603050405020304" pitchFamily="18" charset="0"/>
+              </a:rPr>
+              <a:t>Manufacturing Logistics Process</a:t>
+            </a:r>
+          </a:p>
+          <a:p>
+            <a:pPr marL="1485900" lvl="2" indent="-571500">
+              <a:lnSpc>
+                <a:spcPct val="150000"/>
+              </a:lnSpc>
+              <a:buFont typeface="+mj-lt"/>
+              <a:buAutoNum type="romanUcPeriod"/>
+            </a:pPr>
+            <a:r>
+              <a:rPr lang="en-US" sz="2400" dirty="0">
+                <a:latin typeface="Times New Roman" panose="02020603050405020304" pitchFamily="18" charset="0"/>
+                <a:cs typeface="Times New Roman" panose="02020603050405020304" pitchFamily="18" charset="0"/>
+              </a:rPr>
+              <a:t>Distribution Logistics Process</a:t>
+            </a:r>
+          </a:p>
+        </p:txBody>
+      </p:sp>
+    </p:spTree>
+    <p:extLst>
+      <p:ext uri="{BB962C8B-B14F-4D97-AF65-F5344CB8AC3E}">
+        <p14:creationId xmlns:p14="http://schemas.microsoft.com/office/powerpoint/2010/main" val="2728360556"/>
+      </p:ext>
+    </p:extLst>
+  </p:cSld>
+  <p:clrMapOvr>
+    <a:masterClrMapping/>
+  </p:clrMapOvr>
+</p:sld>
+</file>
+
+<file path=ppt/slides/slide20.xml><?xml version="1.0" encoding="utf-8"?>
+<p:sld xmlns:a="http://schemas.openxmlformats.org/drawingml/2006/main" xmlns:r="http://schemas.openxmlformats.org/officeDocument/2006/relationships" xmlns:p="http://schemas.openxmlformats.org/presentationml/2006/main">
+  <p:cSld>
+    <p:spTree>
+      <p:nvGrpSpPr>
+        <p:cNvPr id="1" name="">
+          <a:extLst>
+            <a:ext uri="{FF2B5EF4-FFF2-40B4-BE49-F238E27FC236}">
+              <a16:creationId xmlns:a16="http://schemas.microsoft.com/office/drawing/2014/main" id="{652BEC75-8F64-27B0-ADE2-1F5D13E29634}"/>
+            </a:ext>
+          </a:extLst>
+        </p:cNvPr>
+        <p:cNvGrpSpPr/>
+        <p:nvPr/>
+      </p:nvGrpSpPr>
+      <p:grpSpPr>
+        <a:xfrm>
+          <a:off x="0" y="0"/>
+          <a:ext cx="0" cy="0"/>
+          <a:chOff x="0" y="0"/>
+          <a:chExt cx="0" cy="0"/>
+        </a:xfrm>
+      </p:grpSpPr>
+      <p:pic>
+        <p:nvPicPr>
+          <p:cNvPr id="7" name="Picture 6">
+            <a:extLst>
+              <a:ext uri="{FF2B5EF4-FFF2-40B4-BE49-F238E27FC236}">
+                <a16:creationId xmlns:a16="http://schemas.microsoft.com/office/drawing/2014/main" id="{B3DF5A13-DECF-0731-C22C-C7D3001751F0}"/>
+              </a:ext>
+            </a:extLst>
+          </p:cNvPr>
+          <p:cNvPicPr>
+            <a:picLocks noChangeAspect="1"/>
+          </p:cNvPicPr>
+          <p:nvPr/>
+        </p:nvPicPr>
+        <p:blipFill>
+          <a:blip r:embed="rId2">
+            <a:extLst>
+              <a:ext uri="{28A0092B-C50C-407E-A947-70E740481C1C}">
+                <a14:useLocalDpi xmlns:a14="http://schemas.microsoft.com/office/drawing/2010/main" val="0"/>
+              </a:ext>
+            </a:extLst>
+          </a:blip>
+          <a:stretch>
+            <a:fillRect/>
+          </a:stretch>
+        </p:blipFill>
+        <p:spPr>
+          <a:xfrm>
+            <a:off x="0" y="4844958"/>
+            <a:ext cx="1915235" cy="1915235"/>
+          </a:xfrm>
+          <a:prstGeom prst="rect">
+            <a:avLst/>
+          </a:prstGeom>
+        </p:spPr>
+      </p:pic>
+      <p:sp>
+        <p:nvSpPr>
+          <p:cNvPr id="8" name="TextBox 7">
+            <a:extLst>
+              <a:ext uri="{FF2B5EF4-FFF2-40B4-BE49-F238E27FC236}">
+                <a16:creationId xmlns:a16="http://schemas.microsoft.com/office/drawing/2014/main" id="{45C8D167-2F03-8954-57F8-08F53482CFA9}"/>
+              </a:ext>
+            </a:extLst>
+          </p:cNvPr>
+          <p:cNvSpPr txBox="1"/>
+          <p:nvPr/>
+        </p:nvSpPr>
+        <p:spPr>
+          <a:xfrm>
+            <a:off x="9778558" y="259307"/>
+            <a:ext cx="2536272" cy="461665"/>
+          </a:xfrm>
+          <a:prstGeom prst="rect">
+            <a:avLst/>
+          </a:prstGeom>
+          <a:noFill/>
+        </p:spPr>
+        <p:txBody>
+          <a:bodyPr wrap="square" rtlCol="0">
+            <a:spAutoFit/>
+          </a:bodyPr>
+          <a:lstStyle/>
+          <a:p>
+            <a:r>
+              <a:rPr lang="en-US" sz="2400" b="1" dirty="0">
+                <a:solidFill>
+                  <a:schemeClr val="bg1"/>
+                </a:solidFill>
+                <a:latin typeface="Arial Black" panose="020B0A04020102020204" pitchFamily="34" charset="0"/>
+              </a:rPr>
+              <a:t>AI Academy</a:t>
+            </a:r>
+            <a:r>
+              <a:rPr lang="en-US" sz="2400" b="0" i="0" dirty="0">
+                <a:solidFill>
+                  <a:schemeClr val="bg1"/>
+                </a:solidFill>
+                <a:effectLst/>
+                <a:latin typeface="arial" panose="020B0604020202020204" pitchFamily="34" charset="0"/>
+              </a:rPr>
+              <a:t>®</a:t>
+            </a:r>
+            <a:endParaRPr lang="en-US" sz="2400" b="1" dirty="0">
+              <a:solidFill>
+                <a:schemeClr val="bg1"/>
+              </a:solidFill>
+              <a:latin typeface="Arial Black" panose="020B0A04020102020204" pitchFamily="34" charset="0"/>
+            </a:endParaRPr>
+          </a:p>
+        </p:txBody>
+      </p:sp>
+      <p:sp>
+        <p:nvSpPr>
+          <p:cNvPr id="13" name="Scroll: Vertical 12">
+            <a:extLst>
+              <a:ext uri="{FF2B5EF4-FFF2-40B4-BE49-F238E27FC236}">
+                <a16:creationId xmlns:a16="http://schemas.microsoft.com/office/drawing/2014/main" id="{F936E3B0-6762-A2D4-C8F8-BCC3A7F97715}"/>
+              </a:ext>
+            </a:extLst>
+          </p:cNvPr>
+          <p:cNvSpPr/>
+          <p:nvPr/>
+        </p:nvSpPr>
+        <p:spPr>
+          <a:xfrm>
+            <a:off x="10459839" y="887102"/>
+            <a:ext cx="1091821" cy="873457"/>
+          </a:xfrm>
+          <a:prstGeom prst="verticalScroll">
+            <a:avLst/>
+          </a:prstGeom>
+          <a:solidFill>
+            <a:schemeClr val="bg1"/>
+          </a:solidFill>
+        </p:spPr>
+        <p:style>
+          <a:lnRef idx="2">
+            <a:schemeClr val="accent1">
+              <a:shade val="15000"/>
+            </a:schemeClr>
+          </a:lnRef>
+          <a:fillRef idx="1">
+            <a:schemeClr val="accent1"/>
+          </a:fillRef>
+          <a:effectRef idx="0">
+            <a:schemeClr val="accent1"/>
+          </a:effectRef>
+          <a:fontRef idx="minor">
+            <a:schemeClr val="lt1"/>
+          </a:fontRef>
+        </p:style>
+        <p:txBody>
+          <a:bodyPr rtlCol="0" anchor="ctr"/>
+          <a:lstStyle/>
+          <a:p>
+            <a:pPr algn="ctr"/>
+            <a:r>
+              <a:rPr lang="en-US" sz="4400" b="1" dirty="0">
+                <a:solidFill>
+                  <a:schemeClr val="tx1"/>
+                </a:solidFill>
+              </a:rPr>
+              <a:t>20</a:t>
+            </a:r>
+          </a:p>
+        </p:txBody>
+      </p:sp>
+      <p:sp>
+        <p:nvSpPr>
+          <p:cNvPr id="3" name="TextBox 2">
+            <a:extLst>
+              <a:ext uri="{FF2B5EF4-FFF2-40B4-BE49-F238E27FC236}">
+                <a16:creationId xmlns:a16="http://schemas.microsoft.com/office/drawing/2014/main" id="{13C7E109-1AAC-B21C-32DB-130CCA25A7A2}"/>
+              </a:ext>
+            </a:extLst>
+          </p:cNvPr>
+          <p:cNvSpPr txBox="1"/>
+          <p:nvPr/>
+        </p:nvSpPr>
+        <p:spPr>
+          <a:xfrm>
+            <a:off x="1109533" y="259307"/>
+            <a:ext cx="2559868" cy="707886"/>
+          </a:xfrm>
+          <a:prstGeom prst="rect">
+            <a:avLst/>
+          </a:prstGeom>
+          <a:noFill/>
+        </p:spPr>
+        <p:txBody>
+          <a:bodyPr wrap="none" rtlCol="0">
+            <a:spAutoFit/>
+          </a:bodyPr>
+          <a:lstStyle/>
+          <a:p>
+            <a:r>
+              <a:rPr lang="en-US" sz="4000" b="1" dirty="0">
+                <a:latin typeface="Arial Black" panose="020B0A04020102020204" pitchFamily="34" charset="0"/>
+              </a:rPr>
+              <a:t>Week #7</a:t>
+            </a:r>
+          </a:p>
+        </p:txBody>
+      </p:sp>
+      <p:sp>
+        <p:nvSpPr>
+          <p:cNvPr id="6" name="TextBox 5">
+            <a:extLst>
+              <a:ext uri="{FF2B5EF4-FFF2-40B4-BE49-F238E27FC236}">
+                <a16:creationId xmlns:a16="http://schemas.microsoft.com/office/drawing/2014/main" id="{ED86308D-2C28-A188-9434-8512AA2CE7B7}"/>
+              </a:ext>
+            </a:extLst>
+          </p:cNvPr>
+          <p:cNvSpPr txBox="1"/>
+          <p:nvPr/>
+        </p:nvSpPr>
+        <p:spPr>
+          <a:xfrm>
+            <a:off x="1260644" y="797162"/>
+            <a:ext cx="8033260" cy="1307537"/>
+          </a:xfrm>
+          <a:prstGeom prst="rect">
+            <a:avLst/>
+          </a:prstGeom>
+          <a:noFill/>
+        </p:spPr>
+        <p:txBody>
+          <a:bodyPr wrap="square" rtlCol="0">
+            <a:spAutoFit/>
+          </a:bodyPr>
+          <a:lstStyle/>
+          <a:p>
+            <a:pPr>
+              <a:lnSpc>
+                <a:spcPct val="150000"/>
+              </a:lnSpc>
+            </a:pPr>
+            <a:r>
+              <a:rPr lang="en-US" sz="2800" b="1" dirty="0">
+                <a:latin typeface="Times New Roman" panose="02020603050405020304" pitchFamily="18" charset="0"/>
+                <a:cs typeface="Times New Roman" panose="02020603050405020304" pitchFamily="18" charset="0"/>
+              </a:rPr>
+              <a:t>Tracking Metrics:</a:t>
+            </a:r>
+          </a:p>
+          <a:p>
+            <a:pPr>
+              <a:lnSpc>
+                <a:spcPct val="150000"/>
+              </a:lnSpc>
+            </a:pPr>
+            <a:r>
+              <a:rPr lang="en-US" sz="2800" b="1" dirty="0">
+                <a:latin typeface="Times New Roman" panose="02020603050405020304" pitchFamily="18" charset="0"/>
+                <a:cs typeface="Times New Roman" panose="02020603050405020304" pitchFamily="18" charset="0"/>
+              </a:rPr>
+              <a:t>											</a:t>
+            </a:r>
+            <a:r>
+              <a:rPr lang="en-US" sz="2800" dirty="0">
+                <a:latin typeface="Arial Narrow" panose="020B0606020202030204" pitchFamily="34" charset="0"/>
+                <a:cs typeface="Times New Roman" panose="02020603050405020304" pitchFamily="18" charset="0"/>
+              </a:rPr>
+              <a:t>your</a:t>
+            </a:r>
+            <a:endParaRPr lang="en-US" sz="2400" dirty="0">
+              <a:latin typeface="Arial Narrow" panose="020B0606020202030204" pitchFamily="34" charset="0"/>
+              <a:cs typeface="Times New Roman" panose="02020603050405020304" pitchFamily="18" charset="0"/>
+            </a:endParaRPr>
+          </a:p>
+        </p:txBody>
+      </p:sp>
+      <p:pic>
+        <p:nvPicPr>
+          <p:cNvPr id="9" name="Picture 8">
+            <a:extLst>
+              <a:ext uri="{FF2B5EF4-FFF2-40B4-BE49-F238E27FC236}">
+                <a16:creationId xmlns:a16="http://schemas.microsoft.com/office/drawing/2014/main" id="{39D76516-669F-D327-73B5-E4AED91C5CC8}"/>
+              </a:ext>
+            </a:extLst>
+          </p:cNvPr>
+          <p:cNvPicPr>
+            <a:picLocks noChangeAspect="1"/>
+          </p:cNvPicPr>
+          <p:nvPr/>
+        </p:nvPicPr>
+        <p:blipFill>
+          <a:blip r:embed="rId3">
+            <a:extLst>
+              <a:ext uri="{28A0092B-C50C-407E-A947-70E740481C1C}">
+                <a14:useLocalDpi xmlns:a14="http://schemas.microsoft.com/office/drawing/2010/main" val="0"/>
+              </a:ext>
+            </a:extLst>
+          </a:blip>
+          <a:stretch>
+            <a:fillRect/>
+          </a:stretch>
+        </p:blipFill>
+        <p:spPr>
+          <a:xfrm>
+            <a:off x="1522316" y="1630710"/>
+            <a:ext cx="7509916" cy="4276795"/>
+          </a:xfrm>
+          <a:prstGeom prst="rect">
+            <a:avLst/>
+          </a:prstGeom>
+        </p:spPr>
+      </p:pic>
+    </p:spTree>
+    <p:extLst>
+      <p:ext uri="{BB962C8B-B14F-4D97-AF65-F5344CB8AC3E}">
+        <p14:creationId xmlns:p14="http://schemas.microsoft.com/office/powerpoint/2010/main" val="2460007228"/>
+      </p:ext>
+    </p:extLst>
+  </p:cSld>
+  <p:clrMapOvr>
+    <a:masterClrMapping/>
+  </p:clrMapOvr>
+</p:sld>
+</file>
+
+<file path=ppt/slides/slide3.xml><?xml version="1.0" encoding="utf-8"?>
+<p:sld xmlns:a="http://schemas.openxmlformats.org/drawingml/2006/main" xmlns:r="http://schemas.openxmlformats.org/officeDocument/2006/relationships" xmlns:p="http://schemas.openxmlformats.org/presentationml/2006/main">
+  <p:cSld>
+    <p:spTree>
+      <p:nvGrpSpPr>
+        <p:cNvPr id="1" name=""/>
+        <p:cNvGrpSpPr/>
+        <p:nvPr/>
+      </p:nvGrpSpPr>
+      <p:grpSpPr>
+        <a:xfrm>
+          <a:off x="0" y="0"/>
+          <a:ext cx="0" cy="0"/>
+          <a:chOff x="0" y="0"/>
+          <a:chExt cx="0" cy="0"/>
+        </a:xfrm>
+      </p:grpSpPr>
+      <p:pic>
+        <p:nvPicPr>
+          <p:cNvPr id="7" name="Picture 6">
+            <a:extLst>
+              <a:ext uri="{FF2B5EF4-FFF2-40B4-BE49-F238E27FC236}">
+                <a16:creationId xmlns:a16="http://schemas.microsoft.com/office/drawing/2014/main" id="{AD277A71-C5A3-2B53-25AA-A52C92EF6CC4}"/>
+              </a:ext>
+            </a:extLst>
+          </p:cNvPr>
+          <p:cNvPicPr>
+            <a:picLocks noChangeAspect="1"/>
+          </p:cNvPicPr>
+          <p:nvPr/>
+        </p:nvPicPr>
+        <p:blipFill>
+          <a:blip r:embed="rId2">
+            <a:extLst>
+              <a:ext uri="{28A0092B-C50C-407E-A947-70E740481C1C}">
+                <a14:useLocalDpi xmlns:a14="http://schemas.microsoft.com/office/drawing/2010/main" val="0"/>
+              </a:ext>
+            </a:extLst>
+          </a:blip>
+          <a:stretch>
+            <a:fillRect/>
+          </a:stretch>
+        </p:blipFill>
+        <p:spPr>
+          <a:xfrm>
+            <a:off x="0" y="4844958"/>
+            <a:ext cx="1915235" cy="1915235"/>
+          </a:xfrm>
+          <a:prstGeom prst="rect">
+            <a:avLst/>
+          </a:prstGeom>
+        </p:spPr>
+      </p:pic>
+      <p:sp>
+        <p:nvSpPr>
+          <p:cNvPr id="8" name="TextBox 7">
+            <a:extLst>
+              <a:ext uri="{FF2B5EF4-FFF2-40B4-BE49-F238E27FC236}">
+                <a16:creationId xmlns:a16="http://schemas.microsoft.com/office/drawing/2014/main" id="{0835D244-D79F-8F6B-3481-116553499408}"/>
+              </a:ext>
+            </a:extLst>
+          </p:cNvPr>
+          <p:cNvSpPr txBox="1"/>
+          <p:nvPr/>
+        </p:nvSpPr>
+        <p:spPr>
+          <a:xfrm>
+            <a:off x="9778558" y="259307"/>
+            <a:ext cx="2536272" cy="461665"/>
+          </a:xfrm>
+          <a:prstGeom prst="rect">
+            <a:avLst/>
+          </a:prstGeom>
+          <a:noFill/>
+        </p:spPr>
+        <p:txBody>
+          <a:bodyPr wrap="square" rtlCol="0">
+            <a:spAutoFit/>
+          </a:bodyPr>
+          <a:lstStyle/>
+          <a:p>
+            <a:r>
+              <a:rPr lang="en-US" sz="2400" b="1" dirty="0">
+                <a:solidFill>
+                  <a:schemeClr val="bg1"/>
+                </a:solidFill>
+                <a:latin typeface="Arial Black" panose="020B0A04020102020204" pitchFamily="34" charset="0"/>
+              </a:rPr>
+              <a:t>AI Academy</a:t>
+            </a:r>
+            <a:r>
+              <a:rPr lang="en-US" sz="2400" b="0" i="0" dirty="0">
+                <a:solidFill>
+                  <a:schemeClr val="bg1"/>
+                </a:solidFill>
+                <a:effectLst/>
+                <a:latin typeface="arial" panose="020B0604020202020204" pitchFamily="34" charset="0"/>
+              </a:rPr>
+              <a:t>®</a:t>
+            </a:r>
+            <a:endParaRPr lang="en-US" sz="2400" b="1" dirty="0">
+              <a:solidFill>
+                <a:schemeClr val="bg1"/>
+              </a:solidFill>
+              <a:latin typeface="Arial Black" panose="020B0A04020102020204" pitchFamily="34" charset="0"/>
+            </a:endParaRPr>
+          </a:p>
+        </p:txBody>
+      </p:sp>
+      <p:sp>
+        <p:nvSpPr>
+          <p:cNvPr id="13" name="Scroll: Vertical 12">
+            <a:extLst>
+              <a:ext uri="{FF2B5EF4-FFF2-40B4-BE49-F238E27FC236}">
+                <a16:creationId xmlns:a16="http://schemas.microsoft.com/office/drawing/2014/main" id="{BB80B18F-2B14-894E-57C6-EC163F824025}"/>
+              </a:ext>
+            </a:extLst>
+          </p:cNvPr>
+          <p:cNvSpPr/>
+          <p:nvPr/>
+        </p:nvSpPr>
+        <p:spPr>
+          <a:xfrm>
+            <a:off x="10459839" y="887102"/>
+            <a:ext cx="1091821" cy="873457"/>
+          </a:xfrm>
+          <a:prstGeom prst="verticalScroll">
+            <a:avLst/>
+          </a:prstGeom>
+          <a:solidFill>
+            <a:schemeClr val="bg1"/>
+          </a:solidFill>
+        </p:spPr>
+        <p:style>
+          <a:lnRef idx="2">
+            <a:schemeClr val="accent1">
+              <a:shade val="15000"/>
+            </a:schemeClr>
+          </a:lnRef>
+          <a:fillRef idx="1">
+            <a:schemeClr val="accent1"/>
+          </a:fillRef>
+          <a:effectRef idx="0">
+            <a:schemeClr val="accent1"/>
+          </a:effectRef>
+          <a:fontRef idx="minor">
+            <a:schemeClr val="lt1"/>
+          </a:fontRef>
+        </p:style>
+        <p:txBody>
+          <a:bodyPr rtlCol="0" anchor="ctr"/>
+          <a:lstStyle/>
+          <a:p>
+            <a:pPr algn="ctr"/>
+            <a:r>
+              <a:rPr lang="en-US" sz="4400" b="1" dirty="0">
+                <a:solidFill>
+                  <a:schemeClr val="tx1"/>
+                </a:solidFill>
+              </a:rPr>
+              <a:t>3</a:t>
+            </a:r>
+          </a:p>
+        </p:txBody>
+      </p:sp>
+      <p:sp>
+        <p:nvSpPr>
+          <p:cNvPr id="14" name="TextBox 13">
+            <a:extLst>
+              <a:ext uri="{FF2B5EF4-FFF2-40B4-BE49-F238E27FC236}">
+                <a16:creationId xmlns:a16="http://schemas.microsoft.com/office/drawing/2014/main" id="{5E9C113D-AE55-F3B3-E221-1D8CA4D0EC80}"/>
+              </a:ext>
+            </a:extLst>
+          </p:cNvPr>
+          <p:cNvSpPr txBox="1"/>
+          <p:nvPr/>
+        </p:nvSpPr>
+        <p:spPr>
+          <a:xfrm>
+            <a:off x="1109533" y="259307"/>
+            <a:ext cx="2559868" cy="707886"/>
+          </a:xfrm>
+          <a:prstGeom prst="rect">
+            <a:avLst/>
+          </a:prstGeom>
+          <a:noFill/>
+        </p:spPr>
+        <p:txBody>
+          <a:bodyPr wrap="none" rtlCol="0">
+            <a:spAutoFit/>
+          </a:bodyPr>
+          <a:lstStyle/>
+          <a:p>
+            <a:r>
+              <a:rPr lang="en-US" sz="4000" b="1" dirty="0">
+                <a:latin typeface="Arial Black" panose="020B0A04020102020204" pitchFamily="34" charset="0"/>
+              </a:rPr>
+              <a:t>Week #7</a:t>
+            </a:r>
+          </a:p>
+        </p:txBody>
+      </p:sp>
+      <p:sp>
+        <p:nvSpPr>
+          <p:cNvPr id="3" name="TextBox 2">
+            <a:extLst>
+              <a:ext uri="{FF2B5EF4-FFF2-40B4-BE49-F238E27FC236}">
+                <a16:creationId xmlns:a16="http://schemas.microsoft.com/office/drawing/2014/main" id="{C4E1E729-6BDF-B047-C67C-FC39EF6C9922}"/>
+              </a:ext>
+            </a:extLst>
+          </p:cNvPr>
+          <p:cNvSpPr txBox="1"/>
+          <p:nvPr/>
+        </p:nvSpPr>
+        <p:spPr>
+          <a:xfrm>
+            <a:off x="1470504" y="887102"/>
+            <a:ext cx="8008254" cy="661207"/>
+          </a:xfrm>
+          <a:prstGeom prst="rect">
+            <a:avLst/>
+          </a:prstGeom>
+          <a:noFill/>
+        </p:spPr>
+        <p:txBody>
+          <a:bodyPr wrap="square" rtlCol="0">
+            <a:spAutoFit/>
+          </a:bodyPr>
+          <a:lstStyle/>
+          <a:p>
+            <a:pPr marL="571500" indent="-571500">
+              <a:lnSpc>
+                <a:spcPct val="150000"/>
+              </a:lnSpc>
+              <a:buFont typeface="Wingdings" panose="05000000000000000000" pitchFamily="2" charset="2"/>
+              <a:buChar char="v"/>
+            </a:pPr>
+            <a:r>
+              <a:rPr lang="en-US" sz="2800" b="1" dirty="0">
+                <a:latin typeface="Times New Roman" panose="02020603050405020304" pitchFamily="18" charset="0"/>
+                <a:cs typeface="Times New Roman" panose="02020603050405020304" pitchFamily="18" charset="0"/>
+              </a:rPr>
+              <a:t>Supply Chain Management Network:</a:t>
+            </a:r>
+          </a:p>
+        </p:txBody>
+      </p:sp>
+      <p:pic>
+        <p:nvPicPr>
+          <p:cNvPr id="1028" name="Picture 4" descr="SCMbasics2">
+            <a:extLst>
+              <a:ext uri="{FF2B5EF4-FFF2-40B4-BE49-F238E27FC236}">
+                <a16:creationId xmlns:a16="http://schemas.microsoft.com/office/drawing/2014/main" id="{EEF5D341-EBF9-2182-CABF-70EE79DAD9E6}"/>
+              </a:ext>
+            </a:extLst>
+          </p:cNvPr>
+          <p:cNvPicPr>
+            <a:picLocks noChangeAspect="1" noChangeArrowheads="1"/>
+          </p:cNvPicPr>
+          <p:nvPr/>
+        </p:nvPicPr>
+        <p:blipFill>
+          <a:blip r:embed="rId3">
+            <a:extLst>
+              <a:ext uri="{28A0092B-C50C-407E-A947-70E740481C1C}">
+                <a14:useLocalDpi xmlns:a14="http://schemas.microsoft.com/office/drawing/2010/main" val="0"/>
+              </a:ext>
+            </a:extLst>
+          </a:blip>
+          <a:srcRect/>
+          <a:stretch>
+            <a:fillRect/>
+          </a:stretch>
+        </p:blipFill>
+        <p:spPr bwMode="auto">
+          <a:xfrm>
+            <a:off x="2389467" y="1595669"/>
+            <a:ext cx="5105615" cy="4601684"/>
+          </a:xfrm>
+          <a:prstGeom prst="rect">
+            <a:avLst/>
+          </a:prstGeom>
+          <a:noFill/>
+          <a:extLst>
+            <a:ext uri="{909E8E84-426E-40DD-AFC4-6F175D3DCCD1}">
+              <a14:hiddenFill xmlns:a14="http://schemas.microsoft.com/office/drawing/2010/main">
+                <a:solidFill>
+                  <a:srgbClr val="FFFFFF"/>
+                </a:solidFill>
+              </a14:hiddenFill>
+            </a:ext>
+          </a:extLst>
+        </p:spPr>
+      </p:pic>
+    </p:spTree>
+    <p:extLst>
+      <p:ext uri="{BB962C8B-B14F-4D97-AF65-F5344CB8AC3E}">
+        <p14:creationId xmlns:p14="http://schemas.microsoft.com/office/powerpoint/2010/main" val="3799300013"/>
+      </p:ext>
+    </p:extLst>
+  </p:cSld>
+  <p:clrMapOvr>
+    <a:masterClrMapping/>
+  </p:clrMapOvr>
+</p:sld>
+</file>
+
+<file path=ppt/slides/slide4.xml><?xml version="1.0" encoding="utf-8"?>
+<p:sld xmlns:a="http://schemas.openxmlformats.org/drawingml/2006/main" xmlns:r="http://schemas.openxmlformats.org/officeDocument/2006/relationships" xmlns:p="http://schemas.openxmlformats.org/presentationml/2006/main">
+  <p:cSld>
+    <p:spTree>
+      <p:nvGrpSpPr>
+        <p:cNvPr id="1" name=""/>
+        <p:cNvGrpSpPr/>
+        <p:nvPr/>
+      </p:nvGrpSpPr>
+      <p:grpSpPr>
+        <a:xfrm>
+          <a:off x="0" y="0"/>
+          <a:ext cx="0" cy="0"/>
+          <a:chOff x="0" y="0"/>
+          <a:chExt cx="0" cy="0"/>
+        </a:xfrm>
+      </p:grpSpPr>
+      <p:pic>
+        <p:nvPicPr>
+          <p:cNvPr id="7" name="Picture 6">
+            <a:extLst>
+              <a:ext uri="{FF2B5EF4-FFF2-40B4-BE49-F238E27FC236}">
+                <a16:creationId xmlns:a16="http://schemas.microsoft.com/office/drawing/2014/main" id="{AD277A71-C5A3-2B53-25AA-A52C92EF6CC4}"/>
+              </a:ext>
+            </a:extLst>
+          </p:cNvPr>
+          <p:cNvPicPr>
+            <a:picLocks noChangeAspect="1"/>
+          </p:cNvPicPr>
+          <p:nvPr/>
+        </p:nvPicPr>
+        <p:blipFill>
+          <a:blip r:embed="rId2">
+            <a:extLst>
+              <a:ext uri="{28A0092B-C50C-407E-A947-70E740481C1C}">
+                <a14:useLocalDpi xmlns:a14="http://schemas.microsoft.com/office/drawing/2010/main" val="0"/>
+              </a:ext>
+            </a:extLst>
+          </a:blip>
+          <a:stretch>
+            <a:fillRect/>
+          </a:stretch>
+        </p:blipFill>
+        <p:spPr>
+          <a:xfrm>
+            <a:off x="0" y="4844958"/>
+            <a:ext cx="1915235" cy="1915235"/>
+          </a:xfrm>
+          <a:prstGeom prst="rect">
+            <a:avLst/>
+          </a:prstGeom>
+        </p:spPr>
+      </p:pic>
+      <p:sp>
+        <p:nvSpPr>
+          <p:cNvPr id="8" name="TextBox 7">
+            <a:extLst>
+              <a:ext uri="{FF2B5EF4-FFF2-40B4-BE49-F238E27FC236}">
+                <a16:creationId xmlns:a16="http://schemas.microsoft.com/office/drawing/2014/main" id="{0835D244-D79F-8F6B-3481-116553499408}"/>
+              </a:ext>
+            </a:extLst>
+          </p:cNvPr>
+          <p:cNvSpPr txBox="1"/>
+          <p:nvPr/>
+        </p:nvSpPr>
+        <p:spPr>
+          <a:xfrm>
+            <a:off x="9778558" y="259307"/>
+            <a:ext cx="2536272" cy="461665"/>
+          </a:xfrm>
+          <a:prstGeom prst="rect">
+            <a:avLst/>
+          </a:prstGeom>
+          <a:noFill/>
+        </p:spPr>
+        <p:txBody>
+          <a:bodyPr wrap="square" rtlCol="0">
+            <a:spAutoFit/>
+          </a:bodyPr>
+          <a:lstStyle/>
+          <a:p>
+            <a:r>
+              <a:rPr lang="en-US" sz="2400" b="1" dirty="0">
+                <a:solidFill>
+                  <a:schemeClr val="bg1"/>
+                </a:solidFill>
+                <a:latin typeface="Arial Black" panose="020B0A04020102020204" pitchFamily="34" charset="0"/>
+              </a:rPr>
+              <a:t>AI Academy</a:t>
+            </a:r>
+            <a:r>
+              <a:rPr lang="en-US" sz="2400" b="0" i="0" dirty="0">
+                <a:solidFill>
+                  <a:schemeClr val="bg1"/>
+                </a:solidFill>
+                <a:effectLst/>
+                <a:latin typeface="arial" panose="020B0604020202020204" pitchFamily="34" charset="0"/>
+              </a:rPr>
+              <a:t>®</a:t>
+            </a:r>
+            <a:endParaRPr lang="en-US" sz="2400" b="1" dirty="0">
+              <a:solidFill>
+                <a:schemeClr val="bg1"/>
+              </a:solidFill>
+              <a:latin typeface="Arial Black" panose="020B0A04020102020204" pitchFamily="34" charset="0"/>
+            </a:endParaRPr>
+          </a:p>
+        </p:txBody>
+      </p:sp>
+      <p:sp>
+        <p:nvSpPr>
+          <p:cNvPr id="13" name="Scroll: Vertical 12">
+            <a:extLst>
+              <a:ext uri="{FF2B5EF4-FFF2-40B4-BE49-F238E27FC236}">
+                <a16:creationId xmlns:a16="http://schemas.microsoft.com/office/drawing/2014/main" id="{BB80B18F-2B14-894E-57C6-EC163F824025}"/>
+              </a:ext>
+            </a:extLst>
+          </p:cNvPr>
+          <p:cNvSpPr/>
+          <p:nvPr/>
+        </p:nvSpPr>
+        <p:spPr>
+          <a:xfrm>
+            <a:off x="10459839" y="887102"/>
+            <a:ext cx="1091821" cy="873457"/>
+          </a:xfrm>
+          <a:prstGeom prst="verticalScroll">
+            <a:avLst/>
+          </a:prstGeom>
+          <a:solidFill>
+            <a:schemeClr val="bg1"/>
+          </a:solidFill>
+        </p:spPr>
+        <p:style>
+          <a:lnRef idx="2">
+            <a:schemeClr val="accent1">
+              <a:shade val="15000"/>
+            </a:schemeClr>
+          </a:lnRef>
+          <a:fillRef idx="1">
+            <a:schemeClr val="accent1"/>
+          </a:fillRef>
+          <a:effectRef idx="0">
+            <a:schemeClr val="accent1"/>
+          </a:effectRef>
+          <a:fontRef idx="minor">
+            <a:schemeClr val="lt1"/>
+          </a:fontRef>
+        </p:style>
+        <p:txBody>
+          <a:bodyPr rtlCol="0" anchor="ctr"/>
+          <a:lstStyle/>
+          <a:p>
+            <a:pPr algn="ctr"/>
+            <a:r>
+              <a:rPr lang="en-US" sz="4400" b="1" dirty="0">
+                <a:solidFill>
+                  <a:schemeClr val="tx1"/>
+                </a:solidFill>
+              </a:rPr>
+              <a:t>4</a:t>
+            </a:r>
+          </a:p>
+        </p:txBody>
+      </p:sp>
+      <p:sp>
+        <p:nvSpPr>
+          <p:cNvPr id="14" name="TextBox 13">
+            <a:extLst>
+              <a:ext uri="{FF2B5EF4-FFF2-40B4-BE49-F238E27FC236}">
+                <a16:creationId xmlns:a16="http://schemas.microsoft.com/office/drawing/2014/main" id="{5E9C113D-AE55-F3B3-E221-1D8CA4D0EC80}"/>
+              </a:ext>
+            </a:extLst>
+          </p:cNvPr>
+          <p:cNvSpPr txBox="1"/>
+          <p:nvPr/>
+        </p:nvSpPr>
+        <p:spPr>
+          <a:xfrm>
+            <a:off x="1109533" y="259307"/>
+            <a:ext cx="2559868" cy="707886"/>
+          </a:xfrm>
+          <a:prstGeom prst="rect">
+            <a:avLst/>
+          </a:prstGeom>
+          <a:noFill/>
+        </p:spPr>
+        <p:txBody>
+          <a:bodyPr wrap="none" rtlCol="0">
+            <a:spAutoFit/>
+          </a:bodyPr>
+          <a:lstStyle/>
+          <a:p>
+            <a:r>
+              <a:rPr lang="en-US" sz="4000" b="1" dirty="0">
+                <a:latin typeface="Arial Black" panose="020B0A04020102020204" pitchFamily="34" charset="0"/>
+              </a:rPr>
+              <a:t>Week #7</a:t>
+            </a:r>
+          </a:p>
+        </p:txBody>
+      </p:sp>
+      <p:sp>
+        <p:nvSpPr>
+          <p:cNvPr id="3" name="TextBox 2">
+            <a:extLst>
+              <a:ext uri="{FF2B5EF4-FFF2-40B4-BE49-F238E27FC236}">
+                <a16:creationId xmlns:a16="http://schemas.microsoft.com/office/drawing/2014/main" id="{C4E1E729-6BDF-B047-C67C-FC39EF6C9922}"/>
+              </a:ext>
+            </a:extLst>
+          </p:cNvPr>
+          <p:cNvSpPr txBox="1"/>
+          <p:nvPr/>
+        </p:nvSpPr>
+        <p:spPr>
+          <a:xfrm>
+            <a:off x="1470504" y="887102"/>
+            <a:ext cx="8008254" cy="661207"/>
+          </a:xfrm>
+          <a:prstGeom prst="rect">
+            <a:avLst/>
+          </a:prstGeom>
+          <a:noFill/>
+        </p:spPr>
+        <p:txBody>
+          <a:bodyPr wrap="square" rtlCol="0">
+            <a:spAutoFit/>
+          </a:bodyPr>
+          <a:lstStyle/>
+          <a:p>
+            <a:pPr marL="571500" indent="-571500">
+              <a:lnSpc>
+                <a:spcPct val="150000"/>
+              </a:lnSpc>
+              <a:buFont typeface="Wingdings" panose="05000000000000000000" pitchFamily="2" charset="2"/>
+              <a:buChar char="v"/>
+            </a:pPr>
+            <a:r>
+              <a:rPr lang="en-US" sz="2800" b="1" dirty="0">
+                <a:latin typeface="Times New Roman" panose="02020603050405020304" pitchFamily="18" charset="0"/>
+                <a:cs typeface="Times New Roman" panose="02020603050405020304" pitchFamily="18" charset="0"/>
+              </a:rPr>
+              <a:t>Logistics if in Supply Chain Management:</a:t>
+            </a:r>
+          </a:p>
+        </p:txBody>
+      </p:sp>
+      <p:pic>
+        <p:nvPicPr>
+          <p:cNvPr id="4" name="Picture 2" descr="SCMbasics1">
+            <a:extLst>
+              <a:ext uri="{FF2B5EF4-FFF2-40B4-BE49-F238E27FC236}">
+                <a16:creationId xmlns:a16="http://schemas.microsoft.com/office/drawing/2014/main" id="{7031A16B-959A-9C68-B92B-8F6FAEE6BE2F}"/>
+              </a:ext>
+            </a:extLst>
+          </p:cNvPr>
+          <p:cNvPicPr>
+            <a:picLocks noChangeAspect="1" noChangeArrowheads="1"/>
+          </p:cNvPicPr>
+          <p:nvPr/>
+        </p:nvPicPr>
+        <p:blipFill>
+          <a:blip r:embed="rId3">
+            <a:extLst>
+              <a:ext uri="{28A0092B-C50C-407E-A947-70E740481C1C}">
+                <a14:useLocalDpi xmlns:a14="http://schemas.microsoft.com/office/drawing/2010/main" val="0"/>
+              </a:ext>
+            </a:extLst>
+          </a:blip>
+          <a:srcRect/>
+          <a:stretch>
+            <a:fillRect/>
+          </a:stretch>
+        </p:blipFill>
+        <p:spPr bwMode="auto">
+          <a:xfrm>
+            <a:off x="1454304" y="1875694"/>
+            <a:ext cx="8118156" cy="2060763"/>
+          </a:xfrm>
+          <a:prstGeom prst="rect">
+            <a:avLst/>
+          </a:prstGeom>
+          <a:noFill/>
+          <a:extLst>
+            <a:ext uri="{909E8E84-426E-40DD-AFC4-6F175D3DCCD1}">
+              <a14:hiddenFill xmlns:a14="http://schemas.microsoft.com/office/drawing/2010/main">
+                <a:solidFill>
+                  <a:srgbClr val="FFFFFF"/>
+                </a:solidFill>
+              </a14:hiddenFill>
+            </a:ext>
+          </a:extLst>
+        </p:spPr>
+      </p:pic>
+    </p:spTree>
+    <p:extLst>
+      <p:ext uri="{BB962C8B-B14F-4D97-AF65-F5344CB8AC3E}">
+        <p14:creationId xmlns:p14="http://schemas.microsoft.com/office/powerpoint/2010/main" val="4251416767"/>
+      </p:ext>
+    </p:extLst>
+  </p:cSld>
+  <p:clrMapOvr>
+    <a:masterClrMapping/>
+  </p:clrMapOvr>
+</p:sld>
+</file>
+
+<file path=ppt/slides/slide5.xml><?xml version="1.0" encoding="utf-8"?>
 <p:sld xmlns:a="http://schemas.openxmlformats.org/drawingml/2006/main" xmlns:r="http://schemas.openxmlformats.org/officeDocument/2006/relationships" xmlns:p="http://schemas.openxmlformats.org/presentationml/2006/main">
   <p:cSld>
     <p:spTree>
@@ -6306,7 +10685,7 @@
                   <a:schemeClr val="tx1"/>
                 </a:solidFill>
               </a:rPr>
-              <a:t>2</a:t>
+              <a:t>5</a:t>
             </a:r>
           </a:p>
         </p:txBody>
@@ -6470,7 +10849,1075 @@
 </p:sld>
 </file>
 
-<file path=ppt/slides/slide3.xml><?xml version="1.0" encoding="utf-8"?>
+<file path=ppt/slides/slide6.xml><?xml version="1.0" encoding="utf-8"?>
+<p:sld xmlns:a="http://schemas.openxmlformats.org/drawingml/2006/main" xmlns:r="http://schemas.openxmlformats.org/officeDocument/2006/relationships" xmlns:p="http://schemas.openxmlformats.org/presentationml/2006/main">
+  <p:cSld>
+    <p:spTree>
+      <p:nvGrpSpPr>
+        <p:cNvPr id="1" name=""/>
+        <p:cNvGrpSpPr/>
+        <p:nvPr/>
+      </p:nvGrpSpPr>
+      <p:grpSpPr>
+        <a:xfrm>
+          <a:off x="0" y="0"/>
+          <a:ext cx="0" cy="0"/>
+          <a:chOff x="0" y="0"/>
+          <a:chExt cx="0" cy="0"/>
+        </a:xfrm>
+      </p:grpSpPr>
+      <p:pic>
+        <p:nvPicPr>
+          <p:cNvPr id="7" name="Picture 6">
+            <a:extLst>
+              <a:ext uri="{FF2B5EF4-FFF2-40B4-BE49-F238E27FC236}">
+                <a16:creationId xmlns:a16="http://schemas.microsoft.com/office/drawing/2014/main" id="{AD277A71-C5A3-2B53-25AA-A52C92EF6CC4}"/>
+              </a:ext>
+            </a:extLst>
+          </p:cNvPr>
+          <p:cNvPicPr>
+            <a:picLocks noChangeAspect="1"/>
+          </p:cNvPicPr>
+          <p:nvPr/>
+        </p:nvPicPr>
+        <p:blipFill>
+          <a:blip r:embed="rId2">
+            <a:extLst>
+              <a:ext uri="{28A0092B-C50C-407E-A947-70E740481C1C}">
+                <a14:useLocalDpi xmlns:a14="http://schemas.microsoft.com/office/drawing/2010/main" val="0"/>
+              </a:ext>
+            </a:extLst>
+          </a:blip>
+          <a:stretch>
+            <a:fillRect/>
+          </a:stretch>
+        </p:blipFill>
+        <p:spPr>
+          <a:xfrm>
+            <a:off x="0" y="4844958"/>
+            <a:ext cx="1915235" cy="1915235"/>
+          </a:xfrm>
+          <a:prstGeom prst="rect">
+            <a:avLst/>
+          </a:prstGeom>
+        </p:spPr>
+      </p:pic>
+      <p:sp>
+        <p:nvSpPr>
+          <p:cNvPr id="8" name="TextBox 7">
+            <a:extLst>
+              <a:ext uri="{FF2B5EF4-FFF2-40B4-BE49-F238E27FC236}">
+                <a16:creationId xmlns:a16="http://schemas.microsoft.com/office/drawing/2014/main" id="{0835D244-D79F-8F6B-3481-116553499408}"/>
+              </a:ext>
+            </a:extLst>
+          </p:cNvPr>
+          <p:cNvSpPr txBox="1"/>
+          <p:nvPr/>
+        </p:nvSpPr>
+        <p:spPr>
+          <a:xfrm>
+            <a:off x="9778558" y="259307"/>
+            <a:ext cx="2536272" cy="461665"/>
+          </a:xfrm>
+          <a:prstGeom prst="rect">
+            <a:avLst/>
+          </a:prstGeom>
+          <a:noFill/>
+        </p:spPr>
+        <p:txBody>
+          <a:bodyPr wrap="square" rtlCol="0">
+            <a:spAutoFit/>
+          </a:bodyPr>
+          <a:lstStyle/>
+          <a:p>
+            <a:r>
+              <a:rPr lang="en-US" sz="2400" b="1" dirty="0">
+                <a:solidFill>
+                  <a:schemeClr val="bg1"/>
+                </a:solidFill>
+                <a:latin typeface="Arial Black" panose="020B0A04020102020204" pitchFamily="34" charset="0"/>
+              </a:rPr>
+              <a:t>AI Academy</a:t>
+            </a:r>
+            <a:r>
+              <a:rPr lang="en-US" sz="2400" b="0" i="0" dirty="0">
+                <a:solidFill>
+                  <a:schemeClr val="bg1"/>
+                </a:solidFill>
+                <a:effectLst/>
+                <a:latin typeface="arial" panose="020B0604020202020204" pitchFamily="34" charset="0"/>
+              </a:rPr>
+              <a:t>®</a:t>
+            </a:r>
+            <a:endParaRPr lang="en-US" sz="2400" b="1" dirty="0">
+              <a:solidFill>
+                <a:schemeClr val="bg1"/>
+              </a:solidFill>
+              <a:latin typeface="Arial Black" panose="020B0A04020102020204" pitchFamily="34" charset="0"/>
+            </a:endParaRPr>
+          </a:p>
+        </p:txBody>
+      </p:sp>
+      <p:sp>
+        <p:nvSpPr>
+          <p:cNvPr id="13" name="Scroll: Vertical 12">
+            <a:extLst>
+              <a:ext uri="{FF2B5EF4-FFF2-40B4-BE49-F238E27FC236}">
+                <a16:creationId xmlns:a16="http://schemas.microsoft.com/office/drawing/2014/main" id="{BB80B18F-2B14-894E-57C6-EC163F824025}"/>
+              </a:ext>
+            </a:extLst>
+          </p:cNvPr>
+          <p:cNvSpPr/>
+          <p:nvPr/>
+        </p:nvSpPr>
+        <p:spPr>
+          <a:xfrm>
+            <a:off x="10459839" y="887102"/>
+            <a:ext cx="1091821" cy="873457"/>
+          </a:xfrm>
+          <a:prstGeom prst="verticalScroll">
+            <a:avLst/>
+          </a:prstGeom>
+          <a:solidFill>
+            <a:schemeClr val="bg1"/>
+          </a:solidFill>
+        </p:spPr>
+        <p:style>
+          <a:lnRef idx="2">
+            <a:schemeClr val="accent1">
+              <a:shade val="15000"/>
+            </a:schemeClr>
+          </a:lnRef>
+          <a:fillRef idx="1">
+            <a:schemeClr val="accent1"/>
+          </a:fillRef>
+          <a:effectRef idx="0">
+            <a:schemeClr val="accent1"/>
+          </a:effectRef>
+          <a:fontRef idx="minor">
+            <a:schemeClr val="lt1"/>
+          </a:fontRef>
+        </p:style>
+        <p:txBody>
+          <a:bodyPr rtlCol="0" anchor="ctr"/>
+          <a:lstStyle/>
+          <a:p>
+            <a:pPr algn="ctr"/>
+            <a:r>
+              <a:rPr lang="en-US" sz="4400" b="1" dirty="0">
+                <a:solidFill>
+                  <a:schemeClr val="tx1"/>
+                </a:solidFill>
+              </a:rPr>
+              <a:t>6</a:t>
+            </a:r>
+          </a:p>
+        </p:txBody>
+      </p:sp>
+      <p:sp>
+        <p:nvSpPr>
+          <p:cNvPr id="14" name="TextBox 13">
+            <a:extLst>
+              <a:ext uri="{FF2B5EF4-FFF2-40B4-BE49-F238E27FC236}">
+                <a16:creationId xmlns:a16="http://schemas.microsoft.com/office/drawing/2014/main" id="{5E9C113D-AE55-F3B3-E221-1D8CA4D0EC80}"/>
+              </a:ext>
+            </a:extLst>
+          </p:cNvPr>
+          <p:cNvSpPr txBox="1"/>
+          <p:nvPr/>
+        </p:nvSpPr>
+        <p:spPr>
+          <a:xfrm>
+            <a:off x="1109533" y="259307"/>
+            <a:ext cx="2559868" cy="707886"/>
+          </a:xfrm>
+          <a:prstGeom prst="rect">
+            <a:avLst/>
+          </a:prstGeom>
+          <a:noFill/>
+        </p:spPr>
+        <p:txBody>
+          <a:bodyPr wrap="none" rtlCol="0">
+            <a:spAutoFit/>
+          </a:bodyPr>
+          <a:lstStyle/>
+          <a:p>
+            <a:r>
+              <a:rPr lang="en-US" sz="4000" b="1" dirty="0">
+                <a:latin typeface="Arial Black" panose="020B0A04020102020204" pitchFamily="34" charset="0"/>
+              </a:rPr>
+              <a:t>Week #7</a:t>
+            </a:r>
+          </a:p>
+        </p:txBody>
+      </p:sp>
+      <p:sp>
+        <p:nvSpPr>
+          <p:cNvPr id="2" name="TextBox 1">
+            <a:extLst>
+              <a:ext uri="{FF2B5EF4-FFF2-40B4-BE49-F238E27FC236}">
+                <a16:creationId xmlns:a16="http://schemas.microsoft.com/office/drawing/2014/main" id="{0EC405C1-D29B-4F46-59F1-060E58AFF152}"/>
+              </a:ext>
+            </a:extLst>
+          </p:cNvPr>
+          <p:cNvSpPr txBox="1"/>
+          <p:nvPr/>
+        </p:nvSpPr>
+        <p:spPr>
+          <a:xfrm>
+            <a:off x="1470504" y="887102"/>
+            <a:ext cx="8008254" cy="3996287"/>
+          </a:xfrm>
+          <a:prstGeom prst="rect">
+            <a:avLst/>
+          </a:prstGeom>
+          <a:noFill/>
+        </p:spPr>
+        <p:txBody>
+          <a:bodyPr wrap="square" rtlCol="0">
+            <a:spAutoFit/>
+          </a:bodyPr>
+          <a:lstStyle/>
+          <a:p>
+            <a:pPr marL="571500" indent="-571500">
+              <a:lnSpc>
+                <a:spcPct val="150000"/>
+              </a:lnSpc>
+              <a:buFont typeface="Wingdings" panose="05000000000000000000" pitchFamily="2" charset="2"/>
+              <a:buChar char="v"/>
+            </a:pPr>
+            <a:r>
+              <a:rPr lang="en-US" sz="2800" b="1" dirty="0">
+                <a:latin typeface="Times New Roman" panose="02020603050405020304" pitchFamily="18" charset="0"/>
+                <a:cs typeface="Times New Roman" panose="02020603050405020304" pitchFamily="18" charset="0"/>
+              </a:rPr>
+              <a:t>Inventory Management:</a:t>
+            </a:r>
+          </a:p>
+          <a:p>
+            <a:pPr marL="1485900" lvl="2" indent="-571500">
+              <a:lnSpc>
+                <a:spcPct val="150000"/>
+              </a:lnSpc>
+              <a:buFont typeface="+mj-lt"/>
+              <a:buAutoNum type="romanUcPeriod"/>
+            </a:pPr>
+            <a:r>
+              <a:rPr lang="en-US" sz="2400" dirty="0">
+                <a:latin typeface="Times New Roman" panose="02020603050405020304" pitchFamily="18" charset="0"/>
+                <a:cs typeface="Times New Roman" panose="02020603050405020304" pitchFamily="18" charset="0"/>
+              </a:rPr>
+              <a:t>Warehousing</a:t>
+            </a:r>
+          </a:p>
+          <a:p>
+            <a:pPr marL="1485900" lvl="2" indent="-571500">
+              <a:lnSpc>
+                <a:spcPct val="150000"/>
+              </a:lnSpc>
+              <a:buFont typeface="+mj-lt"/>
+              <a:buAutoNum type="romanUcPeriod"/>
+            </a:pPr>
+            <a:r>
+              <a:rPr lang="en-US" sz="2400" dirty="0">
+                <a:latin typeface="Times New Roman" panose="02020603050405020304" pitchFamily="18" charset="0"/>
+                <a:cs typeface="Times New Roman" panose="02020603050405020304" pitchFamily="18" charset="0"/>
+              </a:rPr>
+              <a:t>Inventory</a:t>
+            </a:r>
+          </a:p>
+          <a:p>
+            <a:pPr marL="1485900" lvl="2" indent="-571500">
+              <a:lnSpc>
+                <a:spcPct val="150000"/>
+              </a:lnSpc>
+              <a:buFont typeface="+mj-lt"/>
+              <a:buAutoNum type="romanUcPeriod"/>
+            </a:pPr>
+            <a:r>
+              <a:rPr lang="en-US" sz="2400" dirty="0">
+                <a:latin typeface="Times New Roman" panose="02020603050405020304" pitchFamily="18" charset="0"/>
+                <a:cs typeface="Times New Roman" panose="02020603050405020304" pitchFamily="18" charset="0"/>
+              </a:rPr>
+              <a:t>Stocking</a:t>
+            </a:r>
+          </a:p>
+          <a:p>
+            <a:pPr marL="1485900" lvl="2" indent="-571500">
+              <a:lnSpc>
+                <a:spcPct val="150000"/>
+              </a:lnSpc>
+              <a:buFont typeface="+mj-lt"/>
+              <a:buAutoNum type="romanUcPeriod"/>
+            </a:pPr>
+            <a:r>
+              <a:rPr lang="en-US" sz="2400" dirty="0">
+                <a:latin typeface="Times New Roman" panose="02020603050405020304" pitchFamily="18" charset="0"/>
+                <a:cs typeface="Times New Roman" panose="02020603050405020304" pitchFamily="18" charset="0"/>
+              </a:rPr>
+              <a:t>Packing</a:t>
+            </a:r>
+          </a:p>
+          <a:p>
+            <a:pPr marL="1485900" lvl="2" indent="-571500">
+              <a:lnSpc>
+                <a:spcPct val="150000"/>
+              </a:lnSpc>
+              <a:buFont typeface="+mj-lt"/>
+              <a:buAutoNum type="romanUcPeriod"/>
+            </a:pPr>
+            <a:r>
+              <a:rPr lang="en-US" sz="2400" dirty="0">
+                <a:latin typeface="Times New Roman" panose="02020603050405020304" pitchFamily="18" charset="0"/>
+                <a:cs typeface="Times New Roman" panose="02020603050405020304" pitchFamily="18" charset="0"/>
+              </a:rPr>
+              <a:t>Ordering</a:t>
+            </a:r>
+          </a:p>
+          <a:p>
+            <a:pPr marL="1485900" lvl="2" indent="-571500">
+              <a:lnSpc>
+                <a:spcPct val="150000"/>
+              </a:lnSpc>
+              <a:buFont typeface="+mj-lt"/>
+              <a:buAutoNum type="romanUcPeriod"/>
+            </a:pPr>
+            <a:r>
+              <a:rPr lang="en-US" sz="2400" dirty="0">
+                <a:latin typeface="Times New Roman" panose="02020603050405020304" pitchFamily="18" charset="0"/>
+                <a:cs typeface="Times New Roman" panose="02020603050405020304" pitchFamily="18" charset="0"/>
+              </a:rPr>
+              <a:t>Cargo / Distribution</a:t>
+            </a:r>
+          </a:p>
+        </p:txBody>
+      </p:sp>
+    </p:spTree>
+    <p:extLst>
+      <p:ext uri="{BB962C8B-B14F-4D97-AF65-F5344CB8AC3E}">
+        <p14:creationId xmlns:p14="http://schemas.microsoft.com/office/powerpoint/2010/main" val="3013601607"/>
+      </p:ext>
+    </p:extLst>
+  </p:cSld>
+  <p:clrMapOvr>
+    <a:masterClrMapping/>
+  </p:clrMapOvr>
+</p:sld>
+</file>
+
+<file path=ppt/slides/slide7.xml><?xml version="1.0" encoding="utf-8"?>
+<p:sld xmlns:a="http://schemas.openxmlformats.org/drawingml/2006/main" xmlns:r="http://schemas.openxmlformats.org/officeDocument/2006/relationships" xmlns:p="http://schemas.openxmlformats.org/presentationml/2006/main">
+  <p:cSld>
+    <p:spTree>
+      <p:nvGrpSpPr>
+        <p:cNvPr id="1" name=""/>
+        <p:cNvGrpSpPr/>
+        <p:nvPr/>
+      </p:nvGrpSpPr>
+      <p:grpSpPr>
+        <a:xfrm>
+          <a:off x="0" y="0"/>
+          <a:ext cx="0" cy="0"/>
+          <a:chOff x="0" y="0"/>
+          <a:chExt cx="0" cy="0"/>
+        </a:xfrm>
+      </p:grpSpPr>
+      <p:pic>
+        <p:nvPicPr>
+          <p:cNvPr id="7" name="Picture 6">
+            <a:extLst>
+              <a:ext uri="{FF2B5EF4-FFF2-40B4-BE49-F238E27FC236}">
+                <a16:creationId xmlns:a16="http://schemas.microsoft.com/office/drawing/2014/main" id="{AD277A71-C5A3-2B53-25AA-A52C92EF6CC4}"/>
+              </a:ext>
+            </a:extLst>
+          </p:cNvPr>
+          <p:cNvPicPr>
+            <a:picLocks noChangeAspect="1"/>
+          </p:cNvPicPr>
+          <p:nvPr/>
+        </p:nvPicPr>
+        <p:blipFill>
+          <a:blip r:embed="rId2">
+            <a:extLst>
+              <a:ext uri="{28A0092B-C50C-407E-A947-70E740481C1C}">
+                <a14:useLocalDpi xmlns:a14="http://schemas.microsoft.com/office/drawing/2010/main" val="0"/>
+              </a:ext>
+            </a:extLst>
+          </a:blip>
+          <a:stretch>
+            <a:fillRect/>
+          </a:stretch>
+        </p:blipFill>
+        <p:spPr>
+          <a:xfrm>
+            <a:off x="0" y="4844958"/>
+            <a:ext cx="1915235" cy="1915235"/>
+          </a:xfrm>
+          <a:prstGeom prst="rect">
+            <a:avLst/>
+          </a:prstGeom>
+        </p:spPr>
+      </p:pic>
+      <p:sp>
+        <p:nvSpPr>
+          <p:cNvPr id="8" name="TextBox 7">
+            <a:extLst>
+              <a:ext uri="{FF2B5EF4-FFF2-40B4-BE49-F238E27FC236}">
+                <a16:creationId xmlns:a16="http://schemas.microsoft.com/office/drawing/2014/main" id="{0835D244-D79F-8F6B-3481-116553499408}"/>
+              </a:ext>
+            </a:extLst>
+          </p:cNvPr>
+          <p:cNvSpPr txBox="1"/>
+          <p:nvPr/>
+        </p:nvSpPr>
+        <p:spPr>
+          <a:xfrm>
+            <a:off x="9778558" y="259307"/>
+            <a:ext cx="2536272" cy="461665"/>
+          </a:xfrm>
+          <a:prstGeom prst="rect">
+            <a:avLst/>
+          </a:prstGeom>
+          <a:noFill/>
+        </p:spPr>
+        <p:txBody>
+          <a:bodyPr wrap="square" rtlCol="0">
+            <a:spAutoFit/>
+          </a:bodyPr>
+          <a:lstStyle/>
+          <a:p>
+            <a:r>
+              <a:rPr lang="en-US" sz="2400" b="1" dirty="0">
+                <a:solidFill>
+                  <a:schemeClr val="bg1"/>
+                </a:solidFill>
+                <a:latin typeface="Arial Black" panose="020B0A04020102020204" pitchFamily="34" charset="0"/>
+              </a:rPr>
+              <a:t>AI Academy</a:t>
+            </a:r>
+            <a:r>
+              <a:rPr lang="en-US" sz="2400" b="0" i="0" dirty="0">
+                <a:solidFill>
+                  <a:schemeClr val="bg1"/>
+                </a:solidFill>
+                <a:effectLst/>
+                <a:latin typeface="arial" panose="020B0604020202020204" pitchFamily="34" charset="0"/>
+              </a:rPr>
+              <a:t>®</a:t>
+            </a:r>
+            <a:endParaRPr lang="en-US" sz="2400" b="1" dirty="0">
+              <a:solidFill>
+                <a:schemeClr val="bg1"/>
+              </a:solidFill>
+              <a:latin typeface="Arial Black" panose="020B0A04020102020204" pitchFamily="34" charset="0"/>
+            </a:endParaRPr>
+          </a:p>
+        </p:txBody>
+      </p:sp>
+      <p:sp>
+        <p:nvSpPr>
+          <p:cNvPr id="13" name="Scroll: Vertical 12">
+            <a:extLst>
+              <a:ext uri="{FF2B5EF4-FFF2-40B4-BE49-F238E27FC236}">
+                <a16:creationId xmlns:a16="http://schemas.microsoft.com/office/drawing/2014/main" id="{BB80B18F-2B14-894E-57C6-EC163F824025}"/>
+              </a:ext>
+            </a:extLst>
+          </p:cNvPr>
+          <p:cNvSpPr/>
+          <p:nvPr/>
+        </p:nvSpPr>
+        <p:spPr>
+          <a:xfrm>
+            <a:off x="10459839" y="887102"/>
+            <a:ext cx="1091821" cy="873457"/>
+          </a:xfrm>
+          <a:prstGeom prst="verticalScroll">
+            <a:avLst/>
+          </a:prstGeom>
+          <a:solidFill>
+            <a:schemeClr val="bg1"/>
+          </a:solidFill>
+        </p:spPr>
+        <p:style>
+          <a:lnRef idx="2">
+            <a:schemeClr val="accent1">
+              <a:shade val="15000"/>
+            </a:schemeClr>
+          </a:lnRef>
+          <a:fillRef idx="1">
+            <a:schemeClr val="accent1"/>
+          </a:fillRef>
+          <a:effectRef idx="0">
+            <a:schemeClr val="accent1"/>
+          </a:effectRef>
+          <a:fontRef idx="minor">
+            <a:schemeClr val="lt1"/>
+          </a:fontRef>
+        </p:style>
+        <p:txBody>
+          <a:bodyPr rtlCol="0" anchor="ctr"/>
+          <a:lstStyle/>
+          <a:p>
+            <a:pPr algn="ctr"/>
+            <a:r>
+              <a:rPr lang="en-US" sz="4400" b="1" dirty="0">
+                <a:solidFill>
+                  <a:schemeClr val="tx1"/>
+                </a:solidFill>
+              </a:rPr>
+              <a:t>7</a:t>
+            </a:r>
+          </a:p>
+        </p:txBody>
+      </p:sp>
+      <p:sp>
+        <p:nvSpPr>
+          <p:cNvPr id="14" name="TextBox 13">
+            <a:extLst>
+              <a:ext uri="{FF2B5EF4-FFF2-40B4-BE49-F238E27FC236}">
+                <a16:creationId xmlns:a16="http://schemas.microsoft.com/office/drawing/2014/main" id="{5E9C113D-AE55-F3B3-E221-1D8CA4D0EC80}"/>
+              </a:ext>
+            </a:extLst>
+          </p:cNvPr>
+          <p:cNvSpPr txBox="1"/>
+          <p:nvPr/>
+        </p:nvSpPr>
+        <p:spPr>
+          <a:xfrm>
+            <a:off x="1109533" y="259307"/>
+            <a:ext cx="2559868" cy="707886"/>
+          </a:xfrm>
+          <a:prstGeom prst="rect">
+            <a:avLst/>
+          </a:prstGeom>
+          <a:noFill/>
+        </p:spPr>
+        <p:txBody>
+          <a:bodyPr wrap="none" rtlCol="0">
+            <a:spAutoFit/>
+          </a:bodyPr>
+          <a:lstStyle/>
+          <a:p>
+            <a:r>
+              <a:rPr lang="en-US" sz="4000" b="1" dirty="0">
+                <a:latin typeface="Arial Black" panose="020B0A04020102020204" pitchFamily="34" charset="0"/>
+              </a:rPr>
+              <a:t>Week #7</a:t>
+            </a:r>
+          </a:p>
+        </p:txBody>
+      </p:sp>
+      <p:sp>
+        <p:nvSpPr>
+          <p:cNvPr id="2" name="TextBox 1">
+            <a:extLst>
+              <a:ext uri="{FF2B5EF4-FFF2-40B4-BE49-F238E27FC236}">
+                <a16:creationId xmlns:a16="http://schemas.microsoft.com/office/drawing/2014/main" id="{0EC405C1-D29B-4F46-59F1-060E58AFF152}"/>
+              </a:ext>
+            </a:extLst>
+          </p:cNvPr>
+          <p:cNvSpPr txBox="1"/>
+          <p:nvPr/>
+        </p:nvSpPr>
+        <p:spPr>
+          <a:xfrm>
+            <a:off x="1470504" y="887102"/>
+            <a:ext cx="8008254" cy="4550285"/>
+          </a:xfrm>
+          <a:prstGeom prst="rect">
+            <a:avLst/>
+          </a:prstGeom>
+          <a:noFill/>
+        </p:spPr>
+        <p:txBody>
+          <a:bodyPr wrap="square" rtlCol="0">
+            <a:spAutoFit/>
+          </a:bodyPr>
+          <a:lstStyle/>
+          <a:p>
+            <a:pPr marL="571500" indent="-571500">
+              <a:lnSpc>
+                <a:spcPct val="150000"/>
+              </a:lnSpc>
+              <a:buFont typeface="Wingdings" panose="05000000000000000000" pitchFamily="2" charset="2"/>
+              <a:buChar char="v"/>
+            </a:pPr>
+            <a:r>
+              <a:rPr lang="en-US" sz="2800" b="1" dirty="0">
+                <a:latin typeface="Times New Roman" panose="02020603050405020304" pitchFamily="18" charset="0"/>
+                <a:cs typeface="Times New Roman" panose="02020603050405020304" pitchFamily="18" charset="0"/>
+              </a:rPr>
+              <a:t>Inventory Management Do’s Techniques:</a:t>
+            </a:r>
+          </a:p>
+          <a:p>
+            <a:pPr marL="1485900" lvl="2" indent="-571500">
+              <a:lnSpc>
+                <a:spcPct val="150000"/>
+              </a:lnSpc>
+              <a:buFont typeface="+mj-lt"/>
+              <a:buAutoNum type="romanUcPeriod"/>
+            </a:pPr>
+            <a:r>
+              <a:rPr lang="en-US" sz="2400" dirty="0">
+                <a:latin typeface="Times New Roman" panose="02020603050405020304" pitchFamily="18" charset="0"/>
+                <a:cs typeface="Times New Roman" panose="02020603050405020304" pitchFamily="18" charset="0"/>
+              </a:rPr>
+              <a:t>Minimum Order Quantity (MOQ)</a:t>
+            </a:r>
+          </a:p>
+          <a:p>
+            <a:pPr marL="1485900" lvl="2" indent="-571500">
+              <a:lnSpc>
+                <a:spcPct val="150000"/>
+              </a:lnSpc>
+              <a:buFont typeface="+mj-lt"/>
+              <a:buAutoNum type="romanUcPeriod"/>
+            </a:pPr>
+            <a:r>
+              <a:rPr lang="en-US" sz="2400" dirty="0">
+                <a:latin typeface="Times New Roman" panose="02020603050405020304" pitchFamily="18" charset="0"/>
+                <a:cs typeface="Times New Roman" panose="02020603050405020304" pitchFamily="18" charset="0"/>
+              </a:rPr>
+              <a:t>ABC Analysis (Batch analysis)</a:t>
+            </a:r>
+          </a:p>
+          <a:p>
+            <a:pPr marL="1485900" lvl="2" indent="-571500">
+              <a:lnSpc>
+                <a:spcPct val="150000"/>
+              </a:lnSpc>
+              <a:buFont typeface="+mj-lt"/>
+              <a:buAutoNum type="romanUcPeriod"/>
+            </a:pPr>
+            <a:r>
+              <a:rPr lang="en-US" sz="2400" dirty="0">
+                <a:latin typeface="Times New Roman" panose="02020603050405020304" pitchFamily="18" charset="0"/>
+                <a:cs typeface="Times New Roman" panose="02020603050405020304" pitchFamily="18" charset="0"/>
+              </a:rPr>
+              <a:t>Just-In-Time (JIT)</a:t>
+            </a:r>
+          </a:p>
+          <a:p>
+            <a:pPr marL="1485900" lvl="2" indent="-571500">
+              <a:lnSpc>
+                <a:spcPct val="150000"/>
+              </a:lnSpc>
+              <a:buFont typeface="+mj-lt"/>
+              <a:buAutoNum type="romanUcPeriod"/>
+            </a:pPr>
+            <a:r>
+              <a:rPr lang="en-US" sz="2400" dirty="0">
+                <a:latin typeface="Times New Roman" panose="02020603050405020304" pitchFamily="18" charset="0"/>
+                <a:cs typeface="Times New Roman" panose="02020603050405020304" pitchFamily="18" charset="0"/>
+              </a:rPr>
+              <a:t>Safety Stock</a:t>
+            </a:r>
+          </a:p>
+          <a:p>
+            <a:pPr marL="1485900" lvl="2" indent="-571500">
+              <a:lnSpc>
+                <a:spcPct val="150000"/>
+              </a:lnSpc>
+              <a:buFont typeface="+mj-lt"/>
+              <a:buAutoNum type="romanUcPeriod"/>
+            </a:pPr>
+            <a:r>
+              <a:rPr lang="en-US" sz="2400" dirty="0">
+                <a:latin typeface="Times New Roman" panose="02020603050405020304" pitchFamily="18" charset="0"/>
+                <a:cs typeface="Times New Roman" panose="02020603050405020304" pitchFamily="18" charset="0"/>
+              </a:rPr>
+              <a:t>FIFO &amp; LIFO</a:t>
+            </a:r>
+          </a:p>
+          <a:p>
+            <a:pPr marL="1485900" lvl="2" indent="-571500">
+              <a:lnSpc>
+                <a:spcPct val="150000"/>
+              </a:lnSpc>
+              <a:buFont typeface="+mj-lt"/>
+              <a:buAutoNum type="romanUcPeriod"/>
+            </a:pPr>
+            <a:r>
+              <a:rPr lang="en-US" sz="2400" dirty="0">
+                <a:latin typeface="Times New Roman" panose="02020603050405020304" pitchFamily="18" charset="0"/>
+                <a:cs typeface="Times New Roman" panose="02020603050405020304" pitchFamily="18" charset="0"/>
+              </a:rPr>
+              <a:t>Batch Tracking</a:t>
+            </a:r>
+          </a:p>
+          <a:p>
+            <a:pPr marL="1485900" lvl="2" indent="-571500">
+              <a:lnSpc>
+                <a:spcPct val="150000"/>
+              </a:lnSpc>
+              <a:buFont typeface="+mj-lt"/>
+              <a:buAutoNum type="romanUcPeriod"/>
+            </a:pPr>
+            <a:r>
+              <a:rPr lang="en-US" sz="2400" dirty="0">
+                <a:latin typeface="Times New Roman" panose="02020603050405020304" pitchFamily="18" charset="0"/>
+                <a:cs typeface="Times New Roman" panose="02020603050405020304" pitchFamily="18" charset="0"/>
+              </a:rPr>
+              <a:t>Consignment (Local Store)</a:t>
+            </a:r>
+          </a:p>
+        </p:txBody>
+      </p:sp>
+    </p:spTree>
+    <p:extLst>
+      <p:ext uri="{BB962C8B-B14F-4D97-AF65-F5344CB8AC3E}">
+        <p14:creationId xmlns:p14="http://schemas.microsoft.com/office/powerpoint/2010/main" val="1240396185"/>
+      </p:ext>
+    </p:extLst>
+  </p:cSld>
+  <p:clrMapOvr>
+    <a:masterClrMapping/>
+  </p:clrMapOvr>
+</p:sld>
+</file>
+
+<file path=ppt/slides/slide8.xml><?xml version="1.0" encoding="utf-8"?>
+<p:sld xmlns:a="http://schemas.openxmlformats.org/drawingml/2006/main" xmlns:r="http://schemas.openxmlformats.org/officeDocument/2006/relationships" xmlns:p="http://schemas.openxmlformats.org/presentationml/2006/main">
+  <p:cSld>
+    <p:spTree>
+      <p:nvGrpSpPr>
+        <p:cNvPr id="1" name=""/>
+        <p:cNvGrpSpPr/>
+        <p:nvPr/>
+      </p:nvGrpSpPr>
+      <p:grpSpPr>
+        <a:xfrm>
+          <a:off x="0" y="0"/>
+          <a:ext cx="0" cy="0"/>
+          <a:chOff x="0" y="0"/>
+          <a:chExt cx="0" cy="0"/>
+        </a:xfrm>
+      </p:grpSpPr>
+      <p:pic>
+        <p:nvPicPr>
+          <p:cNvPr id="7" name="Picture 6">
+            <a:extLst>
+              <a:ext uri="{FF2B5EF4-FFF2-40B4-BE49-F238E27FC236}">
+                <a16:creationId xmlns:a16="http://schemas.microsoft.com/office/drawing/2014/main" id="{AD277A71-C5A3-2B53-25AA-A52C92EF6CC4}"/>
+              </a:ext>
+            </a:extLst>
+          </p:cNvPr>
+          <p:cNvPicPr>
+            <a:picLocks noChangeAspect="1"/>
+          </p:cNvPicPr>
+          <p:nvPr/>
+        </p:nvPicPr>
+        <p:blipFill>
+          <a:blip r:embed="rId2">
+            <a:extLst>
+              <a:ext uri="{28A0092B-C50C-407E-A947-70E740481C1C}">
+                <a14:useLocalDpi xmlns:a14="http://schemas.microsoft.com/office/drawing/2010/main" val="0"/>
+              </a:ext>
+            </a:extLst>
+          </a:blip>
+          <a:stretch>
+            <a:fillRect/>
+          </a:stretch>
+        </p:blipFill>
+        <p:spPr>
+          <a:xfrm>
+            <a:off x="0" y="4844958"/>
+            <a:ext cx="1915235" cy="1915235"/>
+          </a:xfrm>
+          <a:prstGeom prst="rect">
+            <a:avLst/>
+          </a:prstGeom>
+        </p:spPr>
+      </p:pic>
+      <p:sp>
+        <p:nvSpPr>
+          <p:cNvPr id="8" name="TextBox 7">
+            <a:extLst>
+              <a:ext uri="{FF2B5EF4-FFF2-40B4-BE49-F238E27FC236}">
+                <a16:creationId xmlns:a16="http://schemas.microsoft.com/office/drawing/2014/main" id="{0835D244-D79F-8F6B-3481-116553499408}"/>
+              </a:ext>
+            </a:extLst>
+          </p:cNvPr>
+          <p:cNvSpPr txBox="1"/>
+          <p:nvPr/>
+        </p:nvSpPr>
+        <p:spPr>
+          <a:xfrm>
+            <a:off x="9778558" y="259307"/>
+            <a:ext cx="2536272" cy="461665"/>
+          </a:xfrm>
+          <a:prstGeom prst="rect">
+            <a:avLst/>
+          </a:prstGeom>
+          <a:noFill/>
+        </p:spPr>
+        <p:txBody>
+          <a:bodyPr wrap="square" rtlCol="0">
+            <a:spAutoFit/>
+          </a:bodyPr>
+          <a:lstStyle/>
+          <a:p>
+            <a:r>
+              <a:rPr lang="en-US" sz="2400" b="1" dirty="0">
+                <a:solidFill>
+                  <a:schemeClr val="bg1"/>
+                </a:solidFill>
+                <a:latin typeface="Arial Black" panose="020B0A04020102020204" pitchFamily="34" charset="0"/>
+              </a:rPr>
+              <a:t>AI Academy</a:t>
+            </a:r>
+            <a:r>
+              <a:rPr lang="en-US" sz="2400" b="0" i="0" dirty="0">
+                <a:solidFill>
+                  <a:schemeClr val="bg1"/>
+                </a:solidFill>
+                <a:effectLst/>
+                <a:latin typeface="arial" panose="020B0604020202020204" pitchFamily="34" charset="0"/>
+              </a:rPr>
+              <a:t>®</a:t>
+            </a:r>
+            <a:endParaRPr lang="en-US" sz="2400" b="1" dirty="0">
+              <a:solidFill>
+                <a:schemeClr val="bg1"/>
+              </a:solidFill>
+              <a:latin typeface="Arial Black" panose="020B0A04020102020204" pitchFamily="34" charset="0"/>
+            </a:endParaRPr>
+          </a:p>
+        </p:txBody>
+      </p:sp>
+      <p:sp>
+        <p:nvSpPr>
+          <p:cNvPr id="13" name="Scroll: Vertical 12">
+            <a:extLst>
+              <a:ext uri="{FF2B5EF4-FFF2-40B4-BE49-F238E27FC236}">
+                <a16:creationId xmlns:a16="http://schemas.microsoft.com/office/drawing/2014/main" id="{BB80B18F-2B14-894E-57C6-EC163F824025}"/>
+              </a:ext>
+            </a:extLst>
+          </p:cNvPr>
+          <p:cNvSpPr/>
+          <p:nvPr/>
+        </p:nvSpPr>
+        <p:spPr>
+          <a:xfrm>
+            <a:off x="10459839" y="887102"/>
+            <a:ext cx="1091821" cy="873457"/>
+          </a:xfrm>
+          <a:prstGeom prst="verticalScroll">
+            <a:avLst/>
+          </a:prstGeom>
+          <a:solidFill>
+            <a:schemeClr val="bg1"/>
+          </a:solidFill>
+        </p:spPr>
+        <p:style>
+          <a:lnRef idx="2">
+            <a:schemeClr val="accent1">
+              <a:shade val="15000"/>
+            </a:schemeClr>
+          </a:lnRef>
+          <a:fillRef idx="1">
+            <a:schemeClr val="accent1"/>
+          </a:fillRef>
+          <a:effectRef idx="0">
+            <a:schemeClr val="accent1"/>
+          </a:effectRef>
+          <a:fontRef idx="minor">
+            <a:schemeClr val="lt1"/>
+          </a:fontRef>
+        </p:style>
+        <p:txBody>
+          <a:bodyPr rtlCol="0" anchor="ctr"/>
+          <a:lstStyle/>
+          <a:p>
+            <a:pPr algn="ctr"/>
+            <a:r>
+              <a:rPr lang="en-US" sz="4400" b="1" dirty="0">
+                <a:solidFill>
+                  <a:schemeClr val="tx1"/>
+                </a:solidFill>
+              </a:rPr>
+              <a:t>8</a:t>
+            </a:r>
+          </a:p>
+        </p:txBody>
+      </p:sp>
+      <p:sp>
+        <p:nvSpPr>
+          <p:cNvPr id="14" name="TextBox 13">
+            <a:extLst>
+              <a:ext uri="{FF2B5EF4-FFF2-40B4-BE49-F238E27FC236}">
+                <a16:creationId xmlns:a16="http://schemas.microsoft.com/office/drawing/2014/main" id="{5E9C113D-AE55-F3B3-E221-1D8CA4D0EC80}"/>
+              </a:ext>
+            </a:extLst>
+          </p:cNvPr>
+          <p:cNvSpPr txBox="1"/>
+          <p:nvPr/>
+        </p:nvSpPr>
+        <p:spPr>
+          <a:xfrm>
+            <a:off x="1109533" y="259307"/>
+            <a:ext cx="2559868" cy="707886"/>
+          </a:xfrm>
+          <a:prstGeom prst="rect">
+            <a:avLst/>
+          </a:prstGeom>
+          <a:noFill/>
+        </p:spPr>
+        <p:txBody>
+          <a:bodyPr wrap="none" rtlCol="0">
+            <a:spAutoFit/>
+          </a:bodyPr>
+          <a:lstStyle/>
+          <a:p>
+            <a:r>
+              <a:rPr lang="en-US" sz="4000" b="1" dirty="0">
+                <a:latin typeface="Arial Black" panose="020B0A04020102020204" pitchFamily="34" charset="0"/>
+              </a:rPr>
+              <a:t>Week #7</a:t>
+            </a:r>
+          </a:p>
+        </p:txBody>
+      </p:sp>
+      <p:sp>
+        <p:nvSpPr>
+          <p:cNvPr id="2" name="TextBox 1">
+            <a:extLst>
+              <a:ext uri="{FF2B5EF4-FFF2-40B4-BE49-F238E27FC236}">
+                <a16:creationId xmlns:a16="http://schemas.microsoft.com/office/drawing/2014/main" id="{0EC405C1-D29B-4F46-59F1-060E58AFF152}"/>
+              </a:ext>
+            </a:extLst>
+          </p:cNvPr>
+          <p:cNvSpPr txBox="1"/>
+          <p:nvPr/>
+        </p:nvSpPr>
+        <p:spPr>
+          <a:xfrm>
+            <a:off x="1470504" y="887102"/>
+            <a:ext cx="8008254" cy="3442289"/>
+          </a:xfrm>
+          <a:prstGeom prst="rect">
+            <a:avLst/>
+          </a:prstGeom>
+          <a:noFill/>
+        </p:spPr>
+        <p:txBody>
+          <a:bodyPr wrap="square" rtlCol="0">
+            <a:spAutoFit/>
+          </a:bodyPr>
+          <a:lstStyle/>
+          <a:p>
+            <a:pPr marL="571500" indent="-571500">
+              <a:lnSpc>
+                <a:spcPct val="150000"/>
+              </a:lnSpc>
+              <a:buFont typeface="Wingdings" panose="05000000000000000000" pitchFamily="2" charset="2"/>
+              <a:buChar char="v"/>
+            </a:pPr>
+            <a:r>
+              <a:rPr lang="en-US" sz="2800" b="1" dirty="0">
+                <a:latin typeface="Times New Roman" panose="02020603050405020304" pitchFamily="18" charset="0"/>
+                <a:cs typeface="Times New Roman" panose="02020603050405020304" pitchFamily="18" charset="0"/>
+              </a:rPr>
+              <a:t>Inventory Management Don’ts:</a:t>
+            </a:r>
+          </a:p>
+          <a:p>
+            <a:pPr marL="1485900" lvl="2" indent="-571500">
+              <a:lnSpc>
+                <a:spcPct val="150000"/>
+              </a:lnSpc>
+              <a:buFont typeface="+mj-lt"/>
+              <a:buAutoNum type="romanUcPeriod"/>
+            </a:pPr>
+            <a:r>
+              <a:rPr lang="en-US" sz="2400" dirty="0">
+                <a:latin typeface="Times New Roman" panose="02020603050405020304" pitchFamily="18" charset="0"/>
+                <a:cs typeface="Times New Roman" panose="02020603050405020304" pitchFamily="18" charset="0"/>
+              </a:rPr>
+              <a:t>Lack of Automation</a:t>
+            </a:r>
+          </a:p>
+          <a:p>
+            <a:pPr marL="1485900" lvl="2" indent="-571500">
+              <a:lnSpc>
+                <a:spcPct val="150000"/>
+              </a:lnSpc>
+              <a:buFont typeface="+mj-lt"/>
+              <a:buAutoNum type="romanUcPeriod"/>
+            </a:pPr>
+            <a:r>
+              <a:rPr lang="en-US" sz="2400" dirty="0">
+                <a:latin typeface="Times New Roman" panose="02020603050405020304" pitchFamily="18" charset="0"/>
+                <a:cs typeface="Times New Roman" panose="02020603050405020304" pitchFamily="18" charset="0"/>
+              </a:rPr>
+              <a:t>Ignoring Market Demands &amp; Trends</a:t>
+            </a:r>
+          </a:p>
+          <a:p>
+            <a:pPr marL="1485900" lvl="2" indent="-571500">
+              <a:lnSpc>
+                <a:spcPct val="150000"/>
+              </a:lnSpc>
+              <a:buFont typeface="+mj-lt"/>
+              <a:buAutoNum type="romanUcPeriod"/>
+            </a:pPr>
+            <a:r>
+              <a:rPr lang="en-US" sz="2400" dirty="0">
+                <a:latin typeface="Times New Roman" panose="02020603050405020304" pitchFamily="18" charset="0"/>
+                <a:cs typeface="Times New Roman" panose="02020603050405020304" pitchFamily="18" charset="0"/>
+              </a:rPr>
+              <a:t>Under &amp; Over Stocking</a:t>
+            </a:r>
+          </a:p>
+          <a:p>
+            <a:pPr marL="1485900" lvl="2" indent="-571500">
+              <a:lnSpc>
+                <a:spcPct val="150000"/>
+              </a:lnSpc>
+              <a:buFont typeface="+mj-lt"/>
+              <a:buAutoNum type="romanUcPeriod"/>
+            </a:pPr>
+            <a:r>
+              <a:rPr lang="en-US" sz="2400" dirty="0">
+                <a:latin typeface="Times New Roman" panose="02020603050405020304" pitchFamily="18" charset="0"/>
+                <a:cs typeface="Times New Roman" panose="02020603050405020304" pitchFamily="18" charset="0"/>
+              </a:rPr>
+              <a:t>Inaccurate Data Entry</a:t>
+            </a:r>
+          </a:p>
+          <a:p>
+            <a:pPr marL="1485900" lvl="2" indent="-571500">
+              <a:lnSpc>
+                <a:spcPct val="150000"/>
+              </a:lnSpc>
+              <a:buFont typeface="+mj-lt"/>
+              <a:buAutoNum type="romanUcPeriod"/>
+            </a:pPr>
+            <a:r>
+              <a:rPr lang="en-US" sz="2400" dirty="0">
+                <a:latin typeface="Times New Roman" panose="02020603050405020304" pitchFamily="18" charset="0"/>
+                <a:cs typeface="Times New Roman" panose="02020603050405020304" pitchFamily="18" charset="0"/>
+              </a:rPr>
+              <a:t>Never Make Assumptions</a:t>
+            </a:r>
+          </a:p>
+        </p:txBody>
+      </p:sp>
+    </p:spTree>
+    <p:extLst>
+      <p:ext uri="{BB962C8B-B14F-4D97-AF65-F5344CB8AC3E}">
+        <p14:creationId xmlns:p14="http://schemas.microsoft.com/office/powerpoint/2010/main" val="2484902298"/>
+      </p:ext>
+    </p:extLst>
+  </p:cSld>
+  <p:clrMapOvr>
+    <a:masterClrMapping/>
+  </p:clrMapOvr>
+</p:sld>
+</file>
+
+<file path=ppt/slides/slide9.xml><?xml version="1.0" encoding="utf-8"?>
 <p:sld xmlns:a="http://schemas.openxmlformats.org/drawingml/2006/main" xmlns:r="http://schemas.openxmlformats.org/officeDocument/2006/relationships" xmlns:p="http://schemas.openxmlformats.org/presentationml/2006/main">
   <p:cSld>
     <p:spTree>
@@ -6636,7 +12083,7 @@
                   <a:schemeClr val="tx1"/>
                 </a:solidFill>
               </a:rPr>
-              <a:t>3</a:t>
+              <a:t>9</a:t>
             </a:r>
           </a:p>
         </p:txBody>
@@ -6791,686 +12238,6 @@
     <p:extLst>
       <p:ext uri="{BB962C8B-B14F-4D97-AF65-F5344CB8AC3E}">
         <p14:creationId xmlns:p14="http://schemas.microsoft.com/office/powerpoint/2010/main" val="2003900591"/>
-      </p:ext>
-    </p:extLst>
-  </p:cSld>
-  <p:clrMapOvr>
-    <a:masterClrMapping/>
-  </p:clrMapOvr>
-</p:sld>
-</file>
-
-<file path=ppt/slides/slide4.xml><?xml version="1.0" encoding="utf-8"?>
-<p:sld xmlns:a="http://schemas.openxmlformats.org/drawingml/2006/main" xmlns:r="http://schemas.openxmlformats.org/officeDocument/2006/relationships" xmlns:p="http://schemas.openxmlformats.org/presentationml/2006/main">
-  <p:cSld>
-    <p:spTree>
-      <p:nvGrpSpPr>
-        <p:cNvPr id="1" name="">
-          <a:extLst>
-            <a:ext uri="{FF2B5EF4-FFF2-40B4-BE49-F238E27FC236}">
-              <a16:creationId xmlns:a16="http://schemas.microsoft.com/office/drawing/2014/main" id="{47DF9C13-05A4-00F3-A860-72AD65E0A06E}"/>
-            </a:ext>
-          </a:extLst>
-        </p:cNvPr>
-        <p:cNvGrpSpPr/>
-        <p:nvPr/>
-      </p:nvGrpSpPr>
-      <p:grpSpPr>
-        <a:xfrm>
-          <a:off x="0" y="0"/>
-          <a:ext cx="0" cy="0"/>
-          <a:chOff x="0" y="0"/>
-          <a:chExt cx="0" cy="0"/>
-        </a:xfrm>
-      </p:grpSpPr>
-      <p:pic>
-        <p:nvPicPr>
-          <p:cNvPr id="7" name="Picture 6">
-            <a:extLst>
-              <a:ext uri="{FF2B5EF4-FFF2-40B4-BE49-F238E27FC236}">
-                <a16:creationId xmlns:a16="http://schemas.microsoft.com/office/drawing/2014/main" id="{25E6FDAB-D442-9EA8-905E-BF5A169C9FB5}"/>
-              </a:ext>
-            </a:extLst>
-          </p:cNvPr>
-          <p:cNvPicPr>
-            <a:picLocks noChangeAspect="1"/>
-          </p:cNvPicPr>
-          <p:nvPr/>
-        </p:nvPicPr>
-        <p:blipFill>
-          <a:blip r:embed="rId2">
-            <a:extLst>
-              <a:ext uri="{28A0092B-C50C-407E-A947-70E740481C1C}">
-                <a14:useLocalDpi xmlns:a14="http://schemas.microsoft.com/office/drawing/2010/main" val="0"/>
-              </a:ext>
-            </a:extLst>
-          </a:blip>
-          <a:stretch>
-            <a:fillRect/>
-          </a:stretch>
-        </p:blipFill>
-        <p:spPr>
-          <a:xfrm>
-            <a:off x="0" y="4844958"/>
-            <a:ext cx="1915235" cy="1915235"/>
-          </a:xfrm>
-          <a:prstGeom prst="rect">
-            <a:avLst/>
-          </a:prstGeom>
-        </p:spPr>
-      </p:pic>
-      <p:sp>
-        <p:nvSpPr>
-          <p:cNvPr id="8" name="TextBox 7">
-            <a:extLst>
-              <a:ext uri="{FF2B5EF4-FFF2-40B4-BE49-F238E27FC236}">
-                <a16:creationId xmlns:a16="http://schemas.microsoft.com/office/drawing/2014/main" id="{69FF4E71-12CB-3666-C1EE-2C9A627335A2}"/>
-              </a:ext>
-            </a:extLst>
-          </p:cNvPr>
-          <p:cNvSpPr txBox="1"/>
-          <p:nvPr/>
-        </p:nvSpPr>
-        <p:spPr>
-          <a:xfrm>
-            <a:off x="9778558" y="259307"/>
-            <a:ext cx="2536272" cy="461665"/>
-          </a:xfrm>
-          <a:prstGeom prst="rect">
-            <a:avLst/>
-          </a:prstGeom>
-          <a:noFill/>
-        </p:spPr>
-        <p:txBody>
-          <a:bodyPr wrap="square" rtlCol="0">
-            <a:spAutoFit/>
-          </a:bodyPr>
-          <a:lstStyle/>
-          <a:p>
-            <a:r>
-              <a:rPr lang="en-US" sz="2400" b="1" dirty="0">
-                <a:solidFill>
-                  <a:schemeClr val="bg1"/>
-                </a:solidFill>
-                <a:latin typeface="Arial Black" panose="020B0A04020102020204" pitchFamily="34" charset="0"/>
-              </a:rPr>
-              <a:t>AI Academy</a:t>
-            </a:r>
-            <a:r>
-              <a:rPr lang="en-US" sz="2400" b="0" i="0" dirty="0">
-                <a:solidFill>
-                  <a:schemeClr val="bg1"/>
-                </a:solidFill>
-                <a:effectLst/>
-                <a:latin typeface="arial" panose="020B0604020202020204" pitchFamily="34" charset="0"/>
-              </a:rPr>
-              <a:t>®</a:t>
-            </a:r>
-            <a:endParaRPr lang="en-US" sz="2400" b="1" dirty="0">
-              <a:solidFill>
-                <a:schemeClr val="bg1"/>
-              </a:solidFill>
-              <a:latin typeface="Arial Black" panose="020B0A04020102020204" pitchFamily="34" charset="0"/>
-            </a:endParaRPr>
-          </a:p>
-        </p:txBody>
-      </p:sp>
-      <p:sp>
-        <p:nvSpPr>
-          <p:cNvPr id="13" name="Scroll: Vertical 12">
-            <a:extLst>
-              <a:ext uri="{FF2B5EF4-FFF2-40B4-BE49-F238E27FC236}">
-                <a16:creationId xmlns:a16="http://schemas.microsoft.com/office/drawing/2014/main" id="{48F135C3-AD06-1FA0-29F0-9123B4BC009F}"/>
-              </a:ext>
-            </a:extLst>
-          </p:cNvPr>
-          <p:cNvSpPr/>
-          <p:nvPr/>
-        </p:nvSpPr>
-        <p:spPr>
-          <a:xfrm>
-            <a:off x="10459839" y="887102"/>
-            <a:ext cx="1091821" cy="873457"/>
-          </a:xfrm>
-          <a:prstGeom prst="verticalScroll">
-            <a:avLst/>
-          </a:prstGeom>
-          <a:solidFill>
-            <a:schemeClr val="bg1"/>
-          </a:solidFill>
-        </p:spPr>
-        <p:style>
-          <a:lnRef idx="2">
-            <a:schemeClr val="accent1">
-              <a:shade val="15000"/>
-            </a:schemeClr>
-          </a:lnRef>
-          <a:fillRef idx="1">
-            <a:schemeClr val="accent1"/>
-          </a:fillRef>
-          <a:effectRef idx="0">
-            <a:schemeClr val="accent1"/>
-          </a:effectRef>
-          <a:fontRef idx="minor">
-            <a:schemeClr val="lt1"/>
-          </a:fontRef>
-        </p:style>
-        <p:txBody>
-          <a:bodyPr rtlCol="0" anchor="ctr"/>
-          <a:lstStyle/>
-          <a:p>
-            <a:pPr algn="ctr"/>
-            <a:r>
-              <a:rPr lang="en-US" sz="4400" b="1" dirty="0">
-                <a:solidFill>
-                  <a:schemeClr val="tx1"/>
-                </a:solidFill>
-              </a:rPr>
-              <a:t>4</a:t>
-            </a:r>
-          </a:p>
-        </p:txBody>
-      </p:sp>
-      <p:sp>
-        <p:nvSpPr>
-          <p:cNvPr id="2" name="TextBox 1">
-            <a:extLst>
-              <a:ext uri="{FF2B5EF4-FFF2-40B4-BE49-F238E27FC236}">
-                <a16:creationId xmlns:a16="http://schemas.microsoft.com/office/drawing/2014/main" id="{2E5A3BF6-53E4-2CD7-8E1B-3A695A213A3A}"/>
-              </a:ext>
-            </a:extLst>
-          </p:cNvPr>
-          <p:cNvSpPr txBox="1"/>
-          <p:nvPr/>
-        </p:nvSpPr>
-        <p:spPr>
-          <a:xfrm>
-            <a:off x="1915235" y="1255590"/>
-            <a:ext cx="7102156" cy="3431196"/>
-          </a:xfrm>
-          <a:prstGeom prst="rect">
-            <a:avLst/>
-          </a:prstGeom>
-          <a:noFill/>
-        </p:spPr>
-        <p:txBody>
-          <a:bodyPr wrap="square" rtlCol="0">
-            <a:spAutoFit/>
-          </a:bodyPr>
-          <a:lstStyle/>
-          <a:p>
-            <a:pPr marL="285750" indent="-285750">
-              <a:lnSpc>
-                <a:spcPct val="150000"/>
-              </a:lnSpc>
-              <a:buFont typeface="Wingdings" panose="05000000000000000000" pitchFamily="2" charset="2"/>
-              <a:buChar char="Ø"/>
-            </a:pPr>
-            <a:r>
-              <a:rPr lang="en-US" sz="3600" b="1" dirty="0">
-                <a:latin typeface="Times New Roman" panose="02020603050405020304" pitchFamily="18" charset="0"/>
-                <a:cs typeface="Times New Roman" panose="02020603050405020304" pitchFamily="18" charset="0"/>
-              </a:rPr>
-              <a:t>Day 4: </a:t>
-            </a:r>
-          </a:p>
-          <a:p>
-            <a:pPr marL="1485900" lvl="2" indent="-571500">
-              <a:lnSpc>
-                <a:spcPct val="150000"/>
-              </a:lnSpc>
-              <a:buFont typeface="+mj-lt"/>
-              <a:buAutoNum type="romanUcPeriod"/>
-            </a:pPr>
-            <a:r>
-              <a:rPr lang="en-US" sz="2800" dirty="0">
-                <a:latin typeface="Times New Roman" panose="02020603050405020304" pitchFamily="18" charset="0"/>
-                <a:cs typeface="Times New Roman" panose="02020603050405020304" pitchFamily="18" charset="0"/>
-              </a:rPr>
-              <a:t>Defining Importance</a:t>
-            </a:r>
-          </a:p>
-          <a:p>
-            <a:pPr marL="1943100" lvl="3" indent="-571500">
-              <a:lnSpc>
-                <a:spcPct val="150000"/>
-              </a:lnSpc>
-              <a:buFont typeface="Arial" panose="020B0604020202020204" pitchFamily="34" charset="0"/>
-              <a:buChar char="•"/>
-            </a:pPr>
-            <a:r>
-              <a:rPr lang="en-US" sz="2800" dirty="0">
-                <a:latin typeface="Times New Roman" panose="02020603050405020304" pitchFamily="18" charset="0"/>
-                <a:cs typeface="Times New Roman" panose="02020603050405020304" pitchFamily="18" charset="0"/>
-              </a:rPr>
-              <a:t>Local Customer Support</a:t>
-            </a:r>
-          </a:p>
-          <a:p>
-            <a:pPr marL="1943100" lvl="3" indent="-571500">
-              <a:lnSpc>
-                <a:spcPct val="150000"/>
-              </a:lnSpc>
-              <a:buFont typeface="Arial" panose="020B0604020202020204" pitchFamily="34" charset="0"/>
-              <a:buChar char="•"/>
-            </a:pPr>
-            <a:r>
-              <a:rPr lang="en-US" sz="2800" dirty="0">
-                <a:latin typeface="Times New Roman" panose="02020603050405020304" pitchFamily="18" charset="0"/>
-                <a:cs typeface="Times New Roman" panose="02020603050405020304" pitchFamily="18" charset="0"/>
-              </a:rPr>
-              <a:t>Global Customer Support</a:t>
-            </a:r>
-          </a:p>
-          <a:p>
-            <a:pPr marL="1485900" lvl="2" indent="-571500">
-              <a:lnSpc>
-                <a:spcPct val="150000"/>
-              </a:lnSpc>
-              <a:buFont typeface="+mj-lt"/>
-              <a:buAutoNum type="romanUcPeriod"/>
-            </a:pPr>
-            <a:r>
-              <a:rPr lang="en-US" sz="2800" dirty="0">
-                <a:latin typeface="Times New Roman" panose="02020603050405020304" pitchFamily="18" charset="0"/>
-                <a:cs typeface="Times New Roman" panose="02020603050405020304" pitchFamily="18" charset="0"/>
-              </a:rPr>
-              <a:t>Reviews &amp; Feedbacks</a:t>
-            </a:r>
-          </a:p>
-        </p:txBody>
-      </p:sp>
-      <p:sp>
-        <p:nvSpPr>
-          <p:cNvPr id="3" name="TextBox 2">
-            <a:extLst>
-              <a:ext uri="{FF2B5EF4-FFF2-40B4-BE49-F238E27FC236}">
-                <a16:creationId xmlns:a16="http://schemas.microsoft.com/office/drawing/2014/main" id="{3A338323-A1BB-E65E-3214-184CC15AAEA5}"/>
-              </a:ext>
-            </a:extLst>
-          </p:cNvPr>
-          <p:cNvSpPr txBox="1"/>
-          <p:nvPr/>
-        </p:nvSpPr>
-        <p:spPr>
-          <a:xfrm>
-            <a:off x="1109533" y="259307"/>
-            <a:ext cx="2559868" cy="707886"/>
-          </a:xfrm>
-          <a:prstGeom prst="rect">
-            <a:avLst/>
-          </a:prstGeom>
-          <a:noFill/>
-        </p:spPr>
-        <p:txBody>
-          <a:bodyPr wrap="none" rtlCol="0">
-            <a:spAutoFit/>
-          </a:bodyPr>
-          <a:lstStyle/>
-          <a:p>
-            <a:r>
-              <a:rPr lang="en-US" sz="4000" b="1" dirty="0">
-                <a:latin typeface="Arial Black" panose="020B0A04020102020204" pitchFamily="34" charset="0"/>
-              </a:rPr>
-              <a:t>Week #7</a:t>
-            </a:r>
-          </a:p>
-        </p:txBody>
-      </p:sp>
-    </p:spTree>
-    <p:extLst>
-      <p:ext uri="{BB962C8B-B14F-4D97-AF65-F5344CB8AC3E}">
-        <p14:creationId xmlns:p14="http://schemas.microsoft.com/office/powerpoint/2010/main" val="1380376806"/>
-      </p:ext>
-    </p:extLst>
-  </p:cSld>
-  <p:clrMapOvr>
-    <a:masterClrMapping/>
-  </p:clrMapOvr>
-</p:sld>
-</file>
-
-<file path=ppt/slides/slide5.xml><?xml version="1.0" encoding="utf-8"?>
-<p:sld xmlns:a="http://schemas.openxmlformats.org/drawingml/2006/main" xmlns:r="http://schemas.openxmlformats.org/officeDocument/2006/relationships" xmlns:p="http://schemas.openxmlformats.org/presentationml/2006/main">
-  <p:cSld>
-    <p:spTree>
-      <p:nvGrpSpPr>
-        <p:cNvPr id="1" name="">
-          <a:extLst>
-            <a:ext uri="{FF2B5EF4-FFF2-40B4-BE49-F238E27FC236}">
-              <a16:creationId xmlns:a16="http://schemas.microsoft.com/office/drawing/2014/main" id="{652BEC75-8F64-27B0-ADE2-1F5D13E29634}"/>
-            </a:ext>
-          </a:extLst>
-        </p:cNvPr>
-        <p:cNvGrpSpPr/>
-        <p:nvPr/>
-      </p:nvGrpSpPr>
-      <p:grpSpPr>
-        <a:xfrm>
-          <a:off x="0" y="0"/>
-          <a:ext cx="0" cy="0"/>
-          <a:chOff x="0" y="0"/>
-          <a:chExt cx="0" cy="0"/>
-        </a:xfrm>
-      </p:grpSpPr>
-      <p:pic>
-        <p:nvPicPr>
-          <p:cNvPr id="7" name="Picture 6">
-            <a:extLst>
-              <a:ext uri="{FF2B5EF4-FFF2-40B4-BE49-F238E27FC236}">
-                <a16:creationId xmlns:a16="http://schemas.microsoft.com/office/drawing/2014/main" id="{B3DF5A13-DECF-0731-C22C-C7D3001751F0}"/>
-              </a:ext>
-            </a:extLst>
-          </p:cNvPr>
-          <p:cNvPicPr>
-            <a:picLocks noChangeAspect="1"/>
-          </p:cNvPicPr>
-          <p:nvPr/>
-        </p:nvPicPr>
-        <p:blipFill>
-          <a:blip r:embed="rId2">
-            <a:extLst>
-              <a:ext uri="{28A0092B-C50C-407E-A947-70E740481C1C}">
-                <a14:useLocalDpi xmlns:a14="http://schemas.microsoft.com/office/drawing/2010/main" val="0"/>
-              </a:ext>
-            </a:extLst>
-          </a:blip>
-          <a:stretch>
-            <a:fillRect/>
-          </a:stretch>
-        </p:blipFill>
-        <p:spPr>
-          <a:xfrm>
-            <a:off x="0" y="4844958"/>
-            <a:ext cx="1915235" cy="1915235"/>
-          </a:xfrm>
-          <a:prstGeom prst="rect">
-            <a:avLst/>
-          </a:prstGeom>
-        </p:spPr>
-      </p:pic>
-      <p:sp>
-        <p:nvSpPr>
-          <p:cNvPr id="8" name="TextBox 7">
-            <a:extLst>
-              <a:ext uri="{FF2B5EF4-FFF2-40B4-BE49-F238E27FC236}">
-                <a16:creationId xmlns:a16="http://schemas.microsoft.com/office/drawing/2014/main" id="{45C8D167-2F03-8954-57F8-08F53482CFA9}"/>
-              </a:ext>
-            </a:extLst>
-          </p:cNvPr>
-          <p:cNvSpPr txBox="1"/>
-          <p:nvPr/>
-        </p:nvSpPr>
-        <p:spPr>
-          <a:xfrm>
-            <a:off x="9778558" y="259307"/>
-            <a:ext cx="2536272" cy="461665"/>
-          </a:xfrm>
-          <a:prstGeom prst="rect">
-            <a:avLst/>
-          </a:prstGeom>
-          <a:noFill/>
-        </p:spPr>
-        <p:txBody>
-          <a:bodyPr wrap="square" rtlCol="0">
-            <a:spAutoFit/>
-          </a:bodyPr>
-          <a:lstStyle/>
-          <a:p>
-            <a:r>
-              <a:rPr lang="en-US" sz="2400" b="1" dirty="0">
-                <a:solidFill>
-                  <a:schemeClr val="bg1"/>
-                </a:solidFill>
-                <a:latin typeface="Arial Black" panose="020B0A04020102020204" pitchFamily="34" charset="0"/>
-              </a:rPr>
-              <a:t>AI Academy</a:t>
-            </a:r>
-            <a:r>
-              <a:rPr lang="en-US" sz="2400" b="0" i="0" dirty="0">
-                <a:solidFill>
-                  <a:schemeClr val="bg1"/>
-                </a:solidFill>
-                <a:effectLst/>
-                <a:latin typeface="arial" panose="020B0604020202020204" pitchFamily="34" charset="0"/>
-              </a:rPr>
-              <a:t>®</a:t>
-            </a:r>
-            <a:endParaRPr lang="en-US" sz="2400" b="1" dirty="0">
-              <a:solidFill>
-                <a:schemeClr val="bg1"/>
-              </a:solidFill>
-              <a:latin typeface="Arial Black" panose="020B0A04020102020204" pitchFamily="34" charset="0"/>
-            </a:endParaRPr>
-          </a:p>
-        </p:txBody>
-      </p:sp>
-      <p:sp>
-        <p:nvSpPr>
-          <p:cNvPr id="13" name="Scroll: Vertical 12">
-            <a:extLst>
-              <a:ext uri="{FF2B5EF4-FFF2-40B4-BE49-F238E27FC236}">
-                <a16:creationId xmlns:a16="http://schemas.microsoft.com/office/drawing/2014/main" id="{F936E3B0-6762-A2D4-C8F8-BCC3A7F97715}"/>
-              </a:ext>
-            </a:extLst>
-          </p:cNvPr>
-          <p:cNvSpPr/>
-          <p:nvPr/>
-        </p:nvSpPr>
-        <p:spPr>
-          <a:xfrm>
-            <a:off x="10459839" y="887102"/>
-            <a:ext cx="1091821" cy="873457"/>
-          </a:xfrm>
-          <a:prstGeom prst="verticalScroll">
-            <a:avLst/>
-          </a:prstGeom>
-          <a:solidFill>
-            <a:schemeClr val="bg1"/>
-          </a:solidFill>
-        </p:spPr>
-        <p:style>
-          <a:lnRef idx="2">
-            <a:schemeClr val="accent1">
-              <a:shade val="15000"/>
-            </a:schemeClr>
-          </a:lnRef>
-          <a:fillRef idx="1">
-            <a:schemeClr val="accent1"/>
-          </a:fillRef>
-          <a:effectRef idx="0">
-            <a:schemeClr val="accent1"/>
-          </a:effectRef>
-          <a:fontRef idx="minor">
-            <a:schemeClr val="lt1"/>
-          </a:fontRef>
-        </p:style>
-        <p:txBody>
-          <a:bodyPr rtlCol="0" anchor="ctr"/>
-          <a:lstStyle/>
-          <a:p>
-            <a:pPr algn="ctr"/>
-            <a:r>
-              <a:rPr lang="en-US" sz="4400" b="1" dirty="0">
-                <a:solidFill>
-                  <a:schemeClr val="tx1"/>
-                </a:solidFill>
-              </a:rPr>
-              <a:t>5</a:t>
-            </a:r>
-          </a:p>
-        </p:txBody>
-      </p:sp>
-      <p:sp>
-        <p:nvSpPr>
-          <p:cNvPr id="2" name="TextBox 1">
-            <a:extLst>
-              <a:ext uri="{FF2B5EF4-FFF2-40B4-BE49-F238E27FC236}">
-                <a16:creationId xmlns:a16="http://schemas.microsoft.com/office/drawing/2014/main" id="{3EA93B23-D028-2C29-1E1D-619113B66116}"/>
-              </a:ext>
-            </a:extLst>
-          </p:cNvPr>
-          <p:cNvSpPr txBox="1"/>
-          <p:nvPr/>
-        </p:nvSpPr>
-        <p:spPr>
-          <a:xfrm>
-            <a:off x="1915235" y="1255590"/>
-            <a:ext cx="7597475" cy="4077526"/>
-          </a:xfrm>
-          <a:prstGeom prst="rect">
-            <a:avLst/>
-          </a:prstGeom>
-          <a:noFill/>
-        </p:spPr>
-        <p:txBody>
-          <a:bodyPr wrap="square" rtlCol="0">
-            <a:spAutoFit/>
-          </a:bodyPr>
-          <a:lstStyle/>
-          <a:p>
-            <a:pPr marL="285750" indent="-285750">
-              <a:lnSpc>
-                <a:spcPct val="150000"/>
-              </a:lnSpc>
-              <a:buFont typeface="Wingdings" panose="05000000000000000000" pitchFamily="2" charset="2"/>
-              <a:buChar char="Ø"/>
-            </a:pPr>
-            <a:r>
-              <a:rPr lang="en-US" sz="3600" b="1" dirty="0">
-                <a:latin typeface="Times New Roman" panose="02020603050405020304" pitchFamily="18" charset="0"/>
-                <a:cs typeface="Times New Roman" panose="02020603050405020304" pitchFamily="18" charset="0"/>
-              </a:rPr>
-              <a:t>Day 5:</a:t>
-            </a:r>
-          </a:p>
-          <a:p>
-            <a:pPr marL="1485900" lvl="2" indent="-571500">
-              <a:lnSpc>
-                <a:spcPct val="150000"/>
-              </a:lnSpc>
-              <a:buFont typeface="+mj-lt"/>
-              <a:buAutoNum type="romanUcPeriod"/>
-            </a:pPr>
-            <a:r>
-              <a:rPr lang="en-US" sz="2800" dirty="0">
-                <a:latin typeface="Times New Roman" panose="02020603050405020304" pitchFamily="18" charset="0"/>
-                <a:cs typeface="Times New Roman" panose="02020603050405020304" pitchFamily="18" charset="0"/>
-              </a:rPr>
-              <a:t>Strategies to Conclude Performance</a:t>
-            </a:r>
-          </a:p>
-          <a:p>
-            <a:pPr marL="1485900" lvl="2" indent="-571500">
-              <a:lnSpc>
-                <a:spcPct val="150000"/>
-              </a:lnSpc>
-              <a:buFont typeface="+mj-lt"/>
-              <a:buAutoNum type="romanUcPeriod"/>
-            </a:pPr>
-            <a:r>
-              <a:rPr lang="en-US" sz="2800" dirty="0">
-                <a:latin typeface="Times New Roman" panose="02020603050405020304" pitchFamily="18" charset="0"/>
-                <a:cs typeface="Times New Roman" panose="02020603050405020304" pitchFamily="18" charset="0"/>
-              </a:rPr>
-              <a:t>Analysis</a:t>
-            </a:r>
-          </a:p>
-          <a:p>
-            <a:pPr marL="1943100" lvl="3" indent="-571500">
-              <a:lnSpc>
-                <a:spcPct val="150000"/>
-              </a:lnSpc>
-              <a:buFont typeface="Arial" panose="020B0604020202020204" pitchFamily="34" charset="0"/>
-              <a:buChar char="•"/>
-            </a:pPr>
-            <a:r>
-              <a:rPr lang="en-US" sz="2800" dirty="0">
-                <a:latin typeface="Times New Roman" panose="02020603050405020304" pitchFamily="18" charset="0"/>
-                <a:cs typeface="Times New Roman" panose="02020603050405020304" pitchFamily="18" charset="0"/>
-              </a:rPr>
-              <a:t>Metrics</a:t>
-            </a:r>
-          </a:p>
-          <a:p>
-            <a:pPr marL="1943100" lvl="3" indent="-571500">
-              <a:lnSpc>
-                <a:spcPct val="150000"/>
-              </a:lnSpc>
-              <a:buFont typeface="Arial" panose="020B0604020202020204" pitchFamily="34" charset="0"/>
-              <a:buChar char="•"/>
-            </a:pPr>
-            <a:r>
-              <a:rPr lang="en-US" sz="2800" dirty="0" err="1">
-                <a:latin typeface="Times New Roman" panose="02020603050405020304" pitchFamily="18" charset="0"/>
-                <a:cs typeface="Times New Roman" panose="02020603050405020304" pitchFamily="18" charset="0"/>
-              </a:rPr>
-              <a:t>Trackings</a:t>
-            </a:r>
-            <a:endParaRPr lang="en-US" sz="2800" dirty="0">
-              <a:latin typeface="Times New Roman" panose="02020603050405020304" pitchFamily="18" charset="0"/>
-              <a:cs typeface="Times New Roman" panose="02020603050405020304" pitchFamily="18" charset="0"/>
-            </a:endParaRPr>
-          </a:p>
-          <a:p>
-            <a:pPr marL="1485900" lvl="2" indent="-571500">
-              <a:lnSpc>
-                <a:spcPct val="150000"/>
-              </a:lnSpc>
-              <a:buFont typeface="+mj-lt"/>
-              <a:buAutoNum type="romanUcPeriod"/>
-            </a:pPr>
-            <a:r>
-              <a:rPr lang="en-US" sz="2800" dirty="0">
-                <a:latin typeface="Times New Roman" panose="02020603050405020304" pitchFamily="18" charset="0"/>
-                <a:cs typeface="Times New Roman" panose="02020603050405020304" pitchFamily="18" charset="0"/>
-              </a:rPr>
-              <a:t>Reviews &amp; Feedbacks</a:t>
-            </a:r>
-          </a:p>
-        </p:txBody>
-      </p:sp>
-      <p:sp>
-        <p:nvSpPr>
-          <p:cNvPr id="3" name="TextBox 2">
-            <a:extLst>
-              <a:ext uri="{FF2B5EF4-FFF2-40B4-BE49-F238E27FC236}">
-                <a16:creationId xmlns:a16="http://schemas.microsoft.com/office/drawing/2014/main" id="{13C7E109-1AAC-B21C-32DB-130CCA25A7A2}"/>
-              </a:ext>
-            </a:extLst>
-          </p:cNvPr>
-          <p:cNvSpPr txBox="1"/>
-          <p:nvPr/>
-        </p:nvSpPr>
-        <p:spPr>
-          <a:xfrm>
-            <a:off x="1109533" y="259307"/>
-            <a:ext cx="2559868" cy="707886"/>
-          </a:xfrm>
-          <a:prstGeom prst="rect">
-            <a:avLst/>
-          </a:prstGeom>
-          <a:noFill/>
-        </p:spPr>
-        <p:txBody>
-          <a:bodyPr wrap="none" rtlCol="0">
-            <a:spAutoFit/>
-          </a:bodyPr>
-          <a:lstStyle/>
-          <a:p>
-            <a:r>
-              <a:rPr lang="en-US" sz="4000" b="1" dirty="0">
-                <a:latin typeface="Arial Black" panose="020B0A04020102020204" pitchFamily="34" charset="0"/>
-              </a:rPr>
-              <a:t>Week #7</a:t>
-            </a:r>
-          </a:p>
-        </p:txBody>
-      </p:sp>
-    </p:spTree>
-    <p:extLst>
-      <p:ext uri="{BB962C8B-B14F-4D97-AF65-F5344CB8AC3E}">
-        <p14:creationId xmlns:p14="http://schemas.microsoft.com/office/powerpoint/2010/main" val="4159704293"/>
       </p:ext>
     </p:extLst>
   </p:cSld>
